--- a/ppt/Tensorflow 2 Tutorial.pptx
+++ b/ppt/Tensorflow 2 Tutorial.pptx
@@ -5,14 +5,16 @@
     <p:sldMasterId id="2147483648" r:id="rId1"/>
   </p:sldMasterIdLst>
   <p:notesMasterIdLst>
-    <p:notesMasterId r:id="rId7"/>
+    <p:notesMasterId r:id="rId9"/>
   </p:notesMasterIdLst>
   <p:sldIdLst>
     <p:sldId id="256" r:id="rId2"/>
     <p:sldId id="258" r:id="rId3"/>
-    <p:sldId id="257" r:id="rId4"/>
-    <p:sldId id="259" r:id="rId5"/>
-    <p:sldId id="260" r:id="rId6"/>
+    <p:sldId id="261" r:id="rId4"/>
+    <p:sldId id="262" r:id="rId5"/>
+    <p:sldId id="257" r:id="rId6"/>
+    <p:sldId id="259" r:id="rId7"/>
+    <p:sldId id="260" r:id="rId8"/>
   </p:sldIdLst>
   <p:sldSz cx="12192000" cy="6858000"/>
   <p:notesSz cx="6858000" cy="9144000"/>
@@ -117,6 +119,6724 @@
     </p:ext>
   </p:extLst>
 </p:presentation>
+</file>
+
+<file path=ppt/charts/chart1.xml><?xml version="1.0" encoding="utf-8"?>
+<c:chartSpace xmlns:c="http://schemas.openxmlformats.org/drawingml/2006/chart" xmlns:a="http://schemas.openxmlformats.org/drawingml/2006/main" xmlns:r="http://schemas.openxmlformats.org/officeDocument/2006/relationships" xmlns:c16r2="http://schemas.microsoft.com/office/drawing/2015/06/chart">
+  <c:date1904 val="0"/>
+  <c:lang val="zh-CN"/>
+  <c:roundedCorners val="0"/>
+  <mc:AlternateContent xmlns:mc="http://schemas.openxmlformats.org/markup-compatibility/2006">
+    <mc:Choice xmlns:c14="http://schemas.microsoft.com/office/drawing/2007/8/2/chart" Requires="c14">
+      <c14:style val="102"/>
+    </mc:Choice>
+    <mc:Fallback>
+      <c:style val="2"/>
+    </mc:Fallback>
+  </mc:AlternateContent>
+  <c:chart>
+    <c:title>
+      <c:tx>
+        <c:rich>
+          <a:bodyPr rot="0" spcFirstLastPara="1" vertOverflow="ellipsis" vert="horz" wrap="square" anchor="ctr" anchorCtr="1"/>
+          <a:lstStyle/>
+          <a:p>
+            <a:pPr>
+              <a:defRPr sz="1862" b="0" i="0" u="none" strike="noStrike" kern="1200" spc="0" baseline="0">
+                <a:solidFill>
+                  <a:schemeClr val="tx1">
+                    <a:lumMod val="65000"/>
+                    <a:lumOff val="35000"/>
+                  </a:schemeClr>
+                </a:solidFill>
+                <a:latin typeface="+mn-lt"/>
+                <a:ea typeface="+mn-ea"/>
+                <a:cs typeface="+mn-cs"/>
+              </a:defRPr>
+            </a:pPr>
+            <a:r>
+              <a:rPr lang="en-US" altLang="zh-CN" sz="1800" b="1" dirty="0">
+                <a:solidFill>
+                  <a:schemeClr val="bg1"/>
+                </a:solidFill>
+              </a:rPr>
+              <a:t>Market Share in past 5 years</a:t>
+            </a:r>
+            <a:endParaRPr lang="zh-CN" altLang="en-US" sz="1800" b="1" dirty="0">
+              <a:solidFill>
+                <a:schemeClr val="bg1"/>
+              </a:solidFill>
+            </a:endParaRPr>
+          </a:p>
+        </c:rich>
+      </c:tx>
+      <c:overlay val="0"/>
+      <c:spPr>
+        <a:noFill/>
+        <a:ln>
+          <a:noFill/>
+        </a:ln>
+        <a:effectLst/>
+      </c:spPr>
+      <c:txPr>
+        <a:bodyPr rot="0" spcFirstLastPara="1" vertOverflow="ellipsis" vert="horz" wrap="square" anchor="ctr" anchorCtr="1"/>
+        <a:lstStyle/>
+        <a:p>
+          <a:pPr>
+            <a:defRPr sz="1862" b="0" i="0" u="none" strike="noStrike" kern="1200" spc="0" baseline="0">
+              <a:solidFill>
+                <a:schemeClr val="tx1">
+                  <a:lumMod val="65000"/>
+                  <a:lumOff val="35000"/>
+                </a:schemeClr>
+              </a:solidFill>
+              <a:latin typeface="+mn-lt"/>
+              <a:ea typeface="+mn-ea"/>
+              <a:cs typeface="+mn-cs"/>
+            </a:defRPr>
+          </a:pPr>
+          <a:endParaRPr lang="zh-CN"/>
+        </a:p>
+      </c:txPr>
+    </c:title>
+    <c:autoTitleDeleted val="0"/>
+    <c:view3D>
+      <c:rotX val="30"/>
+      <c:rotY val="0"/>
+      <c:depthPercent val="100"/>
+      <c:rAngAx val="0"/>
+    </c:view3D>
+    <c:floor>
+      <c:thickness val="0"/>
+      <c:spPr>
+        <a:noFill/>
+        <a:ln>
+          <a:noFill/>
+        </a:ln>
+        <a:effectLst/>
+        <a:sp3d/>
+      </c:spPr>
+    </c:floor>
+    <c:sideWall>
+      <c:thickness val="0"/>
+      <c:spPr>
+        <a:noFill/>
+        <a:ln>
+          <a:noFill/>
+        </a:ln>
+        <a:effectLst/>
+        <a:sp3d/>
+      </c:spPr>
+    </c:sideWall>
+    <c:backWall>
+      <c:thickness val="0"/>
+      <c:spPr>
+        <a:noFill/>
+        <a:ln>
+          <a:noFill/>
+        </a:ln>
+        <a:effectLst/>
+        <a:sp3d/>
+      </c:spPr>
+    </c:backWall>
+    <c:plotArea>
+      <c:layout/>
+      <c:pie3DChart>
+        <c:varyColors val="1"/>
+        <c:ser>
+          <c:idx val="0"/>
+          <c:order val="0"/>
+          <c:tx>
+            <c:strRef>
+              <c:f>Sheet1!$B$1</c:f>
+              <c:strCache>
+                <c:ptCount val="1"/>
+                <c:pt idx="0">
+                  <c:v>市场占比</c:v>
+                </c:pt>
+              </c:strCache>
+            </c:strRef>
+          </c:tx>
+          <c:dPt>
+            <c:idx val="0"/>
+            <c:bubble3D val="0"/>
+            <c:spPr>
+              <a:solidFill>
+                <a:schemeClr val="accent1"/>
+              </a:solidFill>
+              <a:ln w="25400">
+                <a:solidFill>
+                  <a:schemeClr val="lt1"/>
+                </a:solidFill>
+              </a:ln>
+              <a:effectLst/>
+              <a:sp3d contourW="25400">
+                <a:contourClr>
+                  <a:schemeClr val="lt1"/>
+                </a:contourClr>
+              </a:sp3d>
+            </c:spPr>
+          </c:dPt>
+          <c:dPt>
+            <c:idx val="1"/>
+            <c:bubble3D val="0"/>
+            <c:spPr>
+              <a:solidFill>
+                <a:schemeClr val="accent2"/>
+              </a:solidFill>
+              <a:ln w="25400">
+                <a:solidFill>
+                  <a:schemeClr val="lt1"/>
+                </a:solidFill>
+              </a:ln>
+              <a:effectLst/>
+              <a:sp3d contourW="25400">
+                <a:contourClr>
+                  <a:schemeClr val="lt1"/>
+                </a:contourClr>
+              </a:sp3d>
+            </c:spPr>
+          </c:dPt>
+          <c:dPt>
+            <c:idx val="2"/>
+            <c:bubble3D val="0"/>
+            <c:spPr>
+              <a:solidFill>
+                <a:schemeClr val="accent3"/>
+              </a:solidFill>
+              <a:ln w="25400">
+                <a:solidFill>
+                  <a:schemeClr val="lt1"/>
+                </a:solidFill>
+              </a:ln>
+              <a:effectLst/>
+              <a:sp3d contourW="25400">
+                <a:contourClr>
+                  <a:schemeClr val="lt1"/>
+                </a:contourClr>
+              </a:sp3d>
+            </c:spPr>
+          </c:dPt>
+          <c:dPt>
+            <c:idx val="3"/>
+            <c:bubble3D val="0"/>
+            <c:spPr>
+              <a:solidFill>
+                <a:schemeClr val="accent4"/>
+              </a:solidFill>
+              <a:ln w="25400">
+                <a:solidFill>
+                  <a:schemeClr val="lt1"/>
+                </a:solidFill>
+              </a:ln>
+              <a:effectLst/>
+              <a:sp3d contourW="25400">
+                <a:contourClr>
+                  <a:schemeClr val="lt1"/>
+                </a:contourClr>
+              </a:sp3d>
+            </c:spPr>
+          </c:dPt>
+          <c:dPt>
+            <c:idx val="4"/>
+            <c:bubble3D val="0"/>
+            <c:spPr>
+              <a:solidFill>
+                <a:schemeClr val="accent5"/>
+              </a:solidFill>
+              <a:ln w="25400">
+                <a:solidFill>
+                  <a:schemeClr val="lt1"/>
+                </a:solidFill>
+              </a:ln>
+              <a:effectLst/>
+              <a:sp3d contourW="25400">
+                <a:contourClr>
+                  <a:schemeClr val="lt1"/>
+                </a:contourClr>
+              </a:sp3d>
+            </c:spPr>
+          </c:dPt>
+          <c:cat>
+            <c:strRef>
+              <c:f>Sheet1!$A$2:$A$6</c:f>
+              <c:strCache>
+                <c:ptCount val="5"/>
+                <c:pt idx="0">
+                  <c:v>Tensorflow</c:v>
+                </c:pt>
+                <c:pt idx="1">
+                  <c:v>Pytorch</c:v>
+                </c:pt>
+                <c:pt idx="2">
+                  <c:v>Keras</c:v>
+                </c:pt>
+                <c:pt idx="3">
+                  <c:v>Mindspore</c:v>
+                </c:pt>
+                <c:pt idx="4">
+                  <c:v>PaddlePaddle</c:v>
+                </c:pt>
+              </c:strCache>
+            </c:strRef>
+          </c:cat>
+          <c:val>
+            <c:numRef>
+              <c:f>Sheet1!$B$2:$B$6</c:f>
+              <c:numCache>
+                <c:formatCode>General</c:formatCode>
+                <c:ptCount val="5"/>
+                <c:pt idx="0">
+                  <c:v>46</c:v>
+                </c:pt>
+                <c:pt idx="1">
+                  <c:v>43</c:v>
+                </c:pt>
+                <c:pt idx="2">
+                  <c:v>11</c:v>
+                </c:pt>
+                <c:pt idx="3">
+                  <c:v>1</c:v>
+                </c:pt>
+                <c:pt idx="4">
+                  <c:v>1</c:v>
+                </c:pt>
+              </c:numCache>
+            </c:numRef>
+          </c:val>
+          <c:extLst>
+            <c:ext xmlns:c16="http://schemas.microsoft.com/office/drawing/2014/chart" uri="{C3380CC4-5D6E-409C-BE32-E72D297353CC}">
+              <c16:uniqueId val="{00000000-2068-B04A-BA2E-381AF40CC134}"/>
+            </c:ext>
+          </c:extLst>
+        </c:ser>
+        <c:dLbls>
+          <c:showLegendKey val="0"/>
+          <c:showVal val="0"/>
+          <c:showCatName val="0"/>
+          <c:showSerName val="0"/>
+          <c:showPercent val="0"/>
+          <c:showBubbleSize val="0"/>
+          <c:showLeaderLines val="1"/>
+        </c:dLbls>
+      </c:pie3DChart>
+      <c:spPr>
+        <a:noFill/>
+        <a:ln>
+          <a:noFill/>
+        </a:ln>
+        <a:effectLst/>
+      </c:spPr>
+    </c:plotArea>
+    <c:legend>
+      <c:legendPos val="b"/>
+      <c:legendEntry>
+        <c:idx val="0"/>
+        <c:txPr>
+          <a:bodyPr rot="0" spcFirstLastPara="1" vertOverflow="ellipsis" vert="horz" wrap="square" anchor="ctr" anchorCtr="1"/>
+          <a:lstStyle/>
+          <a:p>
+            <a:pPr>
+              <a:defRPr sz="1500" b="1" i="0" u="none" strike="noStrike" kern="1200" baseline="0">
+                <a:solidFill>
+                  <a:schemeClr val="bg1"/>
+                </a:solidFill>
+                <a:latin typeface="+mj-lt"/>
+                <a:ea typeface="+mn-ea"/>
+                <a:cs typeface="+mn-cs"/>
+              </a:defRPr>
+            </a:pPr>
+            <a:endParaRPr lang="zh-CN"/>
+          </a:p>
+        </c:txPr>
+      </c:legendEntry>
+      <c:legendEntry>
+        <c:idx val="1"/>
+        <c:txPr>
+          <a:bodyPr rot="0" spcFirstLastPara="1" vertOverflow="ellipsis" vert="horz" wrap="square" anchor="ctr" anchorCtr="1"/>
+          <a:lstStyle/>
+          <a:p>
+            <a:pPr>
+              <a:defRPr sz="1500" b="1" i="0" u="none" strike="noStrike" kern="1200" baseline="0">
+                <a:solidFill>
+                  <a:schemeClr val="bg1"/>
+                </a:solidFill>
+                <a:latin typeface="+mn-lt"/>
+                <a:ea typeface="+mn-ea"/>
+                <a:cs typeface="+mn-cs"/>
+              </a:defRPr>
+            </a:pPr>
+            <a:endParaRPr lang="zh-CN"/>
+          </a:p>
+        </c:txPr>
+      </c:legendEntry>
+      <c:legendEntry>
+        <c:idx val="2"/>
+        <c:txPr>
+          <a:bodyPr rot="0" spcFirstLastPara="1" vertOverflow="ellipsis" vert="horz" wrap="square" anchor="ctr" anchorCtr="1"/>
+          <a:lstStyle/>
+          <a:p>
+            <a:pPr>
+              <a:defRPr sz="1500" b="1" i="0" u="none" strike="noStrike" kern="1200" baseline="0">
+                <a:solidFill>
+                  <a:schemeClr val="bg1"/>
+                </a:solidFill>
+                <a:latin typeface="+mn-lt"/>
+                <a:ea typeface="+mn-ea"/>
+                <a:cs typeface="+mn-cs"/>
+              </a:defRPr>
+            </a:pPr>
+            <a:endParaRPr lang="zh-CN"/>
+          </a:p>
+        </c:txPr>
+      </c:legendEntry>
+      <c:legendEntry>
+        <c:idx val="3"/>
+        <c:txPr>
+          <a:bodyPr rot="0" spcFirstLastPara="1" vertOverflow="ellipsis" vert="horz" wrap="square" anchor="ctr" anchorCtr="1"/>
+          <a:lstStyle/>
+          <a:p>
+            <a:pPr>
+              <a:defRPr sz="1500" b="1" i="0" u="none" strike="noStrike" kern="1200" baseline="0">
+                <a:solidFill>
+                  <a:schemeClr val="bg1"/>
+                </a:solidFill>
+                <a:latin typeface="+mn-lt"/>
+                <a:ea typeface="+mn-ea"/>
+                <a:cs typeface="+mn-cs"/>
+              </a:defRPr>
+            </a:pPr>
+            <a:endParaRPr lang="zh-CN"/>
+          </a:p>
+        </c:txPr>
+      </c:legendEntry>
+      <c:legendEntry>
+        <c:idx val="4"/>
+        <c:txPr>
+          <a:bodyPr rot="0" spcFirstLastPara="1" vertOverflow="ellipsis" vert="horz" wrap="square" anchor="ctr" anchorCtr="1"/>
+          <a:lstStyle/>
+          <a:p>
+            <a:pPr>
+              <a:defRPr sz="1500" b="1" i="0" u="none" strike="noStrike" kern="1200" baseline="0">
+                <a:solidFill>
+                  <a:schemeClr val="bg1"/>
+                </a:solidFill>
+                <a:latin typeface="+mn-lt"/>
+                <a:ea typeface="+mn-ea"/>
+                <a:cs typeface="+mn-cs"/>
+              </a:defRPr>
+            </a:pPr>
+            <a:endParaRPr lang="zh-CN"/>
+          </a:p>
+        </c:txPr>
+      </c:legendEntry>
+      <c:overlay val="0"/>
+      <c:spPr>
+        <a:noFill/>
+        <a:ln>
+          <a:noFill/>
+        </a:ln>
+        <a:effectLst/>
+      </c:spPr>
+      <c:txPr>
+        <a:bodyPr rot="0" spcFirstLastPara="1" vertOverflow="ellipsis" vert="horz" wrap="square" anchor="ctr" anchorCtr="1"/>
+        <a:lstStyle/>
+        <a:p>
+          <a:pPr>
+            <a:defRPr sz="1197" b="0" i="0" u="none" strike="noStrike" kern="1200" baseline="0">
+              <a:solidFill>
+                <a:schemeClr val="tx1">
+                  <a:lumMod val="65000"/>
+                  <a:lumOff val="35000"/>
+                </a:schemeClr>
+              </a:solidFill>
+              <a:latin typeface="+mn-lt"/>
+              <a:ea typeface="+mn-ea"/>
+              <a:cs typeface="+mn-cs"/>
+            </a:defRPr>
+          </a:pPr>
+          <a:endParaRPr lang="zh-CN"/>
+        </a:p>
+      </c:txPr>
+    </c:legend>
+    <c:plotVisOnly val="1"/>
+    <c:dispBlanksAs val="gap"/>
+    <c:extLst>
+      <c:ext xmlns:c16r3="http://schemas.microsoft.com/office/drawing/2017/03/chart" uri="{56B9EC1D-385E-4148-901F-78D8002777C0}">
+        <c16r3:dataDisplayOptions16>
+          <c16r3:dispNaAsBlank val="1"/>
+        </c16r3:dataDisplayOptions16>
+      </c:ext>
+    </c:extLst>
+    <c:showDLblsOverMax val="0"/>
+  </c:chart>
+  <c:spPr>
+    <a:noFill/>
+    <a:ln>
+      <a:noFill/>
+    </a:ln>
+    <a:effectLst/>
+  </c:spPr>
+  <c:txPr>
+    <a:bodyPr/>
+    <a:lstStyle/>
+    <a:p>
+      <a:pPr>
+        <a:defRPr/>
+      </a:pPr>
+      <a:endParaRPr lang="zh-CN"/>
+    </a:p>
+  </c:txPr>
+  <c:externalData r:id="rId3">
+    <c:autoUpdate val="0"/>
+  </c:externalData>
+</c:chartSpace>
+</file>
+
+<file path=ppt/charts/chart2.xml><?xml version="1.0" encoding="utf-8"?>
+<c:chartSpace xmlns:c="http://schemas.openxmlformats.org/drawingml/2006/chart" xmlns:a="http://schemas.openxmlformats.org/drawingml/2006/main" xmlns:r="http://schemas.openxmlformats.org/officeDocument/2006/relationships" xmlns:c16r2="http://schemas.microsoft.com/office/drawing/2015/06/chart">
+  <c:date1904 val="0"/>
+  <c:lang val="zh-CN"/>
+  <c:roundedCorners val="0"/>
+  <mc:AlternateContent xmlns:mc="http://schemas.openxmlformats.org/markup-compatibility/2006">
+    <mc:Choice xmlns:c14="http://schemas.microsoft.com/office/drawing/2007/8/2/chart" Requires="c14">
+      <c14:style val="102"/>
+    </mc:Choice>
+    <mc:Fallback>
+      <c:style val="2"/>
+    </mc:Fallback>
+  </mc:AlternateContent>
+  <c:chart>
+    <c:title>
+      <c:tx>
+        <c:rich>
+          <a:bodyPr rot="0" spcFirstLastPara="1" vertOverflow="ellipsis" vert="horz" wrap="square" anchor="ctr" anchorCtr="1"/>
+          <a:lstStyle/>
+          <a:p>
+            <a:pPr>
+              <a:defRPr sz="1862" b="0" i="0" u="none" strike="noStrike" kern="1200" spc="0" baseline="0">
+                <a:solidFill>
+                  <a:schemeClr val="tx1">
+                    <a:lumMod val="65000"/>
+                    <a:lumOff val="35000"/>
+                  </a:schemeClr>
+                </a:solidFill>
+                <a:latin typeface="+mn-lt"/>
+                <a:ea typeface="+mn-ea"/>
+                <a:cs typeface="+mn-cs"/>
+              </a:defRPr>
+            </a:pPr>
+            <a:r>
+              <a:rPr lang="en-US" altLang="zh-CN" sz="2000" b="1" dirty="0">
+                <a:solidFill>
+                  <a:schemeClr val="bg1"/>
+                </a:solidFill>
+                <a:latin typeface="Calibri" panose="020F0502020204030204" pitchFamily="34" charset="0"/>
+                <a:cs typeface="Calibri" panose="020F0502020204030204" pitchFamily="34" charset="0"/>
+              </a:rPr>
+              <a:t>Deep</a:t>
+            </a:r>
+            <a:r>
+              <a:rPr lang="en-US" altLang="zh-CN" sz="2000" b="1" baseline="0" dirty="0">
+                <a:solidFill>
+                  <a:schemeClr val="bg1"/>
+                </a:solidFill>
+                <a:latin typeface="Calibri" panose="020F0502020204030204" pitchFamily="34" charset="0"/>
+                <a:cs typeface="Calibri" panose="020F0502020204030204" pitchFamily="34" charset="0"/>
+              </a:rPr>
+              <a:t> Learning Toolkits Trend is past 5 years</a:t>
+            </a:r>
+            <a:endParaRPr lang="zh-CN" altLang="en-US" sz="2000" b="1" dirty="0">
+              <a:solidFill>
+                <a:schemeClr val="bg1"/>
+              </a:solidFill>
+              <a:latin typeface="Calibri" panose="020F0502020204030204" pitchFamily="34" charset="0"/>
+              <a:cs typeface="Calibri" panose="020F0502020204030204" pitchFamily="34" charset="0"/>
+            </a:endParaRPr>
+          </a:p>
+        </c:rich>
+      </c:tx>
+      <c:overlay val="0"/>
+      <c:spPr>
+        <a:noFill/>
+        <a:ln>
+          <a:noFill/>
+        </a:ln>
+        <a:effectLst/>
+      </c:spPr>
+      <c:txPr>
+        <a:bodyPr rot="0" spcFirstLastPara="1" vertOverflow="ellipsis" vert="horz" wrap="square" anchor="ctr" anchorCtr="1"/>
+        <a:lstStyle/>
+        <a:p>
+          <a:pPr>
+            <a:defRPr sz="1862" b="0" i="0" u="none" strike="noStrike" kern="1200" spc="0" baseline="0">
+              <a:solidFill>
+                <a:schemeClr val="tx1">
+                  <a:lumMod val="65000"/>
+                  <a:lumOff val="35000"/>
+                </a:schemeClr>
+              </a:solidFill>
+              <a:latin typeface="+mn-lt"/>
+              <a:ea typeface="+mn-ea"/>
+              <a:cs typeface="+mn-cs"/>
+            </a:defRPr>
+          </a:pPr>
+          <a:endParaRPr lang="zh-CN"/>
+        </a:p>
+      </c:txPr>
+    </c:title>
+    <c:autoTitleDeleted val="0"/>
+    <c:plotArea>
+      <c:layout/>
+      <c:lineChart>
+        <c:grouping val="stacked"/>
+        <c:varyColors val="0"/>
+        <c:ser>
+          <c:idx val="0"/>
+          <c:order val="0"/>
+          <c:tx>
+            <c:strRef>
+              <c:f>Sheet1!$B$1</c:f>
+              <c:strCache>
+                <c:ptCount val="1"/>
+                <c:pt idx="0">
+                  <c:v>Tensorflow: (China)</c:v>
+                </c:pt>
+              </c:strCache>
+            </c:strRef>
+          </c:tx>
+          <c:spPr>
+            <a:ln w="28575" cap="rnd">
+              <a:solidFill>
+                <a:schemeClr val="accent1"/>
+              </a:solidFill>
+              <a:round/>
+            </a:ln>
+            <a:effectLst/>
+          </c:spPr>
+          <c:marker>
+            <c:symbol val="none"/>
+          </c:marker>
+          <c:cat>
+            <c:numRef>
+              <c:f>Sheet1!$A$2:$A$267</c:f>
+              <c:numCache>
+                <c:formatCode>m/d/yy</c:formatCode>
+                <c:ptCount val="266"/>
+                <c:pt idx="0">
+                  <c:v>42946</c:v>
+                </c:pt>
+                <c:pt idx="1">
+                  <c:v>42953</c:v>
+                </c:pt>
+                <c:pt idx="2">
+                  <c:v>42960</c:v>
+                </c:pt>
+                <c:pt idx="3">
+                  <c:v>42967</c:v>
+                </c:pt>
+                <c:pt idx="4">
+                  <c:v>42974</c:v>
+                </c:pt>
+                <c:pt idx="5">
+                  <c:v>42981</c:v>
+                </c:pt>
+                <c:pt idx="6">
+                  <c:v>42988</c:v>
+                </c:pt>
+                <c:pt idx="7">
+                  <c:v>42995</c:v>
+                </c:pt>
+                <c:pt idx="8">
+                  <c:v>43002</c:v>
+                </c:pt>
+                <c:pt idx="9">
+                  <c:v>43009</c:v>
+                </c:pt>
+                <c:pt idx="10">
+                  <c:v>43016</c:v>
+                </c:pt>
+                <c:pt idx="11">
+                  <c:v>43023</c:v>
+                </c:pt>
+                <c:pt idx="12">
+                  <c:v>43030</c:v>
+                </c:pt>
+                <c:pt idx="13">
+                  <c:v>43037</c:v>
+                </c:pt>
+                <c:pt idx="14">
+                  <c:v>43044</c:v>
+                </c:pt>
+                <c:pt idx="15">
+                  <c:v>43051</c:v>
+                </c:pt>
+                <c:pt idx="16">
+                  <c:v>43058</c:v>
+                </c:pt>
+                <c:pt idx="17">
+                  <c:v>43065</c:v>
+                </c:pt>
+                <c:pt idx="18">
+                  <c:v>43072</c:v>
+                </c:pt>
+                <c:pt idx="19">
+                  <c:v>43079</c:v>
+                </c:pt>
+                <c:pt idx="20">
+                  <c:v>43086</c:v>
+                </c:pt>
+                <c:pt idx="21">
+                  <c:v>43093</c:v>
+                </c:pt>
+                <c:pt idx="22">
+                  <c:v>43100</c:v>
+                </c:pt>
+                <c:pt idx="23">
+                  <c:v>43107</c:v>
+                </c:pt>
+                <c:pt idx="24">
+                  <c:v>43114</c:v>
+                </c:pt>
+                <c:pt idx="25">
+                  <c:v>43121</c:v>
+                </c:pt>
+                <c:pt idx="26">
+                  <c:v>43128</c:v>
+                </c:pt>
+                <c:pt idx="27">
+                  <c:v>43135</c:v>
+                </c:pt>
+                <c:pt idx="28">
+                  <c:v>43142</c:v>
+                </c:pt>
+                <c:pt idx="29">
+                  <c:v>43149</c:v>
+                </c:pt>
+                <c:pt idx="30">
+                  <c:v>43156</c:v>
+                </c:pt>
+                <c:pt idx="31">
+                  <c:v>43163</c:v>
+                </c:pt>
+                <c:pt idx="32">
+                  <c:v>43170</c:v>
+                </c:pt>
+                <c:pt idx="33">
+                  <c:v>43177</c:v>
+                </c:pt>
+                <c:pt idx="34">
+                  <c:v>43184</c:v>
+                </c:pt>
+                <c:pt idx="35">
+                  <c:v>43191</c:v>
+                </c:pt>
+                <c:pt idx="36">
+                  <c:v>43198</c:v>
+                </c:pt>
+                <c:pt idx="37">
+                  <c:v>43205</c:v>
+                </c:pt>
+                <c:pt idx="38">
+                  <c:v>43212</c:v>
+                </c:pt>
+                <c:pt idx="39">
+                  <c:v>43219</c:v>
+                </c:pt>
+                <c:pt idx="40">
+                  <c:v>43226</c:v>
+                </c:pt>
+                <c:pt idx="41">
+                  <c:v>43233</c:v>
+                </c:pt>
+                <c:pt idx="42">
+                  <c:v>43240</c:v>
+                </c:pt>
+                <c:pt idx="43">
+                  <c:v>43247</c:v>
+                </c:pt>
+                <c:pt idx="44">
+                  <c:v>43254</c:v>
+                </c:pt>
+                <c:pt idx="45">
+                  <c:v>43261</c:v>
+                </c:pt>
+                <c:pt idx="46">
+                  <c:v>43268</c:v>
+                </c:pt>
+                <c:pt idx="47">
+                  <c:v>43275</c:v>
+                </c:pt>
+                <c:pt idx="48">
+                  <c:v>43282</c:v>
+                </c:pt>
+                <c:pt idx="49">
+                  <c:v>43289</c:v>
+                </c:pt>
+                <c:pt idx="50">
+                  <c:v>43296</c:v>
+                </c:pt>
+                <c:pt idx="51">
+                  <c:v>43303</c:v>
+                </c:pt>
+                <c:pt idx="52">
+                  <c:v>43310</c:v>
+                </c:pt>
+                <c:pt idx="53">
+                  <c:v>43317</c:v>
+                </c:pt>
+                <c:pt idx="54">
+                  <c:v>43324</c:v>
+                </c:pt>
+                <c:pt idx="55">
+                  <c:v>43331</c:v>
+                </c:pt>
+                <c:pt idx="56">
+                  <c:v>43338</c:v>
+                </c:pt>
+                <c:pt idx="57">
+                  <c:v>43345</c:v>
+                </c:pt>
+                <c:pt idx="58">
+                  <c:v>43352</c:v>
+                </c:pt>
+                <c:pt idx="59">
+                  <c:v>43359</c:v>
+                </c:pt>
+                <c:pt idx="60">
+                  <c:v>43366</c:v>
+                </c:pt>
+                <c:pt idx="61">
+                  <c:v>43373</c:v>
+                </c:pt>
+                <c:pt idx="62">
+                  <c:v>43380</c:v>
+                </c:pt>
+                <c:pt idx="63">
+                  <c:v>43387</c:v>
+                </c:pt>
+                <c:pt idx="64">
+                  <c:v>43394</c:v>
+                </c:pt>
+                <c:pt idx="65">
+                  <c:v>43401</c:v>
+                </c:pt>
+                <c:pt idx="66">
+                  <c:v>43408</c:v>
+                </c:pt>
+                <c:pt idx="67">
+                  <c:v>43415</c:v>
+                </c:pt>
+                <c:pt idx="68">
+                  <c:v>43422</c:v>
+                </c:pt>
+                <c:pt idx="69">
+                  <c:v>43429</c:v>
+                </c:pt>
+                <c:pt idx="70">
+                  <c:v>43436</c:v>
+                </c:pt>
+                <c:pt idx="71">
+                  <c:v>43443</c:v>
+                </c:pt>
+                <c:pt idx="72">
+                  <c:v>43450</c:v>
+                </c:pt>
+                <c:pt idx="73">
+                  <c:v>43457</c:v>
+                </c:pt>
+                <c:pt idx="74">
+                  <c:v>43464</c:v>
+                </c:pt>
+                <c:pt idx="75">
+                  <c:v>43471</c:v>
+                </c:pt>
+                <c:pt idx="76">
+                  <c:v>43478</c:v>
+                </c:pt>
+                <c:pt idx="77">
+                  <c:v>43485</c:v>
+                </c:pt>
+                <c:pt idx="78">
+                  <c:v>43492</c:v>
+                </c:pt>
+                <c:pt idx="79">
+                  <c:v>43499</c:v>
+                </c:pt>
+                <c:pt idx="80">
+                  <c:v>43506</c:v>
+                </c:pt>
+                <c:pt idx="81">
+                  <c:v>43513</c:v>
+                </c:pt>
+                <c:pt idx="82">
+                  <c:v>43520</c:v>
+                </c:pt>
+                <c:pt idx="83">
+                  <c:v>43527</c:v>
+                </c:pt>
+                <c:pt idx="84">
+                  <c:v>43534</c:v>
+                </c:pt>
+                <c:pt idx="85">
+                  <c:v>43541</c:v>
+                </c:pt>
+                <c:pt idx="86">
+                  <c:v>43548</c:v>
+                </c:pt>
+                <c:pt idx="87">
+                  <c:v>43555</c:v>
+                </c:pt>
+                <c:pt idx="88">
+                  <c:v>43562</c:v>
+                </c:pt>
+                <c:pt idx="89">
+                  <c:v>43569</c:v>
+                </c:pt>
+                <c:pt idx="90">
+                  <c:v>43576</c:v>
+                </c:pt>
+                <c:pt idx="91">
+                  <c:v>43583</c:v>
+                </c:pt>
+                <c:pt idx="92">
+                  <c:v>43590</c:v>
+                </c:pt>
+                <c:pt idx="93">
+                  <c:v>43597</c:v>
+                </c:pt>
+                <c:pt idx="94">
+                  <c:v>43604</c:v>
+                </c:pt>
+                <c:pt idx="95">
+                  <c:v>43611</c:v>
+                </c:pt>
+                <c:pt idx="96">
+                  <c:v>43618</c:v>
+                </c:pt>
+                <c:pt idx="97">
+                  <c:v>43625</c:v>
+                </c:pt>
+                <c:pt idx="98">
+                  <c:v>43632</c:v>
+                </c:pt>
+                <c:pt idx="99">
+                  <c:v>43639</c:v>
+                </c:pt>
+                <c:pt idx="100">
+                  <c:v>43646</c:v>
+                </c:pt>
+                <c:pt idx="101">
+                  <c:v>43653</c:v>
+                </c:pt>
+                <c:pt idx="102">
+                  <c:v>43660</c:v>
+                </c:pt>
+                <c:pt idx="103">
+                  <c:v>43667</c:v>
+                </c:pt>
+                <c:pt idx="104">
+                  <c:v>43674</c:v>
+                </c:pt>
+                <c:pt idx="105">
+                  <c:v>43681</c:v>
+                </c:pt>
+                <c:pt idx="106">
+                  <c:v>43688</c:v>
+                </c:pt>
+                <c:pt idx="107">
+                  <c:v>43695</c:v>
+                </c:pt>
+                <c:pt idx="108">
+                  <c:v>43702</c:v>
+                </c:pt>
+                <c:pt idx="109">
+                  <c:v>43709</c:v>
+                </c:pt>
+                <c:pt idx="110">
+                  <c:v>43716</c:v>
+                </c:pt>
+                <c:pt idx="111">
+                  <c:v>43723</c:v>
+                </c:pt>
+                <c:pt idx="112">
+                  <c:v>43730</c:v>
+                </c:pt>
+                <c:pt idx="113">
+                  <c:v>43737</c:v>
+                </c:pt>
+                <c:pt idx="114">
+                  <c:v>43744</c:v>
+                </c:pt>
+                <c:pt idx="115">
+                  <c:v>43751</c:v>
+                </c:pt>
+                <c:pt idx="116">
+                  <c:v>43758</c:v>
+                </c:pt>
+                <c:pt idx="117">
+                  <c:v>43765</c:v>
+                </c:pt>
+                <c:pt idx="118">
+                  <c:v>43772</c:v>
+                </c:pt>
+                <c:pt idx="119">
+                  <c:v>43779</c:v>
+                </c:pt>
+                <c:pt idx="120">
+                  <c:v>43786</c:v>
+                </c:pt>
+                <c:pt idx="121">
+                  <c:v>43793</c:v>
+                </c:pt>
+                <c:pt idx="122">
+                  <c:v>43800</c:v>
+                </c:pt>
+                <c:pt idx="123">
+                  <c:v>43807</c:v>
+                </c:pt>
+                <c:pt idx="124">
+                  <c:v>43814</c:v>
+                </c:pt>
+                <c:pt idx="125">
+                  <c:v>43821</c:v>
+                </c:pt>
+                <c:pt idx="126">
+                  <c:v>43828</c:v>
+                </c:pt>
+                <c:pt idx="127">
+                  <c:v>43835</c:v>
+                </c:pt>
+                <c:pt idx="128">
+                  <c:v>43842</c:v>
+                </c:pt>
+                <c:pt idx="129">
+                  <c:v>43849</c:v>
+                </c:pt>
+                <c:pt idx="130">
+                  <c:v>43856</c:v>
+                </c:pt>
+                <c:pt idx="131">
+                  <c:v>43863</c:v>
+                </c:pt>
+                <c:pt idx="132">
+                  <c:v>43870</c:v>
+                </c:pt>
+                <c:pt idx="133">
+                  <c:v>43877</c:v>
+                </c:pt>
+                <c:pt idx="134">
+                  <c:v>43884</c:v>
+                </c:pt>
+                <c:pt idx="135">
+                  <c:v>43891</c:v>
+                </c:pt>
+                <c:pt idx="136">
+                  <c:v>43898</c:v>
+                </c:pt>
+                <c:pt idx="137">
+                  <c:v>43905</c:v>
+                </c:pt>
+                <c:pt idx="138">
+                  <c:v>43912</c:v>
+                </c:pt>
+                <c:pt idx="139">
+                  <c:v>43919</c:v>
+                </c:pt>
+                <c:pt idx="140">
+                  <c:v>43926</c:v>
+                </c:pt>
+                <c:pt idx="141">
+                  <c:v>43933</c:v>
+                </c:pt>
+                <c:pt idx="142">
+                  <c:v>43940</c:v>
+                </c:pt>
+                <c:pt idx="143">
+                  <c:v>43947</c:v>
+                </c:pt>
+                <c:pt idx="144">
+                  <c:v>43954</c:v>
+                </c:pt>
+                <c:pt idx="145">
+                  <c:v>43961</c:v>
+                </c:pt>
+                <c:pt idx="146">
+                  <c:v>43968</c:v>
+                </c:pt>
+                <c:pt idx="147">
+                  <c:v>43975</c:v>
+                </c:pt>
+                <c:pt idx="148">
+                  <c:v>43982</c:v>
+                </c:pt>
+                <c:pt idx="149">
+                  <c:v>43989</c:v>
+                </c:pt>
+                <c:pt idx="150">
+                  <c:v>43996</c:v>
+                </c:pt>
+                <c:pt idx="151">
+                  <c:v>44003</c:v>
+                </c:pt>
+                <c:pt idx="152">
+                  <c:v>44010</c:v>
+                </c:pt>
+                <c:pt idx="153">
+                  <c:v>44017</c:v>
+                </c:pt>
+                <c:pt idx="154">
+                  <c:v>44024</c:v>
+                </c:pt>
+                <c:pt idx="155">
+                  <c:v>44031</c:v>
+                </c:pt>
+                <c:pt idx="156">
+                  <c:v>44038</c:v>
+                </c:pt>
+                <c:pt idx="157">
+                  <c:v>44045</c:v>
+                </c:pt>
+                <c:pt idx="158">
+                  <c:v>44052</c:v>
+                </c:pt>
+                <c:pt idx="159">
+                  <c:v>44059</c:v>
+                </c:pt>
+                <c:pt idx="160">
+                  <c:v>44066</c:v>
+                </c:pt>
+                <c:pt idx="161">
+                  <c:v>44073</c:v>
+                </c:pt>
+                <c:pt idx="162">
+                  <c:v>44080</c:v>
+                </c:pt>
+                <c:pt idx="163">
+                  <c:v>44087</c:v>
+                </c:pt>
+                <c:pt idx="164">
+                  <c:v>44094</c:v>
+                </c:pt>
+                <c:pt idx="165">
+                  <c:v>44101</c:v>
+                </c:pt>
+                <c:pt idx="166">
+                  <c:v>44108</c:v>
+                </c:pt>
+                <c:pt idx="167">
+                  <c:v>44115</c:v>
+                </c:pt>
+                <c:pt idx="168">
+                  <c:v>44122</c:v>
+                </c:pt>
+                <c:pt idx="169">
+                  <c:v>44129</c:v>
+                </c:pt>
+                <c:pt idx="170">
+                  <c:v>44136</c:v>
+                </c:pt>
+                <c:pt idx="171">
+                  <c:v>44143</c:v>
+                </c:pt>
+                <c:pt idx="172">
+                  <c:v>44150</c:v>
+                </c:pt>
+                <c:pt idx="173">
+                  <c:v>44157</c:v>
+                </c:pt>
+                <c:pt idx="174">
+                  <c:v>44164</c:v>
+                </c:pt>
+                <c:pt idx="175">
+                  <c:v>44171</c:v>
+                </c:pt>
+                <c:pt idx="176">
+                  <c:v>44178</c:v>
+                </c:pt>
+                <c:pt idx="177">
+                  <c:v>44185</c:v>
+                </c:pt>
+                <c:pt idx="178">
+                  <c:v>44192</c:v>
+                </c:pt>
+                <c:pt idx="179">
+                  <c:v>44199</c:v>
+                </c:pt>
+                <c:pt idx="180">
+                  <c:v>44206</c:v>
+                </c:pt>
+                <c:pt idx="181">
+                  <c:v>44213</c:v>
+                </c:pt>
+                <c:pt idx="182">
+                  <c:v>44220</c:v>
+                </c:pt>
+                <c:pt idx="183">
+                  <c:v>44227</c:v>
+                </c:pt>
+                <c:pt idx="184">
+                  <c:v>44234</c:v>
+                </c:pt>
+                <c:pt idx="185">
+                  <c:v>44241</c:v>
+                </c:pt>
+                <c:pt idx="186">
+                  <c:v>44248</c:v>
+                </c:pt>
+                <c:pt idx="187">
+                  <c:v>44255</c:v>
+                </c:pt>
+                <c:pt idx="188">
+                  <c:v>44262</c:v>
+                </c:pt>
+                <c:pt idx="189">
+                  <c:v>44269</c:v>
+                </c:pt>
+                <c:pt idx="190">
+                  <c:v>44276</c:v>
+                </c:pt>
+                <c:pt idx="191">
+                  <c:v>44283</c:v>
+                </c:pt>
+                <c:pt idx="192">
+                  <c:v>44290</c:v>
+                </c:pt>
+                <c:pt idx="193">
+                  <c:v>44297</c:v>
+                </c:pt>
+                <c:pt idx="194">
+                  <c:v>44304</c:v>
+                </c:pt>
+                <c:pt idx="195">
+                  <c:v>44311</c:v>
+                </c:pt>
+                <c:pt idx="196">
+                  <c:v>44318</c:v>
+                </c:pt>
+                <c:pt idx="197">
+                  <c:v>44325</c:v>
+                </c:pt>
+                <c:pt idx="198">
+                  <c:v>44332</c:v>
+                </c:pt>
+                <c:pt idx="199">
+                  <c:v>44339</c:v>
+                </c:pt>
+                <c:pt idx="200">
+                  <c:v>44346</c:v>
+                </c:pt>
+                <c:pt idx="201">
+                  <c:v>44353</c:v>
+                </c:pt>
+                <c:pt idx="202">
+                  <c:v>44360</c:v>
+                </c:pt>
+                <c:pt idx="203">
+                  <c:v>44367</c:v>
+                </c:pt>
+                <c:pt idx="204">
+                  <c:v>44374</c:v>
+                </c:pt>
+                <c:pt idx="205">
+                  <c:v>44381</c:v>
+                </c:pt>
+                <c:pt idx="206">
+                  <c:v>44388</c:v>
+                </c:pt>
+                <c:pt idx="207">
+                  <c:v>44395</c:v>
+                </c:pt>
+                <c:pt idx="208">
+                  <c:v>44402</c:v>
+                </c:pt>
+                <c:pt idx="209">
+                  <c:v>44409</c:v>
+                </c:pt>
+                <c:pt idx="210">
+                  <c:v>44416</c:v>
+                </c:pt>
+                <c:pt idx="211">
+                  <c:v>44423</c:v>
+                </c:pt>
+                <c:pt idx="212">
+                  <c:v>44430</c:v>
+                </c:pt>
+                <c:pt idx="213">
+                  <c:v>44437</c:v>
+                </c:pt>
+                <c:pt idx="214">
+                  <c:v>44444</c:v>
+                </c:pt>
+                <c:pt idx="215">
+                  <c:v>44451</c:v>
+                </c:pt>
+                <c:pt idx="216">
+                  <c:v>44458</c:v>
+                </c:pt>
+                <c:pt idx="217">
+                  <c:v>44465</c:v>
+                </c:pt>
+                <c:pt idx="218">
+                  <c:v>44472</c:v>
+                </c:pt>
+                <c:pt idx="219">
+                  <c:v>44479</c:v>
+                </c:pt>
+                <c:pt idx="220">
+                  <c:v>44486</c:v>
+                </c:pt>
+                <c:pt idx="221">
+                  <c:v>44493</c:v>
+                </c:pt>
+                <c:pt idx="222">
+                  <c:v>44500</c:v>
+                </c:pt>
+                <c:pt idx="223">
+                  <c:v>44507</c:v>
+                </c:pt>
+                <c:pt idx="224">
+                  <c:v>44514</c:v>
+                </c:pt>
+                <c:pt idx="225">
+                  <c:v>44521</c:v>
+                </c:pt>
+                <c:pt idx="226">
+                  <c:v>44528</c:v>
+                </c:pt>
+                <c:pt idx="227">
+                  <c:v>44535</c:v>
+                </c:pt>
+                <c:pt idx="228">
+                  <c:v>44542</c:v>
+                </c:pt>
+                <c:pt idx="229">
+                  <c:v>44549</c:v>
+                </c:pt>
+                <c:pt idx="230">
+                  <c:v>44556</c:v>
+                </c:pt>
+                <c:pt idx="231">
+                  <c:v>44563</c:v>
+                </c:pt>
+                <c:pt idx="232">
+                  <c:v>44570</c:v>
+                </c:pt>
+                <c:pt idx="233">
+                  <c:v>44577</c:v>
+                </c:pt>
+                <c:pt idx="234">
+                  <c:v>44584</c:v>
+                </c:pt>
+                <c:pt idx="235">
+                  <c:v>44591</c:v>
+                </c:pt>
+                <c:pt idx="236">
+                  <c:v>44598</c:v>
+                </c:pt>
+                <c:pt idx="237">
+                  <c:v>44605</c:v>
+                </c:pt>
+                <c:pt idx="238">
+                  <c:v>44612</c:v>
+                </c:pt>
+                <c:pt idx="239">
+                  <c:v>44619</c:v>
+                </c:pt>
+                <c:pt idx="240">
+                  <c:v>44626</c:v>
+                </c:pt>
+                <c:pt idx="241">
+                  <c:v>44633</c:v>
+                </c:pt>
+                <c:pt idx="242">
+                  <c:v>44640</c:v>
+                </c:pt>
+                <c:pt idx="243">
+                  <c:v>44647</c:v>
+                </c:pt>
+                <c:pt idx="244">
+                  <c:v>44654</c:v>
+                </c:pt>
+                <c:pt idx="245">
+                  <c:v>44661</c:v>
+                </c:pt>
+                <c:pt idx="246">
+                  <c:v>44668</c:v>
+                </c:pt>
+                <c:pt idx="247">
+                  <c:v>44675</c:v>
+                </c:pt>
+                <c:pt idx="248">
+                  <c:v>44682</c:v>
+                </c:pt>
+                <c:pt idx="249">
+                  <c:v>44689</c:v>
+                </c:pt>
+                <c:pt idx="250">
+                  <c:v>44696</c:v>
+                </c:pt>
+                <c:pt idx="251">
+                  <c:v>44703</c:v>
+                </c:pt>
+                <c:pt idx="252">
+                  <c:v>44710</c:v>
+                </c:pt>
+                <c:pt idx="253">
+                  <c:v>44717</c:v>
+                </c:pt>
+                <c:pt idx="254">
+                  <c:v>44724</c:v>
+                </c:pt>
+                <c:pt idx="255">
+                  <c:v>44731</c:v>
+                </c:pt>
+                <c:pt idx="256">
+                  <c:v>44738</c:v>
+                </c:pt>
+                <c:pt idx="257">
+                  <c:v>44745</c:v>
+                </c:pt>
+                <c:pt idx="258">
+                  <c:v>44752</c:v>
+                </c:pt>
+                <c:pt idx="259">
+                  <c:v>44759</c:v>
+                </c:pt>
+                <c:pt idx="260">
+                  <c:v>44766</c:v>
+                </c:pt>
+              </c:numCache>
+            </c:numRef>
+          </c:cat>
+          <c:val>
+            <c:numRef>
+              <c:f>Sheet1!$B$2:$B$267</c:f>
+              <c:numCache>
+                <c:formatCode>General</c:formatCode>
+                <c:ptCount val="266"/>
+                <c:pt idx="0">
+                  <c:v>84</c:v>
+                </c:pt>
+                <c:pt idx="1">
+                  <c:v>68</c:v>
+                </c:pt>
+                <c:pt idx="2">
+                  <c:v>72</c:v>
+                </c:pt>
+                <c:pt idx="3">
+                  <c:v>85</c:v>
+                </c:pt>
+                <c:pt idx="4">
+                  <c:v>67</c:v>
+                </c:pt>
+                <c:pt idx="5">
+                  <c:v>88</c:v>
+                </c:pt>
+                <c:pt idx="6">
+                  <c:v>57</c:v>
+                </c:pt>
+                <c:pt idx="7">
+                  <c:v>74</c:v>
+                </c:pt>
+                <c:pt idx="8">
+                  <c:v>84</c:v>
+                </c:pt>
+                <c:pt idx="9">
+                  <c:v>27</c:v>
+                </c:pt>
+                <c:pt idx="10">
+                  <c:v>94</c:v>
+                </c:pt>
+                <c:pt idx="11">
+                  <c:v>74</c:v>
+                </c:pt>
+                <c:pt idx="12">
+                  <c:v>73</c:v>
+                </c:pt>
+                <c:pt idx="13">
+                  <c:v>88</c:v>
+                </c:pt>
+                <c:pt idx="14">
+                  <c:v>84</c:v>
+                </c:pt>
+                <c:pt idx="15">
+                  <c:v>87</c:v>
+                </c:pt>
+                <c:pt idx="16">
+                  <c:v>80</c:v>
+                </c:pt>
+                <c:pt idx="17">
+                  <c:v>86</c:v>
+                </c:pt>
+                <c:pt idx="18">
+                  <c:v>80</c:v>
+                </c:pt>
+                <c:pt idx="19">
+                  <c:v>89</c:v>
+                </c:pt>
+                <c:pt idx="20">
+                  <c:v>85</c:v>
+                </c:pt>
+                <c:pt idx="21">
+                  <c:v>85</c:v>
+                </c:pt>
+                <c:pt idx="22">
+                  <c:v>75</c:v>
+                </c:pt>
+                <c:pt idx="23">
+                  <c:v>80</c:v>
+                </c:pt>
+                <c:pt idx="24">
+                  <c:v>82</c:v>
+                </c:pt>
+                <c:pt idx="25">
+                  <c:v>85</c:v>
+                </c:pt>
+                <c:pt idx="26">
+                  <c:v>83</c:v>
+                </c:pt>
+                <c:pt idx="27">
+                  <c:v>72</c:v>
+                </c:pt>
+                <c:pt idx="28">
+                  <c:v>41</c:v>
+                </c:pt>
+                <c:pt idx="29">
+                  <c:v>49</c:v>
+                </c:pt>
+                <c:pt idx="30">
+                  <c:v>90</c:v>
+                </c:pt>
+                <c:pt idx="31">
+                  <c:v>79</c:v>
+                </c:pt>
+                <c:pt idx="32">
+                  <c:v>89</c:v>
+                </c:pt>
+                <c:pt idx="33">
+                  <c:v>98</c:v>
+                </c:pt>
+                <c:pt idx="34">
+                  <c:v>83</c:v>
+                </c:pt>
+                <c:pt idx="35">
+                  <c:v>72</c:v>
+                </c:pt>
+                <c:pt idx="36">
+                  <c:v>95</c:v>
+                </c:pt>
+                <c:pt idx="37">
+                  <c:v>95</c:v>
+                </c:pt>
+                <c:pt idx="38">
+                  <c:v>99</c:v>
+                </c:pt>
+                <c:pt idx="39">
+                  <c:v>73</c:v>
+                </c:pt>
+                <c:pt idx="40">
+                  <c:v>92</c:v>
+                </c:pt>
+                <c:pt idx="41">
+                  <c:v>86</c:v>
+                </c:pt>
+                <c:pt idx="42">
+                  <c:v>90</c:v>
+                </c:pt>
+                <c:pt idx="43">
+                  <c:v>79</c:v>
+                </c:pt>
+                <c:pt idx="44">
+                  <c:v>99</c:v>
+                </c:pt>
+                <c:pt idx="45">
+                  <c:v>85</c:v>
+                </c:pt>
+                <c:pt idx="46">
+                  <c:v>80</c:v>
+                </c:pt>
+                <c:pt idx="47">
+                  <c:v>85</c:v>
+                </c:pt>
+                <c:pt idx="48">
+                  <c:v>83</c:v>
+                </c:pt>
+                <c:pt idx="49">
+                  <c:v>85</c:v>
+                </c:pt>
+                <c:pt idx="50">
+                  <c:v>100</c:v>
+                </c:pt>
+                <c:pt idx="51">
+                  <c:v>98</c:v>
+                </c:pt>
+                <c:pt idx="52">
+                  <c:v>86</c:v>
+                </c:pt>
+                <c:pt idx="53">
+                  <c:v>83</c:v>
+                </c:pt>
+                <c:pt idx="54">
+                  <c:v>77</c:v>
+                </c:pt>
+                <c:pt idx="55">
+                  <c:v>84</c:v>
+                </c:pt>
+                <c:pt idx="56">
+                  <c:v>82</c:v>
+                </c:pt>
+                <c:pt idx="57">
+                  <c:v>82</c:v>
+                </c:pt>
+                <c:pt idx="58">
+                  <c:v>84</c:v>
+                </c:pt>
+                <c:pt idx="59">
+                  <c:v>73</c:v>
+                </c:pt>
+                <c:pt idx="60">
+                  <c:v>92</c:v>
+                </c:pt>
+                <c:pt idx="61">
+                  <c:v>52</c:v>
+                </c:pt>
+                <c:pt idx="62">
+                  <c:v>84</c:v>
+                </c:pt>
+                <c:pt idx="63">
+                  <c:v>68</c:v>
+                </c:pt>
+                <c:pt idx="64">
+                  <c:v>69</c:v>
+                </c:pt>
+                <c:pt idx="65">
+                  <c:v>73</c:v>
+                </c:pt>
+                <c:pt idx="66">
+                  <c:v>88</c:v>
+                </c:pt>
+                <c:pt idx="67">
+                  <c:v>91</c:v>
+                </c:pt>
+                <c:pt idx="68">
+                  <c:v>89</c:v>
+                </c:pt>
+                <c:pt idx="69">
+                  <c:v>87</c:v>
+                </c:pt>
+                <c:pt idx="70">
+                  <c:v>89</c:v>
+                </c:pt>
+                <c:pt idx="71">
+                  <c:v>85</c:v>
+                </c:pt>
+                <c:pt idx="72">
+                  <c:v>97</c:v>
+                </c:pt>
+                <c:pt idx="73">
+                  <c:v>86</c:v>
+                </c:pt>
+                <c:pt idx="74">
+                  <c:v>63</c:v>
+                </c:pt>
+                <c:pt idx="75">
+                  <c:v>74</c:v>
+                </c:pt>
+                <c:pt idx="76">
+                  <c:v>79</c:v>
+                </c:pt>
+                <c:pt idx="77">
+                  <c:v>70</c:v>
+                </c:pt>
+                <c:pt idx="78">
+                  <c:v>59</c:v>
+                </c:pt>
+                <c:pt idx="79">
+                  <c:v>14</c:v>
+                </c:pt>
+                <c:pt idx="80">
+                  <c:v>64</c:v>
+                </c:pt>
+                <c:pt idx="81">
+                  <c:v>74</c:v>
+                </c:pt>
+                <c:pt idx="82">
+                  <c:v>70</c:v>
+                </c:pt>
+                <c:pt idx="83">
+                  <c:v>72</c:v>
+                </c:pt>
+                <c:pt idx="84">
+                  <c:v>78</c:v>
+                </c:pt>
+                <c:pt idx="85">
+                  <c:v>74</c:v>
+                </c:pt>
+                <c:pt idx="86">
+                  <c:v>74</c:v>
+                </c:pt>
+                <c:pt idx="87">
+                  <c:v>67</c:v>
+                </c:pt>
+                <c:pt idx="88">
+                  <c:v>80</c:v>
+                </c:pt>
+                <c:pt idx="89">
+                  <c:v>60</c:v>
+                </c:pt>
+                <c:pt idx="90">
+                  <c:v>62</c:v>
+                </c:pt>
+                <c:pt idx="91">
+                  <c:v>62</c:v>
+                </c:pt>
+                <c:pt idx="92">
+                  <c:v>73</c:v>
+                </c:pt>
+                <c:pt idx="93">
+                  <c:v>55</c:v>
+                </c:pt>
+                <c:pt idx="94">
+                  <c:v>57</c:v>
+                </c:pt>
+                <c:pt idx="95">
+                  <c:v>65</c:v>
+                </c:pt>
+                <c:pt idx="96">
+                  <c:v>60</c:v>
+                </c:pt>
+                <c:pt idx="97">
+                  <c:v>72</c:v>
+                </c:pt>
+                <c:pt idx="98">
+                  <c:v>62</c:v>
+                </c:pt>
+                <c:pt idx="99">
+                  <c:v>68</c:v>
+                </c:pt>
+                <c:pt idx="100">
+                  <c:v>58</c:v>
+                </c:pt>
+                <c:pt idx="101">
+                  <c:v>68</c:v>
+                </c:pt>
+                <c:pt idx="102">
+                  <c:v>79</c:v>
+                </c:pt>
+                <c:pt idx="103">
+                  <c:v>65</c:v>
+                </c:pt>
+                <c:pt idx="104">
+                  <c:v>65</c:v>
+                </c:pt>
+                <c:pt idx="105">
+                  <c:v>56</c:v>
+                </c:pt>
+                <c:pt idx="106">
+                  <c:v>65</c:v>
+                </c:pt>
+                <c:pt idx="107">
+                  <c:v>76</c:v>
+                </c:pt>
+                <c:pt idx="108">
+                  <c:v>46</c:v>
+                </c:pt>
+                <c:pt idx="109">
+                  <c:v>58</c:v>
+                </c:pt>
+                <c:pt idx="110">
+                  <c:v>40</c:v>
+                </c:pt>
+                <c:pt idx="111">
+                  <c:v>61</c:v>
+                </c:pt>
+                <c:pt idx="112">
+                  <c:v>49</c:v>
+                </c:pt>
+                <c:pt idx="113">
+                  <c:v>35</c:v>
+                </c:pt>
+                <c:pt idx="114">
+                  <c:v>46</c:v>
+                </c:pt>
+                <c:pt idx="115">
+                  <c:v>50</c:v>
+                </c:pt>
+                <c:pt idx="116">
+                  <c:v>45</c:v>
+                </c:pt>
+                <c:pt idx="117">
+                  <c:v>50</c:v>
+                </c:pt>
+                <c:pt idx="118">
+                  <c:v>58</c:v>
+                </c:pt>
+                <c:pt idx="119">
+                  <c:v>48</c:v>
+                </c:pt>
+                <c:pt idx="120">
+                  <c:v>54</c:v>
+                </c:pt>
+                <c:pt idx="121">
+                  <c:v>54</c:v>
+                </c:pt>
+                <c:pt idx="122">
+                  <c:v>48</c:v>
+                </c:pt>
+                <c:pt idx="123">
+                  <c:v>64</c:v>
+                </c:pt>
+                <c:pt idx="124">
+                  <c:v>53</c:v>
+                </c:pt>
+                <c:pt idx="125">
+                  <c:v>53</c:v>
+                </c:pt>
+                <c:pt idx="126">
+                  <c:v>42</c:v>
+                </c:pt>
+                <c:pt idx="127">
+                  <c:v>47</c:v>
+                </c:pt>
+                <c:pt idx="128">
+                  <c:v>56</c:v>
+                </c:pt>
+                <c:pt idx="129">
+                  <c:v>42</c:v>
+                </c:pt>
+                <c:pt idx="130">
+                  <c:v>12</c:v>
+                </c:pt>
+                <c:pt idx="131">
+                  <c:v>24</c:v>
+                </c:pt>
+                <c:pt idx="132">
+                  <c:v>44</c:v>
+                </c:pt>
+                <c:pt idx="133">
+                  <c:v>36</c:v>
+                </c:pt>
+                <c:pt idx="134">
+                  <c:v>35</c:v>
+                </c:pt>
+                <c:pt idx="135">
+                  <c:v>36</c:v>
+                </c:pt>
+                <c:pt idx="136">
+                  <c:v>53</c:v>
+                </c:pt>
+                <c:pt idx="137">
+                  <c:v>42</c:v>
+                </c:pt>
+                <c:pt idx="138">
+                  <c:v>30</c:v>
+                </c:pt>
+                <c:pt idx="139">
+                  <c:v>43</c:v>
+                </c:pt>
+                <c:pt idx="140">
+                  <c:v>45</c:v>
+                </c:pt>
+                <c:pt idx="141">
+                  <c:v>53</c:v>
+                </c:pt>
+                <c:pt idx="142">
+                  <c:v>49</c:v>
+                </c:pt>
+                <c:pt idx="143">
+                  <c:v>54</c:v>
+                </c:pt>
+                <c:pt idx="144">
+                  <c:v>37</c:v>
+                </c:pt>
+                <c:pt idx="145">
+                  <c:v>45</c:v>
+                </c:pt>
+                <c:pt idx="146">
+                  <c:v>59</c:v>
+                </c:pt>
+                <c:pt idx="147">
+                  <c:v>51</c:v>
+                </c:pt>
+                <c:pt idx="148">
+                  <c:v>41</c:v>
+                </c:pt>
+                <c:pt idx="149">
+                  <c:v>53</c:v>
+                </c:pt>
+                <c:pt idx="150">
+                  <c:v>49</c:v>
+                </c:pt>
+                <c:pt idx="151">
+                  <c:v>35</c:v>
+                </c:pt>
+                <c:pt idx="152">
+                  <c:v>58</c:v>
+                </c:pt>
+                <c:pt idx="153">
+                  <c:v>66</c:v>
+                </c:pt>
+                <c:pt idx="154">
+                  <c:v>46</c:v>
+                </c:pt>
+                <c:pt idx="155">
+                  <c:v>41</c:v>
+                </c:pt>
+                <c:pt idx="156">
+                  <c:v>62</c:v>
+                </c:pt>
+                <c:pt idx="157">
+                  <c:v>63</c:v>
+                </c:pt>
+                <c:pt idx="158">
+                  <c:v>40</c:v>
+                </c:pt>
+                <c:pt idx="159">
+                  <c:v>54</c:v>
+                </c:pt>
+                <c:pt idx="160">
+                  <c:v>39</c:v>
+                </c:pt>
+                <c:pt idx="161">
+                  <c:v>49</c:v>
+                </c:pt>
+                <c:pt idx="162">
+                  <c:v>49</c:v>
+                </c:pt>
+                <c:pt idx="163">
+                  <c:v>48</c:v>
+                </c:pt>
+                <c:pt idx="164">
+                  <c:v>41</c:v>
+                </c:pt>
+                <c:pt idx="165">
+                  <c:v>33</c:v>
+                </c:pt>
+                <c:pt idx="166">
+                  <c:v>24</c:v>
+                </c:pt>
+                <c:pt idx="167">
+                  <c:v>45</c:v>
+                </c:pt>
+                <c:pt idx="168">
+                  <c:v>34</c:v>
+                </c:pt>
+                <c:pt idx="169">
+                  <c:v>43</c:v>
+                </c:pt>
+                <c:pt idx="170">
+                  <c:v>32</c:v>
+                </c:pt>
+                <c:pt idx="171">
+                  <c:v>55</c:v>
+                </c:pt>
+                <c:pt idx="172">
+                  <c:v>40</c:v>
+                </c:pt>
+                <c:pt idx="173">
+                  <c:v>50</c:v>
+                </c:pt>
+                <c:pt idx="174">
+                  <c:v>39</c:v>
+                </c:pt>
+                <c:pt idx="175">
+                  <c:v>33</c:v>
+                </c:pt>
+                <c:pt idx="176">
+                  <c:v>46</c:v>
+                </c:pt>
+                <c:pt idx="177">
+                  <c:v>49</c:v>
+                </c:pt>
+                <c:pt idx="178">
+                  <c:v>37</c:v>
+                </c:pt>
+                <c:pt idx="179">
+                  <c:v>28</c:v>
+                </c:pt>
+                <c:pt idx="180">
+                  <c:v>33</c:v>
+                </c:pt>
+                <c:pt idx="181">
+                  <c:v>37</c:v>
+                </c:pt>
+                <c:pt idx="182">
+                  <c:v>49</c:v>
+                </c:pt>
+                <c:pt idx="183">
+                  <c:v>37</c:v>
+                </c:pt>
+                <c:pt idx="184">
+                  <c:v>23</c:v>
+                </c:pt>
+                <c:pt idx="185">
+                  <c:v>24</c:v>
+                </c:pt>
+                <c:pt idx="186">
+                  <c:v>37</c:v>
+                </c:pt>
+                <c:pt idx="187">
+                  <c:v>46</c:v>
+                </c:pt>
+                <c:pt idx="188">
+                  <c:v>30</c:v>
+                </c:pt>
+                <c:pt idx="189">
+                  <c:v>40</c:v>
+                </c:pt>
+                <c:pt idx="190">
+                  <c:v>44</c:v>
+                </c:pt>
+                <c:pt idx="191">
+                  <c:v>36</c:v>
+                </c:pt>
+                <c:pt idx="192">
+                  <c:v>36</c:v>
+                </c:pt>
+                <c:pt idx="193">
+                  <c:v>32</c:v>
+                </c:pt>
+                <c:pt idx="194">
+                  <c:v>37</c:v>
+                </c:pt>
+                <c:pt idx="195">
+                  <c:v>37</c:v>
+                </c:pt>
+                <c:pt idx="196">
+                  <c:v>31</c:v>
+                </c:pt>
+                <c:pt idx="197">
+                  <c:v>32</c:v>
+                </c:pt>
+                <c:pt idx="198">
+                  <c:v>36</c:v>
+                </c:pt>
+                <c:pt idx="199">
+                  <c:v>34</c:v>
+                </c:pt>
+                <c:pt idx="200">
+                  <c:v>37</c:v>
+                </c:pt>
+                <c:pt idx="201">
+                  <c:v>29</c:v>
+                </c:pt>
+                <c:pt idx="202">
+                  <c:v>38</c:v>
+                </c:pt>
+                <c:pt idx="203">
+                  <c:v>27</c:v>
+                </c:pt>
+                <c:pt idx="204">
+                  <c:v>37</c:v>
+                </c:pt>
+                <c:pt idx="205">
+                  <c:v>38</c:v>
+                </c:pt>
+                <c:pt idx="206">
+                  <c:v>36</c:v>
+                </c:pt>
+                <c:pt idx="207">
+                  <c:v>33</c:v>
+                </c:pt>
+                <c:pt idx="208">
+                  <c:v>34</c:v>
+                </c:pt>
+                <c:pt idx="209">
+                  <c:v>35</c:v>
+                </c:pt>
+                <c:pt idx="210">
+                  <c:v>36</c:v>
+                </c:pt>
+                <c:pt idx="211">
+                  <c:v>42</c:v>
+                </c:pt>
+                <c:pt idx="212">
+                  <c:v>31</c:v>
+                </c:pt>
+                <c:pt idx="213">
+                  <c:v>36</c:v>
+                </c:pt>
+                <c:pt idx="214">
+                  <c:v>39</c:v>
+                </c:pt>
+                <c:pt idx="215">
+                  <c:v>36</c:v>
+                </c:pt>
+                <c:pt idx="216">
+                  <c:v>25</c:v>
+                </c:pt>
+                <c:pt idx="217">
+                  <c:v>35</c:v>
+                </c:pt>
+                <c:pt idx="218">
+                  <c:v>24</c:v>
+                </c:pt>
+                <c:pt idx="219">
+                  <c:v>35</c:v>
+                </c:pt>
+                <c:pt idx="220">
+                  <c:v>33</c:v>
+                </c:pt>
+                <c:pt idx="221">
+                  <c:v>24</c:v>
+                </c:pt>
+                <c:pt idx="222">
+                  <c:v>32</c:v>
+                </c:pt>
+                <c:pt idx="223">
+                  <c:v>35</c:v>
+                </c:pt>
+                <c:pt idx="224">
+                  <c:v>39</c:v>
+                </c:pt>
+                <c:pt idx="225">
+                  <c:v>42</c:v>
+                </c:pt>
+                <c:pt idx="226">
+                  <c:v>37</c:v>
+                </c:pt>
+                <c:pt idx="227">
+                  <c:v>36</c:v>
+                </c:pt>
+                <c:pt idx="228">
+                  <c:v>29</c:v>
+                </c:pt>
+                <c:pt idx="229">
+                  <c:v>31</c:v>
+                </c:pt>
+                <c:pt idx="230">
+                  <c:v>39</c:v>
+                </c:pt>
+                <c:pt idx="231">
+                  <c:v>33</c:v>
+                </c:pt>
+                <c:pt idx="232">
+                  <c:v>36</c:v>
+                </c:pt>
+                <c:pt idx="233">
+                  <c:v>37</c:v>
+                </c:pt>
+                <c:pt idx="234">
+                  <c:v>28</c:v>
+                </c:pt>
+                <c:pt idx="235">
+                  <c:v>8</c:v>
+                </c:pt>
+                <c:pt idx="236">
+                  <c:v>32</c:v>
+                </c:pt>
+                <c:pt idx="237">
+                  <c:v>30</c:v>
+                </c:pt>
+                <c:pt idx="238">
+                  <c:v>30</c:v>
+                </c:pt>
+                <c:pt idx="239">
+                  <c:v>27</c:v>
+                </c:pt>
+                <c:pt idx="240">
+                  <c:v>36</c:v>
+                </c:pt>
+                <c:pt idx="241">
+                  <c:v>29</c:v>
+                </c:pt>
+                <c:pt idx="242">
+                  <c:v>26</c:v>
+                </c:pt>
+                <c:pt idx="243">
+                  <c:v>29</c:v>
+                </c:pt>
+                <c:pt idx="244">
+                  <c:v>25</c:v>
+                </c:pt>
+                <c:pt idx="245">
+                  <c:v>35</c:v>
+                </c:pt>
+                <c:pt idx="246">
+                  <c:v>34</c:v>
+                </c:pt>
+                <c:pt idx="247">
+                  <c:v>29</c:v>
+                </c:pt>
+                <c:pt idx="248">
+                  <c:v>22</c:v>
+                </c:pt>
+                <c:pt idx="249">
+                  <c:v>16</c:v>
+                </c:pt>
+                <c:pt idx="250">
+                  <c:v>22</c:v>
+                </c:pt>
+                <c:pt idx="251">
+                  <c:v>19</c:v>
+                </c:pt>
+                <c:pt idx="252">
+                  <c:v>22</c:v>
+                </c:pt>
+                <c:pt idx="253">
+                  <c:v>22</c:v>
+                </c:pt>
+                <c:pt idx="254">
+                  <c:v>22</c:v>
+                </c:pt>
+                <c:pt idx="255">
+                  <c:v>22</c:v>
+                </c:pt>
+                <c:pt idx="256">
+                  <c:v>23</c:v>
+                </c:pt>
+                <c:pt idx="257">
+                  <c:v>21</c:v>
+                </c:pt>
+                <c:pt idx="258">
+                  <c:v>20</c:v>
+                </c:pt>
+                <c:pt idx="259">
+                  <c:v>25</c:v>
+                </c:pt>
+                <c:pt idx="260">
+                  <c:v>35</c:v>
+                </c:pt>
+              </c:numCache>
+            </c:numRef>
+          </c:val>
+          <c:smooth val="0"/>
+          <c:extLst>
+            <c:ext xmlns:c16="http://schemas.microsoft.com/office/drawing/2014/chart" uri="{C3380CC4-5D6E-409C-BE32-E72D297353CC}">
+              <c16:uniqueId val="{00000000-BA20-184D-9181-38FFE26A28F1}"/>
+            </c:ext>
+          </c:extLst>
+        </c:ser>
+        <c:ser>
+          <c:idx val="1"/>
+          <c:order val="1"/>
+          <c:tx>
+            <c:strRef>
+              <c:f>Sheet1!$C$1</c:f>
+              <c:strCache>
+                <c:ptCount val="1"/>
+                <c:pt idx="0">
+                  <c:v>Pytorch: (China)</c:v>
+                </c:pt>
+              </c:strCache>
+            </c:strRef>
+          </c:tx>
+          <c:spPr>
+            <a:ln w="28575" cap="rnd">
+              <a:solidFill>
+                <a:schemeClr val="accent2"/>
+              </a:solidFill>
+              <a:round/>
+            </a:ln>
+            <a:effectLst/>
+          </c:spPr>
+          <c:marker>
+            <c:symbol val="none"/>
+          </c:marker>
+          <c:cat>
+            <c:numRef>
+              <c:f>Sheet1!$A$2:$A$267</c:f>
+              <c:numCache>
+                <c:formatCode>m/d/yy</c:formatCode>
+                <c:ptCount val="266"/>
+                <c:pt idx="0">
+                  <c:v>42946</c:v>
+                </c:pt>
+                <c:pt idx="1">
+                  <c:v>42953</c:v>
+                </c:pt>
+                <c:pt idx="2">
+                  <c:v>42960</c:v>
+                </c:pt>
+                <c:pt idx="3">
+                  <c:v>42967</c:v>
+                </c:pt>
+                <c:pt idx="4">
+                  <c:v>42974</c:v>
+                </c:pt>
+                <c:pt idx="5">
+                  <c:v>42981</c:v>
+                </c:pt>
+                <c:pt idx="6">
+                  <c:v>42988</c:v>
+                </c:pt>
+                <c:pt idx="7">
+                  <c:v>42995</c:v>
+                </c:pt>
+                <c:pt idx="8">
+                  <c:v>43002</c:v>
+                </c:pt>
+                <c:pt idx="9">
+                  <c:v>43009</c:v>
+                </c:pt>
+                <c:pt idx="10">
+                  <c:v>43016</c:v>
+                </c:pt>
+                <c:pt idx="11">
+                  <c:v>43023</c:v>
+                </c:pt>
+                <c:pt idx="12">
+                  <c:v>43030</c:v>
+                </c:pt>
+                <c:pt idx="13">
+                  <c:v>43037</c:v>
+                </c:pt>
+                <c:pt idx="14">
+                  <c:v>43044</c:v>
+                </c:pt>
+                <c:pt idx="15">
+                  <c:v>43051</c:v>
+                </c:pt>
+                <c:pt idx="16">
+                  <c:v>43058</c:v>
+                </c:pt>
+                <c:pt idx="17">
+                  <c:v>43065</c:v>
+                </c:pt>
+                <c:pt idx="18">
+                  <c:v>43072</c:v>
+                </c:pt>
+                <c:pt idx="19">
+                  <c:v>43079</c:v>
+                </c:pt>
+                <c:pt idx="20">
+                  <c:v>43086</c:v>
+                </c:pt>
+                <c:pt idx="21">
+                  <c:v>43093</c:v>
+                </c:pt>
+                <c:pt idx="22">
+                  <c:v>43100</c:v>
+                </c:pt>
+                <c:pt idx="23">
+                  <c:v>43107</c:v>
+                </c:pt>
+                <c:pt idx="24">
+                  <c:v>43114</c:v>
+                </c:pt>
+                <c:pt idx="25">
+                  <c:v>43121</c:v>
+                </c:pt>
+                <c:pt idx="26">
+                  <c:v>43128</c:v>
+                </c:pt>
+                <c:pt idx="27">
+                  <c:v>43135</c:v>
+                </c:pt>
+                <c:pt idx="28">
+                  <c:v>43142</c:v>
+                </c:pt>
+                <c:pt idx="29">
+                  <c:v>43149</c:v>
+                </c:pt>
+                <c:pt idx="30">
+                  <c:v>43156</c:v>
+                </c:pt>
+                <c:pt idx="31">
+                  <c:v>43163</c:v>
+                </c:pt>
+                <c:pt idx="32">
+                  <c:v>43170</c:v>
+                </c:pt>
+                <c:pt idx="33">
+                  <c:v>43177</c:v>
+                </c:pt>
+                <c:pt idx="34">
+                  <c:v>43184</c:v>
+                </c:pt>
+                <c:pt idx="35">
+                  <c:v>43191</c:v>
+                </c:pt>
+                <c:pt idx="36">
+                  <c:v>43198</c:v>
+                </c:pt>
+                <c:pt idx="37">
+                  <c:v>43205</c:v>
+                </c:pt>
+                <c:pt idx="38">
+                  <c:v>43212</c:v>
+                </c:pt>
+                <c:pt idx="39">
+                  <c:v>43219</c:v>
+                </c:pt>
+                <c:pt idx="40">
+                  <c:v>43226</c:v>
+                </c:pt>
+                <c:pt idx="41">
+                  <c:v>43233</c:v>
+                </c:pt>
+                <c:pt idx="42">
+                  <c:v>43240</c:v>
+                </c:pt>
+                <c:pt idx="43">
+                  <c:v>43247</c:v>
+                </c:pt>
+                <c:pt idx="44">
+                  <c:v>43254</c:v>
+                </c:pt>
+                <c:pt idx="45">
+                  <c:v>43261</c:v>
+                </c:pt>
+                <c:pt idx="46">
+                  <c:v>43268</c:v>
+                </c:pt>
+                <c:pt idx="47">
+                  <c:v>43275</c:v>
+                </c:pt>
+                <c:pt idx="48">
+                  <c:v>43282</c:v>
+                </c:pt>
+                <c:pt idx="49">
+                  <c:v>43289</c:v>
+                </c:pt>
+                <c:pt idx="50">
+                  <c:v>43296</c:v>
+                </c:pt>
+                <c:pt idx="51">
+                  <c:v>43303</c:v>
+                </c:pt>
+                <c:pt idx="52">
+                  <c:v>43310</c:v>
+                </c:pt>
+                <c:pt idx="53">
+                  <c:v>43317</c:v>
+                </c:pt>
+                <c:pt idx="54">
+                  <c:v>43324</c:v>
+                </c:pt>
+                <c:pt idx="55">
+                  <c:v>43331</c:v>
+                </c:pt>
+                <c:pt idx="56">
+                  <c:v>43338</c:v>
+                </c:pt>
+                <c:pt idx="57">
+                  <c:v>43345</c:v>
+                </c:pt>
+                <c:pt idx="58">
+                  <c:v>43352</c:v>
+                </c:pt>
+                <c:pt idx="59">
+                  <c:v>43359</c:v>
+                </c:pt>
+                <c:pt idx="60">
+                  <c:v>43366</c:v>
+                </c:pt>
+                <c:pt idx="61">
+                  <c:v>43373</c:v>
+                </c:pt>
+                <c:pt idx="62">
+                  <c:v>43380</c:v>
+                </c:pt>
+                <c:pt idx="63">
+                  <c:v>43387</c:v>
+                </c:pt>
+                <c:pt idx="64">
+                  <c:v>43394</c:v>
+                </c:pt>
+                <c:pt idx="65">
+                  <c:v>43401</c:v>
+                </c:pt>
+                <c:pt idx="66">
+                  <c:v>43408</c:v>
+                </c:pt>
+                <c:pt idx="67">
+                  <c:v>43415</c:v>
+                </c:pt>
+                <c:pt idx="68">
+                  <c:v>43422</c:v>
+                </c:pt>
+                <c:pt idx="69">
+                  <c:v>43429</c:v>
+                </c:pt>
+                <c:pt idx="70">
+                  <c:v>43436</c:v>
+                </c:pt>
+                <c:pt idx="71">
+                  <c:v>43443</c:v>
+                </c:pt>
+                <c:pt idx="72">
+                  <c:v>43450</c:v>
+                </c:pt>
+                <c:pt idx="73">
+                  <c:v>43457</c:v>
+                </c:pt>
+                <c:pt idx="74">
+                  <c:v>43464</c:v>
+                </c:pt>
+                <c:pt idx="75">
+                  <c:v>43471</c:v>
+                </c:pt>
+                <c:pt idx="76">
+                  <c:v>43478</c:v>
+                </c:pt>
+                <c:pt idx="77">
+                  <c:v>43485</c:v>
+                </c:pt>
+                <c:pt idx="78">
+                  <c:v>43492</c:v>
+                </c:pt>
+                <c:pt idx="79">
+                  <c:v>43499</c:v>
+                </c:pt>
+                <c:pt idx="80">
+                  <c:v>43506</c:v>
+                </c:pt>
+                <c:pt idx="81">
+                  <c:v>43513</c:v>
+                </c:pt>
+                <c:pt idx="82">
+                  <c:v>43520</c:v>
+                </c:pt>
+                <c:pt idx="83">
+                  <c:v>43527</c:v>
+                </c:pt>
+                <c:pt idx="84">
+                  <c:v>43534</c:v>
+                </c:pt>
+                <c:pt idx="85">
+                  <c:v>43541</c:v>
+                </c:pt>
+                <c:pt idx="86">
+                  <c:v>43548</c:v>
+                </c:pt>
+                <c:pt idx="87">
+                  <c:v>43555</c:v>
+                </c:pt>
+                <c:pt idx="88">
+                  <c:v>43562</c:v>
+                </c:pt>
+                <c:pt idx="89">
+                  <c:v>43569</c:v>
+                </c:pt>
+                <c:pt idx="90">
+                  <c:v>43576</c:v>
+                </c:pt>
+                <c:pt idx="91">
+                  <c:v>43583</c:v>
+                </c:pt>
+                <c:pt idx="92">
+                  <c:v>43590</c:v>
+                </c:pt>
+                <c:pt idx="93">
+                  <c:v>43597</c:v>
+                </c:pt>
+                <c:pt idx="94">
+                  <c:v>43604</c:v>
+                </c:pt>
+                <c:pt idx="95">
+                  <c:v>43611</c:v>
+                </c:pt>
+                <c:pt idx="96">
+                  <c:v>43618</c:v>
+                </c:pt>
+                <c:pt idx="97">
+                  <c:v>43625</c:v>
+                </c:pt>
+                <c:pt idx="98">
+                  <c:v>43632</c:v>
+                </c:pt>
+                <c:pt idx="99">
+                  <c:v>43639</c:v>
+                </c:pt>
+                <c:pt idx="100">
+                  <c:v>43646</c:v>
+                </c:pt>
+                <c:pt idx="101">
+                  <c:v>43653</c:v>
+                </c:pt>
+                <c:pt idx="102">
+                  <c:v>43660</c:v>
+                </c:pt>
+                <c:pt idx="103">
+                  <c:v>43667</c:v>
+                </c:pt>
+                <c:pt idx="104">
+                  <c:v>43674</c:v>
+                </c:pt>
+                <c:pt idx="105">
+                  <c:v>43681</c:v>
+                </c:pt>
+                <c:pt idx="106">
+                  <c:v>43688</c:v>
+                </c:pt>
+                <c:pt idx="107">
+                  <c:v>43695</c:v>
+                </c:pt>
+                <c:pt idx="108">
+                  <c:v>43702</c:v>
+                </c:pt>
+                <c:pt idx="109">
+                  <c:v>43709</c:v>
+                </c:pt>
+                <c:pt idx="110">
+                  <c:v>43716</c:v>
+                </c:pt>
+                <c:pt idx="111">
+                  <c:v>43723</c:v>
+                </c:pt>
+                <c:pt idx="112">
+                  <c:v>43730</c:v>
+                </c:pt>
+                <c:pt idx="113">
+                  <c:v>43737</c:v>
+                </c:pt>
+                <c:pt idx="114">
+                  <c:v>43744</c:v>
+                </c:pt>
+                <c:pt idx="115">
+                  <c:v>43751</c:v>
+                </c:pt>
+                <c:pt idx="116">
+                  <c:v>43758</c:v>
+                </c:pt>
+                <c:pt idx="117">
+                  <c:v>43765</c:v>
+                </c:pt>
+                <c:pt idx="118">
+                  <c:v>43772</c:v>
+                </c:pt>
+                <c:pt idx="119">
+                  <c:v>43779</c:v>
+                </c:pt>
+                <c:pt idx="120">
+                  <c:v>43786</c:v>
+                </c:pt>
+                <c:pt idx="121">
+                  <c:v>43793</c:v>
+                </c:pt>
+                <c:pt idx="122">
+                  <c:v>43800</c:v>
+                </c:pt>
+                <c:pt idx="123">
+                  <c:v>43807</c:v>
+                </c:pt>
+                <c:pt idx="124">
+                  <c:v>43814</c:v>
+                </c:pt>
+                <c:pt idx="125">
+                  <c:v>43821</c:v>
+                </c:pt>
+                <c:pt idx="126">
+                  <c:v>43828</c:v>
+                </c:pt>
+                <c:pt idx="127">
+                  <c:v>43835</c:v>
+                </c:pt>
+                <c:pt idx="128">
+                  <c:v>43842</c:v>
+                </c:pt>
+                <c:pt idx="129">
+                  <c:v>43849</c:v>
+                </c:pt>
+                <c:pt idx="130">
+                  <c:v>43856</c:v>
+                </c:pt>
+                <c:pt idx="131">
+                  <c:v>43863</c:v>
+                </c:pt>
+                <c:pt idx="132">
+                  <c:v>43870</c:v>
+                </c:pt>
+                <c:pt idx="133">
+                  <c:v>43877</c:v>
+                </c:pt>
+                <c:pt idx="134">
+                  <c:v>43884</c:v>
+                </c:pt>
+                <c:pt idx="135">
+                  <c:v>43891</c:v>
+                </c:pt>
+                <c:pt idx="136">
+                  <c:v>43898</c:v>
+                </c:pt>
+                <c:pt idx="137">
+                  <c:v>43905</c:v>
+                </c:pt>
+                <c:pt idx="138">
+                  <c:v>43912</c:v>
+                </c:pt>
+                <c:pt idx="139">
+                  <c:v>43919</c:v>
+                </c:pt>
+                <c:pt idx="140">
+                  <c:v>43926</c:v>
+                </c:pt>
+                <c:pt idx="141">
+                  <c:v>43933</c:v>
+                </c:pt>
+                <c:pt idx="142">
+                  <c:v>43940</c:v>
+                </c:pt>
+                <c:pt idx="143">
+                  <c:v>43947</c:v>
+                </c:pt>
+                <c:pt idx="144">
+                  <c:v>43954</c:v>
+                </c:pt>
+                <c:pt idx="145">
+                  <c:v>43961</c:v>
+                </c:pt>
+                <c:pt idx="146">
+                  <c:v>43968</c:v>
+                </c:pt>
+                <c:pt idx="147">
+                  <c:v>43975</c:v>
+                </c:pt>
+                <c:pt idx="148">
+                  <c:v>43982</c:v>
+                </c:pt>
+                <c:pt idx="149">
+                  <c:v>43989</c:v>
+                </c:pt>
+                <c:pt idx="150">
+                  <c:v>43996</c:v>
+                </c:pt>
+                <c:pt idx="151">
+                  <c:v>44003</c:v>
+                </c:pt>
+                <c:pt idx="152">
+                  <c:v>44010</c:v>
+                </c:pt>
+                <c:pt idx="153">
+                  <c:v>44017</c:v>
+                </c:pt>
+                <c:pt idx="154">
+                  <c:v>44024</c:v>
+                </c:pt>
+                <c:pt idx="155">
+                  <c:v>44031</c:v>
+                </c:pt>
+                <c:pt idx="156">
+                  <c:v>44038</c:v>
+                </c:pt>
+                <c:pt idx="157">
+                  <c:v>44045</c:v>
+                </c:pt>
+                <c:pt idx="158">
+                  <c:v>44052</c:v>
+                </c:pt>
+                <c:pt idx="159">
+                  <c:v>44059</c:v>
+                </c:pt>
+                <c:pt idx="160">
+                  <c:v>44066</c:v>
+                </c:pt>
+                <c:pt idx="161">
+                  <c:v>44073</c:v>
+                </c:pt>
+                <c:pt idx="162">
+                  <c:v>44080</c:v>
+                </c:pt>
+                <c:pt idx="163">
+                  <c:v>44087</c:v>
+                </c:pt>
+                <c:pt idx="164">
+                  <c:v>44094</c:v>
+                </c:pt>
+                <c:pt idx="165">
+                  <c:v>44101</c:v>
+                </c:pt>
+                <c:pt idx="166">
+                  <c:v>44108</c:v>
+                </c:pt>
+                <c:pt idx="167">
+                  <c:v>44115</c:v>
+                </c:pt>
+                <c:pt idx="168">
+                  <c:v>44122</c:v>
+                </c:pt>
+                <c:pt idx="169">
+                  <c:v>44129</c:v>
+                </c:pt>
+                <c:pt idx="170">
+                  <c:v>44136</c:v>
+                </c:pt>
+                <c:pt idx="171">
+                  <c:v>44143</c:v>
+                </c:pt>
+                <c:pt idx="172">
+                  <c:v>44150</c:v>
+                </c:pt>
+                <c:pt idx="173">
+                  <c:v>44157</c:v>
+                </c:pt>
+                <c:pt idx="174">
+                  <c:v>44164</c:v>
+                </c:pt>
+                <c:pt idx="175">
+                  <c:v>44171</c:v>
+                </c:pt>
+                <c:pt idx="176">
+                  <c:v>44178</c:v>
+                </c:pt>
+                <c:pt idx="177">
+                  <c:v>44185</c:v>
+                </c:pt>
+                <c:pt idx="178">
+                  <c:v>44192</c:v>
+                </c:pt>
+                <c:pt idx="179">
+                  <c:v>44199</c:v>
+                </c:pt>
+                <c:pt idx="180">
+                  <c:v>44206</c:v>
+                </c:pt>
+                <c:pt idx="181">
+                  <c:v>44213</c:v>
+                </c:pt>
+                <c:pt idx="182">
+                  <c:v>44220</c:v>
+                </c:pt>
+                <c:pt idx="183">
+                  <c:v>44227</c:v>
+                </c:pt>
+                <c:pt idx="184">
+                  <c:v>44234</c:v>
+                </c:pt>
+                <c:pt idx="185">
+                  <c:v>44241</c:v>
+                </c:pt>
+                <c:pt idx="186">
+                  <c:v>44248</c:v>
+                </c:pt>
+                <c:pt idx="187">
+                  <c:v>44255</c:v>
+                </c:pt>
+                <c:pt idx="188">
+                  <c:v>44262</c:v>
+                </c:pt>
+                <c:pt idx="189">
+                  <c:v>44269</c:v>
+                </c:pt>
+                <c:pt idx="190">
+                  <c:v>44276</c:v>
+                </c:pt>
+                <c:pt idx="191">
+                  <c:v>44283</c:v>
+                </c:pt>
+                <c:pt idx="192">
+                  <c:v>44290</c:v>
+                </c:pt>
+                <c:pt idx="193">
+                  <c:v>44297</c:v>
+                </c:pt>
+                <c:pt idx="194">
+                  <c:v>44304</c:v>
+                </c:pt>
+                <c:pt idx="195">
+                  <c:v>44311</c:v>
+                </c:pt>
+                <c:pt idx="196">
+                  <c:v>44318</c:v>
+                </c:pt>
+                <c:pt idx="197">
+                  <c:v>44325</c:v>
+                </c:pt>
+                <c:pt idx="198">
+                  <c:v>44332</c:v>
+                </c:pt>
+                <c:pt idx="199">
+                  <c:v>44339</c:v>
+                </c:pt>
+                <c:pt idx="200">
+                  <c:v>44346</c:v>
+                </c:pt>
+                <c:pt idx="201">
+                  <c:v>44353</c:v>
+                </c:pt>
+                <c:pt idx="202">
+                  <c:v>44360</c:v>
+                </c:pt>
+                <c:pt idx="203">
+                  <c:v>44367</c:v>
+                </c:pt>
+                <c:pt idx="204">
+                  <c:v>44374</c:v>
+                </c:pt>
+                <c:pt idx="205">
+                  <c:v>44381</c:v>
+                </c:pt>
+                <c:pt idx="206">
+                  <c:v>44388</c:v>
+                </c:pt>
+                <c:pt idx="207">
+                  <c:v>44395</c:v>
+                </c:pt>
+                <c:pt idx="208">
+                  <c:v>44402</c:v>
+                </c:pt>
+                <c:pt idx="209">
+                  <c:v>44409</c:v>
+                </c:pt>
+                <c:pt idx="210">
+                  <c:v>44416</c:v>
+                </c:pt>
+                <c:pt idx="211">
+                  <c:v>44423</c:v>
+                </c:pt>
+                <c:pt idx="212">
+                  <c:v>44430</c:v>
+                </c:pt>
+                <c:pt idx="213">
+                  <c:v>44437</c:v>
+                </c:pt>
+                <c:pt idx="214">
+                  <c:v>44444</c:v>
+                </c:pt>
+                <c:pt idx="215">
+                  <c:v>44451</c:v>
+                </c:pt>
+                <c:pt idx="216">
+                  <c:v>44458</c:v>
+                </c:pt>
+                <c:pt idx="217">
+                  <c:v>44465</c:v>
+                </c:pt>
+                <c:pt idx="218">
+                  <c:v>44472</c:v>
+                </c:pt>
+                <c:pt idx="219">
+                  <c:v>44479</c:v>
+                </c:pt>
+                <c:pt idx="220">
+                  <c:v>44486</c:v>
+                </c:pt>
+                <c:pt idx="221">
+                  <c:v>44493</c:v>
+                </c:pt>
+                <c:pt idx="222">
+                  <c:v>44500</c:v>
+                </c:pt>
+                <c:pt idx="223">
+                  <c:v>44507</c:v>
+                </c:pt>
+                <c:pt idx="224">
+                  <c:v>44514</c:v>
+                </c:pt>
+                <c:pt idx="225">
+                  <c:v>44521</c:v>
+                </c:pt>
+                <c:pt idx="226">
+                  <c:v>44528</c:v>
+                </c:pt>
+                <c:pt idx="227">
+                  <c:v>44535</c:v>
+                </c:pt>
+                <c:pt idx="228">
+                  <c:v>44542</c:v>
+                </c:pt>
+                <c:pt idx="229">
+                  <c:v>44549</c:v>
+                </c:pt>
+                <c:pt idx="230">
+                  <c:v>44556</c:v>
+                </c:pt>
+                <c:pt idx="231">
+                  <c:v>44563</c:v>
+                </c:pt>
+                <c:pt idx="232">
+                  <c:v>44570</c:v>
+                </c:pt>
+                <c:pt idx="233">
+                  <c:v>44577</c:v>
+                </c:pt>
+                <c:pt idx="234">
+                  <c:v>44584</c:v>
+                </c:pt>
+                <c:pt idx="235">
+                  <c:v>44591</c:v>
+                </c:pt>
+                <c:pt idx="236">
+                  <c:v>44598</c:v>
+                </c:pt>
+                <c:pt idx="237">
+                  <c:v>44605</c:v>
+                </c:pt>
+                <c:pt idx="238">
+                  <c:v>44612</c:v>
+                </c:pt>
+                <c:pt idx="239">
+                  <c:v>44619</c:v>
+                </c:pt>
+                <c:pt idx="240">
+                  <c:v>44626</c:v>
+                </c:pt>
+                <c:pt idx="241">
+                  <c:v>44633</c:v>
+                </c:pt>
+                <c:pt idx="242">
+                  <c:v>44640</c:v>
+                </c:pt>
+                <c:pt idx="243">
+                  <c:v>44647</c:v>
+                </c:pt>
+                <c:pt idx="244">
+                  <c:v>44654</c:v>
+                </c:pt>
+                <c:pt idx="245">
+                  <c:v>44661</c:v>
+                </c:pt>
+                <c:pt idx="246">
+                  <c:v>44668</c:v>
+                </c:pt>
+                <c:pt idx="247">
+                  <c:v>44675</c:v>
+                </c:pt>
+                <c:pt idx="248">
+                  <c:v>44682</c:v>
+                </c:pt>
+                <c:pt idx="249">
+                  <c:v>44689</c:v>
+                </c:pt>
+                <c:pt idx="250">
+                  <c:v>44696</c:v>
+                </c:pt>
+                <c:pt idx="251">
+                  <c:v>44703</c:v>
+                </c:pt>
+                <c:pt idx="252">
+                  <c:v>44710</c:v>
+                </c:pt>
+                <c:pt idx="253">
+                  <c:v>44717</c:v>
+                </c:pt>
+                <c:pt idx="254">
+                  <c:v>44724</c:v>
+                </c:pt>
+                <c:pt idx="255">
+                  <c:v>44731</c:v>
+                </c:pt>
+                <c:pt idx="256">
+                  <c:v>44738</c:v>
+                </c:pt>
+                <c:pt idx="257">
+                  <c:v>44745</c:v>
+                </c:pt>
+                <c:pt idx="258">
+                  <c:v>44752</c:v>
+                </c:pt>
+                <c:pt idx="259">
+                  <c:v>44759</c:v>
+                </c:pt>
+                <c:pt idx="260">
+                  <c:v>44766</c:v>
+                </c:pt>
+              </c:numCache>
+            </c:numRef>
+          </c:cat>
+          <c:val>
+            <c:numRef>
+              <c:f>Sheet1!$C$2:$C$267</c:f>
+              <c:numCache>
+                <c:formatCode>General</c:formatCode>
+                <c:ptCount val="266"/>
+                <c:pt idx="0">
+                  <c:v>11</c:v>
+                </c:pt>
+                <c:pt idx="1">
+                  <c:v>9</c:v>
+                </c:pt>
+                <c:pt idx="2">
+                  <c:v>9</c:v>
+                </c:pt>
+                <c:pt idx="3">
+                  <c:v>12</c:v>
+                </c:pt>
+                <c:pt idx="4">
+                  <c:v>9</c:v>
+                </c:pt>
+                <c:pt idx="5">
+                  <c:v>18</c:v>
+                </c:pt>
+                <c:pt idx="6">
+                  <c:v>17</c:v>
+                </c:pt>
+                <c:pt idx="7">
+                  <c:v>11</c:v>
+                </c:pt>
+                <c:pt idx="8">
+                  <c:v>14</c:v>
+                </c:pt>
+                <c:pt idx="9">
+                  <c:v>9</c:v>
+                </c:pt>
+                <c:pt idx="10">
+                  <c:v>20</c:v>
+                </c:pt>
+                <c:pt idx="11">
+                  <c:v>21</c:v>
+                </c:pt>
+                <c:pt idx="12">
+                  <c:v>25</c:v>
+                </c:pt>
+                <c:pt idx="13">
+                  <c:v>14</c:v>
+                </c:pt>
+                <c:pt idx="14">
+                  <c:v>16</c:v>
+                </c:pt>
+                <c:pt idx="15">
+                  <c:v>18</c:v>
+                </c:pt>
+                <c:pt idx="16">
+                  <c:v>17</c:v>
+                </c:pt>
+                <c:pt idx="17">
+                  <c:v>20</c:v>
+                </c:pt>
+                <c:pt idx="18">
+                  <c:v>16</c:v>
+                </c:pt>
+                <c:pt idx="19">
+                  <c:v>16</c:v>
+                </c:pt>
+                <c:pt idx="20">
+                  <c:v>20</c:v>
+                </c:pt>
+                <c:pt idx="21">
+                  <c:v>28</c:v>
+                </c:pt>
+                <c:pt idx="22">
+                  <c:v>27</c:v>
+                </c:pt>
+                <c:pt idx="23">
+                  <c:v>17</c:v>
+                </c:pt>
+                <c:pt idx="24">
+                  <c:v>31</c:v>
+                </c:pt>
+                <c:pt idx="25">
+                  <c:v>26</c:v>
+                </c:pt>
+                <c:pt idx="26">
+                  <c:v>18</c:v>
+                </c:pt>
+                <c:pt idx="27">
+                  <c:v>25</c:v>
+                </c:pt>
+                <c:pt idx="28">
+                  <c:v>12</c:v>
+                </c:pt>
+                <c:pt idx="29">
+                  <c:v>9</c:v>
+                </c:pt>
+                <c:pt idx="30">
+                  <c:v>24</c:v>
+                </c:pt>
+                <c:pt idx="31">
+                  <c:v>33</c:v>
+                </c:pt>
+                <c:pt idx="32">
+                  <c:v>30</c:v>
+                </c:pt>
+                <c:pt idx="33">
+                  <c:v>26</c:v>
+                </c:pt>
+                <c:pt idx="34">
+                  <c:v>28</c:v>
+                </c:pt>
+                <c:pt idx="35">
+                  <c:v>25</c:v>
+                </c:pt>
+                <c:pt idx="36">
+                  <c:v>25</c:v>
+                </c:pt>
+                <c:pt idx="37">
+                  <c:v>30</c:v>
+                </c:pt>
+                <c:pt idx="38">
+                  <c:v>32</c:v>
+                </c:pt>
+                <c:pt idx="39">
+                  <c:v>43</c:v>
+                </c:pt>
+                <c:pt idx="40">
+                  <c:v>42</c:v>
+                </c:pt>
+                <c:pt idx="41">
+                  <c:v>24</c:v>
+                </c:pt>
+                <c:pt idx="42">
+                  <c:v>37</c:v>
+                </c:pt>
+                <c:pt idx="43">
+                  <c:v>30</c:v>
+                </c:pt>
+                <c:pt idx="44">
+                  <c:v>29</c:v>
+                </c:pt>
+                <c:pt idx="45">
+                  <c:v>29</c:v>
+                </c:pt>
+                <c:pt idx="46">
+                  <c:v>29</c:v>
+                </c:pt>
+                <c:pt idx="47">
+                  <c:v>35</c:v>
+                </c:pt>
+                <c:pt idx="48">
+                  <c:v>29</c:v>
+                </c:pt>
+                <c:pt idx="49">
+                  <c:v>38</c:v>
+                </c:pt>
+                <c:pt idx="50">
+                  <c:v>36</c:v>
+                </c:pt>
+                <c:pt idx="51">
+                  <c:v>46</c:v>
+                </c:pt>
+                <c:pt idx="52">
+                  <c:v>33</c:v>
+                </c:pt>
+                <c:pt idx="53">
+                  <c:v>45</c:v>
+                </c:pt>
+                <c:pt idx="54">
+                  <c:v>29</c:v>
+                </c:pt>
+                <c:pt idx="55">
+                  <c:v>36</c:v>
+                </c:pt>
+                <c:pt idx="56">
+                  <c:v>27</c:v>
+                </c:pt>
+                <c:pt idx="57">
+                  <c:v>34</c:v>
+                </c:pt>
+                <c:pt idx="58">
+                  <c:v>46</c:v>
+                </c:pt>
+                <c:pt idx="59">
+                  <c:v>35</c:v>
+                </c:pt>
+                <c:pt idx="60">
+                  <c:v>34</c:v>
+                </c:pt>
+                <c:pt idx="61">
+                  <c:v>28</c:v>
+                </c:pt>
+                <c:pt idx="62">
+                  <c:v>45</c:v>
+                </c:pt>
+                <c:pt idx="63">
+                  <c:v>39</c:v>
+                </c:pt>
+                <c:pt idx="64">
+                  <c:v>37</c:v>
+                </c:pt>
+                <c:pt idx="65">
+                  <c:v>43</c:v>
+                </c:pt>
+                <c:pt idx="66">
+                  <c:v>32</c:v>
+                </c:pt>
+                <c:pt idx="67">
+                  <c:v>41</c:v>
+                </c:pt>
+                <c:pt idx="68">
+                  <c:v>42</c:v>
+                </c:pt>
+                <c:pt idx="69">
+                  <c:v>47</c:v>
+                </c:pt>
+                <c:pt idx="70">
+                  <c:v>46</c:v>
+                </c:pt>
+                <c:pt idx="71">
+                  <c:v>50</c:v>
+                </c:pt>
+                <c:pt idx="72">
+                  <c:v>44</c:v>
+                </c:pt>
+                <c:pt idx="73">
+                  <c:v>51</c:v>
+                </c:pt>
+                <c:pt idx="74">
+                  <c:v>33</c:v>
+                </c:pt>
+                <c:pt idx="75">
+                  <c:v>49</c:v>
+                </c:pt>
+                <c:pt idx="76">
+                  <c:v>50</c:v>
+                </c:pt>
+                <c:pt idx="77">
+                  <c:v>47</c:v>
+                </c:pt>
+                <c:pt idx="78">
+                  <c:v>27</c:v>
+                </c:pt>
+                <c:pt idx="79">
+                  <c:v>10</c:v>
+                </c:pt>
+                <c:pt idx="80">
+                  <c:v>31</c:v>
+                </c:pt>
+                <c:pt idx="81">
+                  <c:v>45</c:v>
+                </c:pt>
+                <c:pt idx="82">
+                  <c:v>49</c:v>
+                </c:pt>
+                <c:pt idx="83">
+                  <c:v>58</c:v>
+                </c:pt>
+                <c:pt idx="84">
+                  <c:v>57</c:v>
+                </c:pt>
+                <c:pt idx="85">
+                  <c:v>58</c:v>
+                </c:pt>
+                <c:pt idx="86">
+                  <c:v>48</c:v>
+                </c:pt>
+                <c:pt idx="87">
+                  <c:v>53</c:v>
+                </c:pt>
+                <c:pt idx="88">
+                  <c:v>51</c:v>
+                </c:pt>
+                <c:pt idx="89">
+                  <c:v>54</c:v>
+                </c:pt>
+                <c:pt idx="90">
+                  <c:v>45</c:v>
+                </c:pt>
+                <c:pt idx="91">
+                  <c:v>41</c:v>
+                </c:pt>
+                <c:pt idx="92">
+                  <c:v>52</c:v>
+                </c:pt>
+                <c:pt idx="93">
+                  <c:v>43</c:v>
+                </c:pt>
+                <c:pt idx="94">
+                  <c:v>57</c:v>
+                </c:pt>
+                <c:pt idx="95">
+                  <c:v>38</c:v>
+                </c:pt>
+                <c:pt idx="96">
+                  <c:v>43</c:v>
+                </c:pt>
+                <c:pt idx="97">
+                  <c:v>51</c:v>
+                </c:pt>
+                <c:pt idx="98">
+                  <c:v>54</c:v>
+                </c:pt>
+                <c:pt idx="99">
+                  <c:v>51</c:v>
+                </c:pt>
+                <c:pt idx="100">
+                  <c:v>59</c:v>
+                </c:pt>
+                <c:pt idx="101">
+                  <c:v>53</c:v>
+                </c:pt>
+                <c:pt idx="102">
+                  <c:v>50</c:v>
+                </c:pt>
+                <c:pt idx="103">
+                  <c:v>55</c:v>
+                </c:pt>
+                <c:pt idx="104">
+                  <c:v>48</c:v>
+                </c:pt>
+                <c:pt idx="105">
+                  <c:v>66</c:v>
+                </c:pt>
+                <c:pt idx="106">
+                  <c:v>52</c:v>
+                </c:pt>
+                <c:pt idx="107">
+                  <c:v>55</c:v>
+                </c:pt>
+                <c:pt idx="108">
+                  <c:v>43</c:v>
+                </c:pt>
+                <c:pt idx="109">
+                  <c:v>41</c:v>
+                </c:pt>
+                <c:pt idx="110">
+                  <c:v>37</c:v>
+                </c:pt>
+                <c:pt idx="111">
+                  <c:v>39</c:v>
+                </c:pt>
+                <c:pt idx="112">
+                  <c:v>44</c:v>
+                </c:pt>
+                <c:pt idx="113">
+                  <c:v>34</c:v>
+                </c:pt>
+                <c:pt idx="114">
+                  <c:v>38</c:v>
+                </c:pt>
+                <c:pt idx="115">
+                  <c:v>49</c:v>
+                </c:pt>
+                <c:pt idx="116">
+                  <c:v>39</c:v>
+                </c:pt>
+                <c:pt idx="117">
+                  <c:v>37</c:v>
+                </c:pt>
+                <c:pt idx="118">
+                  <c:v>40</c:v>
+                </c:pt>
+                <c:pt idx="119">
+                  <c:v>51</c:v>
+                </c:pt>
+                <c:pt idx="120">
+                  <c:v>43</c:v>
+                </c:pt>
+                <c:pt idx="121">
+                  <c:v>37</c:v>
+                </c:pt>
+                <c:pt idx="122">
+                  <c:v>38</c:v>
+                </c:pt>
+                <c:pt idx="123">
+                  <c:v>46</c:v>
+                </c:pt>
+                <c:pt idx="124">
+                  <c:v>47</c:v>
+                </c:pt>
+                <c:pt idx="125">
+                  <c:v>42</c:v>
+                </c:pt>
+                <c:pt idx="126">
+                  <c:v>38</c:v>
+                </c:pt>
+                <c:pt idx="127">
+                  <c:v>41</c:v>
+                </c:pt>
+                <c:pt idx="128">
+                  <c:v>45</c:v>
+                </c:pt>
+                <c:pt idx="129">
+                  <c:v>25</c:v>
+                </c:pt>
+                <c:pt idx="130">
+                  <c:v>12</c:v>
+                </c:pt>
+                <c:pt idx="131">
+                  <c:v>17</c:v>
+                </c:pt>
+                <c:pt idx="132">
+                  <c:v>39</c:v>
+                </c:pt>
+                <c:pt idx="133">
+                  <c:v>31</c:v>
+                </c:pt>
+                <c:pt idx="134">
+                  <c:v>22</c:v>
+                </c:pt>
+                <c:pt idx="135">
+                  <c:v>43</c:v>
+                </c:pt>
+                <c:pt idx="136">
+                  <c:v>32</c:v>
+                </c:pt>
+                <c:pt idx="137">
+                  <c:v>40</c:v>
+                </c:pt>
+                <c:pt idx="138">
+                  <c:v>43</c:v>
+                </c:pt>
+                <c:pt idx="139">
+                  <c:v>51</c:v>
+                </c:pt>
+                <c:pt idx="140">
+                  <c:v>47</c:v>
+                </c:pt>
+                <c:pt idx="141">
+                  <c:v>38</c:v>
+                </c:pt>
+                <c:pt idx="142">
+                  <c:v>48</c:v>
+                </c:pt>
+                <c:pt idx="143">
+                  <c:v>49</c:v>
+                </c:pt>
+                <c:pt idx="144">
+                  <c:v>43</c:v>
+                </c:pt>
+                <c:pt idx="145">
+                  <c:v>59</c:v>
+                </c:pt>
+                <c:pt idx="146">
+                  <c:v>47</c:v>
+                </c:pt>
+                <c:pt idx="147">
+                  <c:v>47</c:v>
+                </c:pt>
+                <c:pt idx="148">
+                  <c:v>46</c:v>
+                </c:pt>
+                <c:pt idx="149">
+                  <c:v>43</c:v>
+                </c:pt>
+                <c:pt idx="150">
+                  <c:v>42</c:v>
+                </c:pt>
+                <c:pt idx="151">
+                  <c:v>40</c:v>
+                </c:pt>
+                <c:pt idx="152">
+                  <c:v>51</c:v>
+                </c:pt>
+                <c:pt idx="153">
+                  <c:v>60</c:v>
+                </c:pt>
+                <c:pt idx="154">
+                  <c:v>50</c:v>
+                </c:pt>
+                <c:pt idx="155">
+                  <c:v>57</c:v>
+                </c:pt>
+                <c:pt idx="156">
+                  <c:v>64</c:v>
+                </c:pt>
+                <c:pt idx="157">
+                  <c:v>57</c:v>
+                </c:pt>
+                <c:pt idx="158">
+                  <c:v>54</c:v>
+                </c:pt>
+                <c:pt idx="159">
+                  <c:v>53</c:v>
+                </c:pt>
+                <c:pt idx="160">
+                  <c:v>49</c:v>
+                </c:pt>
+                <c:pt idx="161">
+                  <c:v>60</c:v>
+                </c:pt>
+                <c:pt idx="162">
+                  <c:v>33</c:v>
+                </c:pt>
+                <c:pt idx="163">
+                  <c:v>61</c:v>
+                </c:pt>
+                <c:pt idx="164">
+                  <c:v>47</c:v>
+                </c:pt>
+                <c:pt idx="165">
+                  <c:v>48</c:v>
+                </c:pt>
+                <c:pt idx="166">
+                  <c:v>40</c:v>
+                </c:pt>
+                <c:pt idx="167">
+                  <c:v>58</c:v>
+                </c:pt>
+                <c:pt idx="168">
+                  <c:v>67</c:v>
+                </c:pt>
+                <c:pt idx="169">
+                  <c:v>57</c:v>
+                </c:pt>
+                <c:pt idx="170">
+                  <c:v>45</c:v>
+                </c:pt>
+                <c:pt idx="171">
+                  <c:v>62</c:v>
+                </c:pt>
+                <c:pt idx="172">
+                  <c:v>53</c:v>
+                </c:pt>
+                <c:pt idx="173">
+                  <c:v>56</c:v>
+                </c:pt>
+                <c:pt idx="174">
+                  <c:v>58</c:v>
+                </c:pt>
+                <c:pt idx="175">
+                  <c:v>60</c:v>
+                </c:pt>
+                <c:pt idx="176">
+                  <c:v>47</c:v>
+                </c:pt>
+                <c:pt idx="177">
+                  <c:v>59</c:v>
+                </c:pt>
+                <c:pt idx="178">
+                  <c:v>52</c:v>
+                </c:pt>
+                <c:pt idx="179">
+                  <c:v>50</c:v>
+                </c:pt>
+                <c:pt idx="180">
+                  <c:v>57</c:v>
+                </c:pt>
+                <c:pt idx="181">
+                  <c:v>52</c:v>
+                </c:pt>
+                <c:pt idx="182">
+                  <c:v>44</c:v>
+                </c:pt>
+                <c:pt idx="183">
+                  <c:v>47</c:v>
+                </c:pt>
+                <c:pt idx="184">
+                  <c:v>17</c:v>
+                </c:pt>
+                <c:pt idx="185">
+                  <c:v>27</c:v>
+                </c:pt>
+                <c:pt idx="186">
+                  <c:v>41</c:v>
+                </c:pt>
+                <c:pt idx="187">
+                  <c:v>57</c:v>
+                </c:pt>
+                <c:pt idx="188">
+                  <c:v>61</c:v>
+                </c:pt>
+                <c:pt idx="189">
+                  <c:v>52</c:v>
+                </c:pt>
+                <c:pt idx="190">
+                  <c:v>56</c:v>
+                </c:pt>
+                <c:pt idx="191">
+                  <c:v>62</c:v>
+                </c:pt>
+                <c:pt idx="192">
+                  <c:v>59</c:v>
+                </c:pt>
+                <c:pt idx="193">
+                  <c:v>55</c:v>
+                </c:pt>
+                <c:pt idx="194">
+                  <c:v>68</c:v>
+                </c:pt>
+                <c:pt idx="195">
+                  <c:v>56</c:v>
+                </c:pt>
+                <c:pt idx="196">
+                  <c:v>51</c:v>
+                </c:pt>
+                <c:pt idx="197">
+                  <c:v>60</c:v>
+                </c:pt>
+                <c:pt idx="198">
+                  <c:v>51</c:v>
+                </c:pt>
+                <c:pt idx="199">
+                  <c:v>55</c:v>
+                </c:pt>
+                <c:pt idx="200">
+                  <c:v>62</c:v>
+                </c:pt>
+                <c:pt idx="201">
+                  <c:v>61</c:v>
+                </c:pt>
+                <c:pt idx="202">
+                  <c:v>47</c:v>
+                </c:pt>
+                <c:pt idx="203">
+                  <c:v>65</c:v>
+                </c:pt>
+                <c:pt idx="204">
+                  <c:v>67</c:v>
+                </c:pt>
+                <c:pt idx="205">
+                  <c:v>69</c:v>
+                </c:pt>
+                <c:pt idx="206">
+                  <c:v>68</c:v>
+                </c:pt>
+                <c:pt idx="207">
+                  <c:v>71</c:v>
+                </c:pt>
+                <c:pt idx="208">
+                  <c:v>67</c:v>
+                </c:pt>
+                <c:pt idx="209">
+                  <c:v>64</c:v>
+                </c:pt>
+                <c:pt idx="210">
+                  <c:v>65</c:v>
+                </c:pt>
+                <c:pt idx="211">
+                  <c:v>66</c:v>
+                </c:pt>
+                <c:pt idx="212">
+                  <c:v>60</c:v>
+                </c:pt>
+                <c:pt idx="213">
+                  <c:v>61</c:v>
+                </c:pt>
+                <c:pt idx="214">
+                  <c:v>59</c:v>
+                </c:pt>
+                <c:pt idx="215">
+                  <c:v>67</c:v>
+                </c:pt>
+                <c:pt idx="216">
+                  <c:v>50</c:v>
+                </c:pt>
+                <c:pt idx="217">
+                  <c:v>71</c:v>
+                </c:pt>
+                <c:pt idx="218">
+                  <c:v>52</c:v>
+                </c:pt>
+                <c:pt idx="219">
+                  <c:v>61</c:v>
+                </c:pt>
+                <c:pt idx="220">
+                  <c:v>52</c:v>
+                </c:pt>
+                <c:pt idx="221">
+                  <c:v>68</c:v>
+                </c:pt>
+                <c:pt idx="222">
+                  <c:v>65</c:v>
+                </c:pt>
+                <c:pt idx="223">
+                  <c:v>64</c:v>
+                </c:pt>
+                <c:pt idx="224">
+                  <c:v>59</c:v>
+                </c:pt>
+                <c:pt idx="225">
+                  <c:v>75</c:v>
+                </c:pt>
+                <c:pt idx="226">
+                  <c:v>60</c:v>
+                </c:pt>
+                <c:pt idx="227">
+                  <c:v>58</c:v>
+                </c:pt>
+                <c:pt idx="228">
+                  <c:v>62</c:v>
+                </c:pt>
+                <c:pt idx="229">
+                  <c:v>60</c:v>
+                </c:pt>
+                <c:pt idx="230">
+                  <c:v>52</c:v>
+                </c:pt>
+                <c:pt idx="231">
+                  <c:v>58</c:v>
+                </c:pt>
+                <c:pt idx="232">
+                  <c:v>68</c:v>
+                </c:pt>
+                <c:pt idx="233">
+                  <c:v>62</c:v>
+                </c:pt>
+                <c:pt idx="234">
+                  <c:v>57</c:v>
+                </c:pt>
+                <c:pt idx="235">
+                  <c:v>26</c:v>
+                </c:pt>
+                <c:pt idx="236">
+                  <c:v>50</c:v>
+                </c:pt>
+                <c:pt idx="237">
+                  <c:v>58</c:v>
+                </c:pt>
+                <c:pt idx="238">
+                  <c:v>66</c:v>
+                </c:pt>
+                <c:pt idx="239">
+                  <c:v>60</c:v>
+                </c:pt>
+                <c:pt idx="240">
+                  <c:v>73</c:v>
+                </c:pt>
+                <c:pt idx="241">
+                  <c:v>70</c:v>
+                </c:pt>
+                <c:pt idx="242">
+                  <c:v>69</c:v>
+                </c:pt>
+                <c:pt idx="243">
+                  <c:v>66</c:v>
+                </c:pt>
+                <c:pt idx="244">
+                  <c:v>68</c:v>
+                </c:pt>
+                <c:pt idx="245">
+                  <c:v>65</c:v>
+                </c:pt>
+                <c:pt idx="246">
+                  <c:v>75</c:v>
+                </c:pt>
+                <c:pt idx="247">
+                  <c:v>61</c:v>
+                </c:pt>
+                <c:pt idx="248">
+                  <c:v>53</c:v>
+                </c:pt>
+                <c:pt idx="249">
+                  <c:v>52</c:v>
+                </c:pt>
+                <c:pt idx="250">
+                  <c:v>52</c:v>
+                </c:pt>
+                <c:pt idx="251">
+                  <c:v>56</c:v>
+                </c:pt>
+                <c:pt idx="252">
+                  <c:v>49</c:v>
+                </c:pt>
+                <c:pt idx="253">
+                  <c:v>55</c:v>
+                </c:pt>
+                <c:pt idx="254">
+                  <c:v>51</c:v>
+                </c:pt>
+                <c:pt idx="255">
+                  <c:v>52</c:v>
+                </c:pt>
+                <c:pt idx="256">
+                  <c:v>60</c:v>
+                </c:pt>
+                <c:pt idx="257">
+                  <c:v>58</c:v>
+                </c:pt>
+                <c:pt idx="258">
+                  <c:v>62</c:v>
+                </c:pt>
+                <c:pt idx="259">
+                  <c:v>55</c:v>
+                </c:pt>
+                <c:pt idx="260">
+                  <c:v>61</c:v>
+                </c:pt>
+              </c:numCache>
+            </c:numRef>
+          </c:val>
+          <c:smooth val="0"/>
+          <c:extLst>
+            <c:ext xmlns:c16="http://schemas.microsoft.com/office/drawing/2014/chart" uri="{C3380CC4-5D6E-409C-BE32-E72D297353CC}">
+              <c16:uniqueId val="{00000001-BA20-184D-9181-38FFE26A28F1}"/>
+            </c:ext>
+          </c:extLst>
+        </c:ser>
+        <c:ser>
+          <c:idx val="2"/>
+          <c:order val="2"/>
+          <c:tx>
+            <c:strRef>
+              <c:f>Sheet1!$D$1</c:f>
+              <c:strCache>
+                <c:ptCount val="1"/>
+                <c:pt idx="0">
+                  <c:v>Keras: (China)</c:v>
+                </c:pt>
+              </c:strCache>
+            </c:strRef>
+          </c:tx>
+          <c:spPr>
+            <a:ln w="28575" cap="rnd">
+              <a:solidFill>
+                <a:schemeClr val="accent3"/>
+              </a:solidFill>
+              <a:round/>
+            </a:ln>
+            <a:effectLst/>
+          </c:spPr>
+          <c:marker>
+            <c:symbol val="none"/>
+          </c:marker>
+          <c:cat>
+            <c:numRef>
+              <c:f>Sheet1!$A$2:$A$267</c:f>
+              <c:numCache>
+                <c:formatCode>m/d/yy</c:formatCode>
+                <c:ptCount val="266"/>
+                <c:pt idx="0">
+                  <c:v>42946</c:v>
+                </c:pt>
+                <c:pt idx="1">
+                  <c:v>42953</c:v>
+                </c:pt>
+                <c:pt idx="2">
+                  <c:v>42960</c:v>
+                </c:pt>
+                <c:pt idx="3">
+                  <c:v>42967</c:v>
+                </c:pt>
+                <c:pt idx="4">
+                  <c:v>42974</c:v>
+                </c:pt>
+                <c:pt idx="5">
+                  <c:v>42981</c:v>
+                </c:pt>
+                <c:pt idx="6">
+                  <c:v>42988</c:v>
+                </c:pt>
+                <c:pt idx="7">
+                  <c:v>42995</c:v>
+                </c:pt>
+                <c:pt idx="8">
+                  <c:v>43002</c:v>
+                </c:pt>
+                <c:pt idx="9">
+                  <c:v>43009</c:v>
+                </c:pt>
+                <c:pt idx="10">
+                  <c:v>43016</c:v>
+                </c:pt>
+                <c:pt idx="11">
+                  <c:v>43023</c:v>
+                </c:pt>
+                <c:pt idx="12">
+                  <c:v>43030</c:v>
+                </c:pt>
+                <c:pt idx="13">
+                  <c:v>43037</c:v>
+                </c:pt>
+                <c:pt idx="14">
+                  <c:v>43044</c:v>
+                </c:pt>
+                <c:pt idx="15">
+                  <c:v>43051</c:v>
+                </c:pt>
+                <c:pt idx="16">
+                  <c:v>43058</c:v>
+                </c:pt>
+                <c:pt idx="17">
+                  <c:v>43065</c:v>
+                </c:pt>
+                <c:pt idx="18">
+                  <c:v>43072</c:v>
+                </c:pt>
+                <c:pt idx="19">
+                  <c:v>43079</c:v>
+                </c:pt>
+                <c:pt idx="20">
+                  <c:v>43086</c:v>
+                </c:pt>
+                <c:pt idx="21">
+                  <c:v>43093</c:v>
+                </c:pt>
+                <c:pt idx="22">
+                  <c:v>43100</c:v>
+                </c:pt>
+                <c:pt idx="23">
+                  <c:v>43107</c:v>
+                </c:pt>
+                <c:pt idx="24">
+                  <c:v>43114</c:v>
+                </c:pt>
+                <c:pt idx="25">
+                  <c:v>43121</c:v>
+                </c:pt>
+                <c:pt idx="26">
+                  <c:v>43128</c:v>
+                </c:pt>
+                <c:pt idx="27">
+                  <c:v>43135</c:v>
+                </c:pt>
+                <c:pt idx="28">
+                  <c:v>43142</c:v>
+                </c:pt>
+                <c:pt idx="29">
+                  <c:v>43149</c:v>
+                </c:pt>
+                <c:pt idx="30">
+                  <c:v>43156</c:v>
+                </c:pt>
+                <c:pt idx="31">
+                  <c:v>43163</c:v>
+                </c:pt>
+                <c:pt idx="32">
+                  <c:v>43170</c:v>
+                </c:pt>
+                <c:pt idx="33">
+                  <c:v>43177</c:v>
+                </c:pt>
+                <c:pt idx="34">
+                  <c:v>43184</c:v>
+                </c:pt>
+                <c:pt idx="35">
+                  <c:v>43191</c:v>
+                </c:pt>
+                <c:pt idx="36">
+                  <c:v>43198</c:v>
+                </c:pt>
+                <c:pt idx="37">
+                  <c:v>43205</c:v>
+                </c:pt>
+                <c:pt idx="38">
+                  <c:v>43212</c:v>
+                </c:pt>
+                <c:pt idx="39">
+                  <c:v>43219</c:v>
+                </c:pt>
+                <c:pt idx="40">
+                  <c:v>43226</c:v>
+                </c:pt>
+                <c:pt idx="41">
+                  <c:v>43233</c:v>
+                </c:pt>
+                <c:pt idx="42">
+                  <c:v>43240</c:v>
+                </c:pt>
+                <c:pt idx="43">
+                  <c:v>43247</c:v>
+                </c:pt>
+                <c:pt idx="44">
+                  <c:v>43254</c:v>
+                </c:pt>
+                <c:pt idx="45">
+                  <c:v>43261</c:v>
+                </c:pt>
+                <c:pt idx="46">
+                  <c:v>43268</c:v>
+                </c:pt>
+                <c:pt idx="47">
+                  <c:v>43275</c:v>
+                </c:pt>
+                <c:pt idx="48">
+                  <c:v>43282</c:v>
+                </c:pt>
+                <c:pt idx="49">
+                  <c:v>43289</c:v>
+                </c:pt>
+                <c:pt idx="50">
+                  <c:v>43296</c:v>
+                </c:pt>
+                <c:pt idx="51">
+                  <c:v>43303</c:v>
+                </c:pt>
+                <c:pt idx="52">
+                  <c:v>43310</c:v>
+                </c:pt>
+                <c:pt idx="53">
+                  <c:v>43317</c:v>
+                </c:pt>
+                <c:pt idx="54">
+                  <c:v>43324</c:v>
+                </c:pt>
+                <c:pt idx="55">
+                  <c:v>43331</c:v>
+                </c:pt>
+                <c:pt idx="56">
+                  <c:v>43338</c:v>
+                </c:pt>
+                <c:pt idx="57">
+                  <c:v>43345</c:v>
+                </c:pt>
+                <c:pt idx="58">
+                  <c:v>43352</c:v>
+                </c:pt>
+                <c:pt idx="59">
+                  <c:v>43359</c:v>
+                </c:pt>
+                <c:pt idx="60">
+                  <c:v>43366</c:v>
+                </c:pt>
+                <c:pt idx="61">
+                  <c:v>43373</c:v>
+                </c:pt>
+                <c:pt idx="62">
+                  <c:v>43380</c:v>
+                </c:pt>
+                <c:pt idx="63">
+                  <c:v>43387</c:v>
+                </c:pt>
+                <c:pt idx="64">
+                  <c:v>43394</c:v>
+                </c:pt>
+                <c:pt idx="65">
+                  <c:v>43401</c:v>
+                </c:pt>
+                <c:pt idx="66">
+                  <c:v>43408</c:v>
+                </c:pt>
+                <c:pt idx="67">
+                  <c:v>43415</c:v>
+                </c:pt>
+                <c:pt idx="68">
+                  <c:v>43422</c:v>
+                </c:pt>
+                <c:pt idx="69">
+                  <c:v>43429</c:v>
+                </c:pt>
+                <c:pt idx="70">
+                  <c:v>43436</c:v>
+                </c:pt>
+                <c:pt idx="71">
+                  <c:v>43443</c:v>
+                </c:pt>
+                <c:pt idx="72">
+                  <c:v>43450</c:v>
+                </c:pt>
+                <c:pt idx="73">
+                  <c:v>43457</c:v>
+                </c:pt>
+                <c:pt idx="74">
+                  <c:v>43464</c:v>
+                </c:pt>
+                <c:pt idx="75">
+                  <c:v>43471</c:v>
+                </c:pt>
+                <c:pt idx="76">
+                  <c:v>43478</c:v>
+                </c:pt>
+                <c:pt idx="77">
+                  <c:v>43485</c:v>
+                </c:pt>
+                <c:pt idx="78">
+                  <c:v>43492</c:v>
+                </c:pt>
+                <c:pt idx="79">
+                  <c:v>43499</c:v>
+                </c:pt>
+                <c:pt idx="80">
+                  <c:v>43506</c:v>
+                </c:pt>
+                <c:pt idx="81">
+                  <c:v>43513</c:v>
+                </c:pt>
+                <c:pt idx="82">
+                  <c:v>43520</c:v>
+                </c:pt>
+                <c:pt idx="83">
+                  <c:v>43527</c:v>
+                </c:pt>
+                <c:pt idx="84">
+                  <c:v>43534</c:v>
+                </c:pt>
+                <c:pt idx="85">
+                  <c:v>43541</c:v>
+                </c:pt>
+                <c:pt idx="86">
+                  <c:v>43548</c:v>
+                </c:pt>
+                <c:pt idx="87">
+                  <c:v>43555</c:v>
+                </c:pt>
+                <c:pt idx="88">
+                  <c:v>43562</c:v>
+                </c:pt>
+                <c:pt idx="89">
+                  <c:v>43569</c:v>
+                </c:pt>
+                <c:pt idx="90">
+                  <c:v>43576</c:v>
+                </c:pt>
+                <c:pt idx="91">
+                  <c:v>43583</c:v>
+                </c:pt>
+                <c:pt idx="92">
+                  <c:v>43590</c:v>
+                </c:pt>
+                <c:pt idx="93">
+                  <c:v>43597</c:v>
+                </c:pt>
+                <c:pt idx="94">
+                  <c:v>43604</c:v>
+                </c:pt>
+                <c:pt idx="95">
+                  <c:v>43611</c:v>
+                </c:pt>
+                <c:pt idx="96">
+                  <c:v>43618</c:v>
+                </c:pt>
+                <c:pt idx="97">
+                  <c:v>43625</c:v>
+                </c:pt>
+                <c:pt idx="98">
+                  <c:v>43632</c:v>
+                </c:pt>
+                <c:pt idx="99">
+                  <c:v>43639</c:v>
+                </c:pt>
+                <c:pt idx="100">
+                  <c:v>43646</c:v>
+                </c:pt>
+                <c:pt idx="101">
+                  <c:v>43653</c:v>
+                </c:pt>
+                <c:pt idx="102">
+                  <c:v>43660</c:v>
+                </c:pt>
+                <c:pt idx="103">
+                  <c:v>43667</c:v>
+                </c:pt>
+                <c:pt idx="104">
+                  <c:v>43674</c:v>
+                </c:pt>
+                <c:pt idx="105">
+                  <c:v>43681</c:v>
+                </c:pt>
+                <c:pt idx="106">
+                  <c:v>43688</c:v>
+                </c:pt>
+                <c:pt idx="107">
+                  <c:v>43695</c:v>
+                </c:pt>
+                <c:pt idx="108">
+                  <c:v>43702</c:v>
+                </c:pt>
+                <c:pt idx="109">
+                  <c:v>43709</c:v>
+                </c:pt>
+                <c:pt idx="110">
+                  <c:v>43716</c:v>
+                </c:pt>
+                <c:pt idx="111">
+                  <c:v>43723</c:v>
+                </c:pt>
+                <c:pt idx="112">
+                  <c:v>43730</c:v>
+                </c:pt>
+                <c:pt idx="113">
+                  <c:v>43737</c:v>
+                </c:pt>
+                <c:pt idx="114">
+                  <c:v>43744</c:v>
+                </c:pt>
+                <c:pt idx="115">
+                  <c:v>43751</c:v>
+                </c:pt>
+                <c:pt idx="116">
+                  <c:v>43758</c:v>
+                </c:pt>
+                <c:pt idx="117">
+                  <c:v>43765</c:v>
+                </c:pt>
+                <c:pt idx="118">
+                  <c:v>43772</c:v>
+                </c:pt>
+                <c:pt idx="119">
+                  <c:v>43779</c:v>
+                </c:pt>
+                <c:pt idx="120">
+                  <c:v>43786</c:v>
+                </c:pt>
+                <c:pt idx="121">
+                  <c:v>43793</c:v>
+                </c:pt>
+                <c:pt idx="122">
+                  <c:v>43800</c:v>
+                </c:pt>
+                <c:pt idx="123">
+                  <c:v>43807</c:v>
+                </c:pt>
+                <c:pt idx="124">
+                  <c:v>43814</c:v>
+                </c:pt>
+                <c:pt idx="125">
+                  <c:v>43821</c:v>
+                </c:pt>
+                <c:pt idx="126">
+                  <c:v>43828</c:v>
+                </c:pt>
+                <c:pt idx="127">
+                  <c:v>43835</c:v>
+                </c:pt>
+                <c:pt idx="128">
+                  <c:v>43842</c:v>
+                </c:pt>
+                <c:pt idx="129">
+                  <c:v>43849</c:v>
+                </c:pt>
+                <c:pt idx="130">
+                  <c:v>43856</c:v>
+                </c:pt>
+                <c:pt idx="131">
+                  <c:v>43863</c:v>
+                </c:pt>
+                <c:pt idx="132">
+                  <c:v>43870</c:v>
+                </c:pt>
+                <c:pt idx="133">
+                  <c:v>43877</c:v>
+                </c:pt>
+                <c:pt idx="134">
+                  <c:v>43884</c:v>
+                </c:pt>
+                <c:pt idx="135">
+                  <c:v>43891</c:v>
+                </c:pt>
+                <c:pt idx="136">
+                  <c:v>43898</c:v>
+                </c:pt>
+                <c:pt idx="137">
+                  <c:v>43905</c:v>
+                </c:pt>
+                <c:pt idx="138">
+                  <c:v>43912</c:v>
+                </c:pt>
+                <c:pt idx="139">
+                  <c:v>43919</c:v>
+                </c:pt>
+                <c:pt idx="140">
+                  <c:v>43926</c:v>
+                </c:pt>
+                <c:pt idx="141">
+                  <c:v>43933</c:v>
+                </c:pt>
+                <c:pt idx="142">
+                  <c:v>43940</c:v>
+                </c:pt>
+                <c:pt idx="143">
+                  <c:v>43947</c:v>
+                </c:pt>
+                <c:pt idx="144">
+                  <c:v>43954</c:v>
+                </c:pt>
+                <c:pt idx="145">
+                  <c:v>43961</c:v>
+                </c:pt>
+                <c:pt idx="146">
+                  <c:v>43968</c:v>
+                </c:pt>
+                <c:pt idx="147">
+                  <c:v>43975</c:v>
+                </c:pt>
+                <c:pt idx="148">
+                  <c:v>43982</c:v>
+                </c:pt>
+                <c:pt idx="149">
+                  <c:v>43989</c:v>
+                </c:pt>
+                <c:pt idx="150">
+                  <c:v>43996</c:v>
+                </c:pt>
+                <c:pt idx="151">
+                  <c:v>44003</c:v>
+                </c:pt>
+                <c:pt idx="152">
+                  <c:v>44010</c:v>
+                </c:pt>
+                <c:pt idx="153">
+                  <c:v>44017</c:v>
+                </c:pt>
+                <c:pt idx="154">
+                  <c:v>44024</c:v>
+                </c:pt>
+                <c:pt idx="155">
+                  <c:v>44031</c:v>
+                </c:pt>
+                <c:pt idx="156">
+                  <c:v>44038</c:v>
+                </c:pt>
+                <c:pt idx="157">
+                  <c:v>44045</c:v>
+                </c:pt>
+                <c:pt idx="158">
+                  <c:v>44052</c:v>
+                </c:pt>
+                <c:pt idx="159">
+                  <c:v>44059</c:v>
+                </c:pt>
+                <c:pt idx="160">
+                  <c:v>44066</c:v>
+                </c:pt>
+                <c:pt idx="161">
+                  <c:v>44073</c:v>
+                </c:pt>
+                <c:pt idx="162">
+                  <c:v>44080</c:v>
+                </c:pt>
+                <c:pt idx="163">
+                  <c:v>44087</c:v>
+                </c:pt>
+                <c:pt idx="164">
+                  <c:v>44094</c:v>
+                </c:pt>
+                <c:pt idx="165">
+                  <c:v>44101</c:v>
+                </c:pt>
+                <c:pt idx="166">
+                  <c:v>44108</c:v>
+                </c:pt>
+                <c:pt idx="167">
+                  <c:v>44115</c:v>
+                </c:pt>
+                <c:pt idx="168">
+                  <c:v>44122</c:v>
+                </c:pt>
+                <c:pt idx="169">
+                  <c:v>44129</c:v>
+                </c:pt>
+                <c:pt idx="170">
+                  <c:v>44136</c:v>
+                </c:pt>
+                <c:pt idx="171">
+                  <c:v>44143</c:v>
+                </c:pt>
+                <c:pt idx="172">
+                  <c:v>44150</c:v>
+                </c:pt>
+                <c:pt idx="173">
+                  <c:v>44157</c:v>
+                </c:pt>
+                <c:pt idx="174">
+                  <c:v>44164</c:v>
+                </c:pt>
+                <c:pt idx="175">
+                  <c:v>44171</c:v>
+                </c:pt>
+                <c:pt idx="176">
+                  <c:v>44178</c:v>
+                </c:pt>
+                <c:pt idx="177">
+                  <c:v>44185</c:v>
+                </c:pt>
+                <c:pt idx="178">
+                  <c:v>44192</c:v>
+                </c:pt>
+                <c:pt idx="179">
+                  <c:v>44199</c:v>
+                </c:pt>
+                <c:pt idx="180">
+                  <c:v>44206</c:v>
+                </c:pt>
+                <c:pt idx="181">
+                  <c:v>44213</c:v>
+                </c:pt>
+                <c:pt idx="182">
+                  <c:v>44220</c:v>
+                </c:pt>
+                <c:pt idx="183">
+                  <c:v>44227</c:v>
+                </c:pt>
+                <c:pt idx="184">
+                  <c:v>44234</c:v>
+                </c:pt>
+                <c:pt idx="185">
+                  <c:v>44241</c:v>
+                </c:pt>
+                <c:pt idx="186">
+                  <c:v>44248</c:v>
+                </c:pt>
+                <c:pt idx="187">
+                  <c:v>44255</c:v>
+                </c:pt>
+                <c:pt idx="188">
+                  <c:v>44262</c:v>
+                </c:pt>
+                <c:pt idx="189">
+                  <c:v>44269</c:v>
+                </c:pt>
+                <c:pt idx="190">
+                  <c:v>44276</c:v>
+                </c:pt>
+                <c:pt idx="191">
+                  <c:v>44283</c:v>
+                </c:pt>
+                <c:pt idx="192">
+                  <c:v>44290</c:v>
+                </c:pt>
+                <c:pt idx="193">
+                  <c:v>44297</c:v>
+                </c:pt>
+                <c:pt idx="194">
+                  <c:v>44304</c:v>
+                </c:pt>
+                <c:pt idx="195">
+                  <c:v>44311</c:v>
+                </c:pt>
+                <c:pt idx="196">
+                  <c:v>44318</c:v>
+                </c:pt>
+                <c:pt idx="197">
+                  <c:v>44325</c:v>
+                </c:pt>
+                <c:pt idx="198">
+                  <c:v>44332</c:v>
+                </c:pt>
+                <c:pt idx="199">
+                  <c:v>44339</c:v>
+                </c:pt>
+                <c:pt idx="200">
+                  <c:v>44346</c:v>
+                </c:pt>
+                <c:pt idx="201">
+                  <c:v>44353</c:v>
+                </c:pt>
+                <c:pt idx="202">
+                  <c:v>44360</c:v>
+                </c:pt>
+                <c:pt idx="203">
+                  <c:v>44367</c:v>
+                </c:pt>
+                <c:pt idx="204">
+                  <c:v>44374</c:v>
+                </c:pt>
+                <c:pt idx="205">
+                  <c:v>44381</c:v>
+                </c:pt>
+                <c:pt idx="206">
+                  <c:v>44388</c:v>
+                </c:pt>
+                <c:pt idx="207">
+                  <c:v>44395</c:v>
+                </c:pt>
+                <c:pt idx="208">
+                  <c:v>44402</c:v>
+                </c:pt>
+                <c:pt idx="209">
+                  <c:v>44409</c:v>
+                </c:pt>
+                <c:pt idx="210">
+                  <c:v>44416</c:v>
+                </c:pt>
+                <c:pt idx="211">
+                  <c:v>44423</c:v>
+                </c:pt>
+                <c:pt idx="212">
+                  <c:v>44430</c:v>
+                </c:pt>
+                <c:pt idx="213">
+                  <c:v>44437</c:v>
+                </c:pt>
+                <c:pt idx="214">
+                  <c:v>44444</c:v>
+                </c:pt>
+                <c:pt idx="215">
+                  <c:v>44451</c:v>
+                </c:pt>
+                <c:pt idx="216">
+                  <c:v>44458</c:v>
+                </c:pt>
+                <c:pt idx="217">
+                  <c:v>44465</c:v>
+                </c:pt>
+                <c:pt idx="218">
+                  <c:v>44472</c:v>
+                </c:pt>
+                <c:pt idx="219">
+                  <c:v>44479</c:v>
+                </c:pt>
+                <c:pt idx="220">
+                  <c:v>44486</c:v>
+                </c:pt>
+                <c:pt idx="221">
+                  <c:v>44493</c:v>
+                </c:pt>
+                <c:pt idx="222">
+                  <c:v>44500</c:v>
+                </c:pt>
+                <c:pt idx="223">
+                  <c:v>44507</c:v>
+                </c:pt>
+                <c:pt idx="224">
+                  <c:v>44514</c:v>
+                </c:pt>
+                <c:pt idx="225">
+                  <c:v>44521</c:v>
+                </c:pt>
+                <c:pt idx="226">
+                  <c:v>44528</c:v>
+                </c:pt>
+                <c:pt idx="227">
+                  <c:v>44535</c:v>
+                </c:pt>
+                <c:pt idx="228">
+                  <c:v>44542</c:v>
+                </c:pt>
+                <c:pt idx="229">
+                  <c:v>44549</c:v>
+                </c:pt>
+                <c:pt idx="230">
+                  <c:v>44556</c:v>
+                </c:pt>
+                <c:pt idx="231">
+                  <c:v>44563</c:v>
+                </c:pt>
+                <c:pt idx="232">
+                  <c:v>44570</c:v>
+                </c:pt>
+                <c:pt idx="233">
+                  <c:v>44577</c:v>
+                </c:pt>
+                <c:pt idx="234">
+                  <c:v>44584</c:v>
+                </c:pt>
+                <c:pt idx="235">
+                  <c:v>44591</c:v>
+                </c:pt>
+                <c:pt idx="236">
+                  <c:v>44598</c:v>
+                </c:pt>
+                <c:pt idx="237">
+                  <c:v>44605</c:v>
+                </c:pt>
+                <c:pt idx="238">
+                  <c:v>44612</c:v>
+                </c:pt>
+                <c:pt idx="239">
+                  <c:v>44619</c:v>
+                </c:pt>
+                <c:pt idx="240">
+                  <c:v>44626</c:v>
+                </c:pt>
+                <c:pt idx="241">
+                  <c:v>44633</c:v>
+                </c:pt>
+                <c:pt idx="242">
+                  <c:v>44640</c:v>
+                </c:pt>
+                <c:pt idx="243">
+                  <c:v>44647</c:v>
+                </c:pt>
+                <c:pt idx="244">
+                  <c:v>44654</c:v>
+                </c:pt>
+                <c:pt idx="245">
+                  <c:v>44661</c:v>
+                </c:pt>
+                <c:pt idx="246">
+                  <c:v>44668</c:v>
+                </c:pt>
+                <c:pt idx="247">
+                  <c:v>44675</c:v>
+                </c:pt>
+                <c:pt idx="248">
+                  <c:v>44682</c:v>
+                </c:pt>
+                <c:pt idx="249">
+                  <c:v>44689</c:v>
+                </c:pt>
+                <c:pt idx="250">
+                  <c:v>44696</c:v>
+                </c:pt>
+                <c:pt idx="251">
+                  <c:v>44703</c:v>
+                </c:pt>
+                <c:pt idx="252">
+                  <c:v>44710</c:v>
+                </c:pt>
+                <c:pt idx="253">
+                  <c:v>44717</c:v>
+                </c:pt>
+                <c:pt idx="254">
+                  <c:v>44724</c:v>
+                </c:pt>
+                <c:pt idx="255">
+                  <c:v>44731</c:v>
+                </c:pt>
+                <c:pt idx="256">
+                  <c:v>44738</c:v>
+                </c:pt>
+                <c:pt idx="257">
+                  <c:v>44745</c:v>
+                </c:pt>
+                <c:pt idx="258">
+                  <c:v>44752</c:v>
+                </c:pt>
+                <c:pt idx="259">
+                  <c:v>44759</c:v>
+                </c:pt>
+                <c:pt idx="260">
+                  <c:v>44766</c:v>
+                </c:pt>
+              </c:numCache>
+            </c:numRef>
+          </c:cat>
+          <c:val>
+            <c:numRef>
+              <c:f>Sheet1!$D$2:$D$267</c:f>
+              <c:numCache>
+                <c:formatCode>General</c:formatCode>
+                <c:ptCount val="266"/>
+                <c:pt idx="0">
+                  <c:v>12</c:v>
+                </c:pt>
+                <c:pt idx="1">
+                  <c:v>16</c:v>
+                </c:pt>
+                <c:pt idx="2">
+                  <c:v>14</c:v>
+                </c:pt>
+                <c:pt idx="3">
+                  <c:v>18</c:v>
+                </c:pt>
+                <c:pt idx="4">
+                  <c:v>15</c:v>
+                </c:pt>
+                <c:pt idx="5">
+                  <c:v>14</c:v>
+                </c:pt>
+                <c:pt idx="6">
+                  <c:v>14</c:v>
+                </c:pt>
+                <c:pt idx="7">
+                  <c:v>14</c:v>
+                </c:pt>
+                <c:pt idx="8">
+                  <c:v>10</c:v>
+                </c:pt>
+                <c:pt idx="9">
+                  <c:v>7</c:v>
+                </c:pt>
+                <c:pt idx="10">
+                  <c:v>12</c:v>
+                </c:pt>
+                <c:pt idx="11">
+                  <c:v>14</c:v>
+                </c:pt>
+                <c:pt idx="12">
+                  <c:v>12</c:v>
+                </c:pt>
+                <c:pt idx="13">
+                  <c:v>14</c:v>
+                </c:pt>
+                <c:pt idx="14">
+                  <c:v>10</c:v>
+                </c:pt>
+                <c:pt idx="15">
+                  <c:v>14</c:v>
+                </c:pt>
+                <c:pt idx="16">
+                  <c:v>21</c:v>
+                </c:pt>
+                <c:pt idx="17">
+                  <c:v>18</c:v>
+                </c:pt>
+                <c:pt idx="18">
+                  <c:v>22</c:v>
+                </c:pt>
+                <c:pt idx="19">
+                  <c:v>16</c:v>
+                </c:pt>
+                <c:pt idx="20">
+                  <c:v>21</c:v>
+                </c:pt>
+                <c:pt idx="21">
+                  <c:v>17</c:v>
+                </c:pt>
+                <c:pt idx="22">
+                  <c:v>10</c:v>
+                </c:pt>
+                <c:pt idx="23">
+                  <c:v>20</c:v>
+                </c:pt>
+                <c:pt idx="24">
+                  <c:v>12</c:v>
+                </c:pt>
+                <c:pt idx="25">
+                  <c:v>21</c:v>
+                </c:pt>
+                <c:pt idx="26">
+                  <c:v>17</c:v>
+                </c:pt>
+                <c:pt idx="27">
+                  <c:v>12</c:v>
+                </c:pt>
+                <c:pt idx="28">
+                  <c:v>9</c:v>
+                </c:pt>
+                <c:pt idx="29">
+                  <c:v>6</c:v>
+                </c:pt>
+                <c:pt idx="30">
+                  <c:v>16</c:v>
+                </c:pt>
+                <c:pt idx="31">
+                  <c:v>12</c:v>
+                </c:pt>
+                <c:pt idx="32">
+                  <c:v>28</c:v>
+                </c:pt>
+                <c:pt idx="33">
+                  <c:v>23</c:v>
+                </c:pt>
+                <c:pt idx="34">
+                  <c:v>21</c:v>
+                </c:pt>
+                <c:pt idx="35">
+                  <c:v>10</c:v>
+                </c:pt>
+                <c:pt idx="36">
+                  <c:v>22</c:v>
+                </c:pt>
+                <c:pt idx="37">
+                  <c:v>25</c:v>
+                </c:pt>
+                <c:pt idx="38">
+                  <c:v>20</c:v>
+                </c:pt>
+                <c:pt idx="39">
+                  <c:v>19</c:v>
+                </c:pt>
+                <c:pt idx="40">
+                  <c:v>18</c:v>
+                </c:pt>
+                <c:pt idx="41">
+                  <c:v>21</c:v>
+                </c:pt>
+                <c:pt idx="42">
+                  <c:v>22</c:v>
+                </c:pt>
+                <c:pt idx="43">
+                  <c:v>23</c:v>
+                </c:pt>
+                <c:pt idx="44">
+                  <c:v>22</c:v>
+                </c:pt>
+                <c:pt idx="45">
+                  <c:v>20</c:v>
+                </c:pt>
+                <c:pt idx="46">
+                  <c:v>15</c:v>
+                </c:pt>
+                <c:pt idx="47">
+                  <c:v>20</c:v>
+                </c:pt>
+                <c:pt idx="48">
+                  <c:v>12</c:v>
+                </c:pt>
+                <c:pt idx="49">
+                  <c:v>24</c:v>
+                </c:pt>
+                <c:pt idx="50">
+                  <c:v>29</c:v>
+                </c:pt>
+                <c:pt idx="51">
+                  <c:v>24</c:v>
+                </c:pt>
+                <c:pt idx="52">
+                  <c:v>20</c:v>
+                </c:pt>
+                <c:pt idx="53">
+                  <c:v>27</c:v>
+                </c:pt>
+                <c:pt idx="54">
+                  <c:v>20</c:v>
+                </c:pt>
+                <c:pt idx="55">
+                  <c:v>15</c:v>
+                </c:pt>
+                <c:pt idx="56">
+                  <c:v>21</c:v>
+                </c:pt>
+                <c:pt idx="57">
+                  <c:v>19</c:v>
+                </c:pt>
+                <c:pt idx="58">
+                  <c:v>20</c:v>
+                </c:pt>
+                <c:pt idx="59">
+                  <c:v>20</c:v>
+                </c:pt>
+                <c:pt idx="60">
+                  <c:v>19</c:v>
+                </c:pt>
+                <c:pt idx="61">
+                  <c:v>10</c:v>
+                </c:pt>
+                <c:pt idx="62">
+                  <c:v>20</c:v>
+                </c:pt>
+                <c:pt idx="63">
+                  <c:v>17</c:v>
+                </c:pt>
+                <c:pt idx="64">
+                  <c:v>12</c:v>
+                </c:pt>
+                <c:pt idx="65">
+                  <c:v>20</c:v>
+                </c:pt>
+                <c:pt idx="66">
+                  <c:v>20</c:v>
+                </c:pt>
+                <c:pt idx="67">
+                  <c:v>17</c:v>
+                </c:pt>
+                <c:pt idx="68">
+                  <c:v>21</c:v>
+                </c:pt>
+                <c:pt idx="69">
+                  <c:v>23</c:v>
+                </c:pt>
+                <c:pt idx="70">
+                  <c:v>15</c:v>
+                </c:pt>
+                <c:pt idx="71">
+                  <c:v>19</c:v>
+                </c:pt>
+                <c:pt idx="72">
+                  <c:v>26</c:v>
+                </c:pt>
+                <c:pt idx="73">
+                  <c:v>23</c:v>
+                </c:pt>
+                <c:pt idx="74">
+                  <c:v>22</c:v>
+                </c:pt>
+                <c:pt idx="75">
+                  <c:v>25</c:v>
+                </c:pt>
+                <c:pt idx="76">
+                  <c:v>24</c:v>
+                </c:pt>
+                <c:pt idx="77">
+                  <c:v>19</c:v>
+                </c:pt>
+                <c:pt idx="78">
+                  <c:v>15</c:v>
+                </c:pt>
+                <c:pt idx="79">
+                  <c:v>1</c:v>
+                </c:pt>
+                <c:pt idx="80">
+                  <c:v>12</c:v>
+                </c:pt>
+                <c:pt idx="81">
+                  <c:v>16</c:v>
+                </c:pt>
+                <c:pt idx="82">
+                  <c:v>19</c:v>
+                </c:pt>
+                <c:pt idx="83">
+                  <c:v>17</c:v>
+                </c:pt>
+                <c:pt idx="84">
+                  <c:v>14</c:v>
+                </c:pt>
+                <c:pt idx="85">
+                  <c:v>28</c:v>
+                </c:pt>
+                <c:pt idx="86">
+                  <c:v>21</c:v>
+                </c:pt>
+                <c:pt idx="87">
+                  <c:v>15</c:v>
+                </c:pt>
+                <c:pt idx="88">
+                  <c:v>21</c:v>
+                </c:pt>
+                <c:pt idx="89">
+                  <c:v>21</c:v>
+                </c:pt>
+                <c:pt idx="90">
+                  <c:v>20</c:v>
+                </c:pt>
+                <c:pt idx="91">
+                  <c:v>21</c:v>
+                </c:pt>
+                <c:pt idx="92">
+                  <c:v>20</c:v>
+                </c:pt>
+                <c:pt idx="93">
+                  <c:v>22</c:v>
+                </c:pt>
+                <c:pt idx="94">
+                  <c:v>17</c:v>
+                </c:pt>
+                <c:pt idx="95">
+                  <c:v>20</c:v>
+                </c:pt>
+                <c:pt idx="96">
+                  <c:v>17</c:v>
+                </c:pt>
+                <c:pt idx="97">
+                  <c:v>19</c:v>
+                </c:pt>
+                <c:pt idx="98">
+                  <c:v>22</c:v>
+                </c:pt>
+                <c:pt idx="99">
+                  <c:v>15</c:v>
+                </c:pt>
+                <c:pt idx="100">
+                  <c:v>17</c:v>
+                </c:pt>
+                <c:pt idx="101">
+                  <c:v>17</c:v>
+                </c:pt>
+                <c:pt idx="102">
+                  <c:v>21</c:v>
+                </c:pt>
+                <c:pt idx="103">
+                  <c:v>29</c:v>
+                </c:pt>
+                <c:pt idx="104">
+                  <c:v>12</c:v>
+                </c:pt>
+                <c:pt idx="105">
+                  <c:v>15</c:v>
+                </c:pt>
+                <c:pt idx="106">
+                  <c:v>15</c:v>
+                </c:pt>
+                <c:pt idx="107">
+                  <c:v>17</c:v>
+                </c:pt>
+                <c:pt idx="108">
+                  <c:v>16</c:v>
+                </c:pt>
+                <c:pt idx="109">
+                  <c:v>13</c:v>
+                </c:pt>
+                <c:pt idx="110">
+                  <c:v>8</c:v>
+                </c:pt>
+                <c:pt idx="111">
+                  <c:v>13</c:v>
+                </c:pt>
+                <c:pt idx="112">
+                  <c:v>9</c:v>
+                </c:pt>
+                <c:pt idx="113">
+                  <c:v>10</c:v>
+                </c:pt>
+                <c:pt idx="114">
+                  <c:v>9</c:v>
+                </c:pt>
+                <c:pt idx="115">
+                  <c:v>12</c:v>
+                </c:pt>
+                <c:pt idx="116">
+                  <c:v>17</c:v>
+                </c:pt>
+                <c:pt idx="117">
+                  <c:v>12</c:v>
+                </c:pt>
+                <c:pt idx="118">
+                  <c:v>9</c:v>
+                </c:pt>
+                <c:pt idx="119">
+                  <c:v>14</c:v>
+                </c:pt>
+                <c:pt idx="120">
+                  <c:v>19</c:v>
+                </c:pt>
+                <c:pt idx="121">
+                  <c:v>16</c:v>
+                </c:pt>
+                <c:pt idx="122">
+                  <c:v>13</c:v>
+                </c:pt>
+                <c:pt idx="123">
+                  <c:v>15</c:v>
+                </c:pt>
+                <c:pt idx="124">
+                  <c:v>11</c:v>
+                </c:pt>
+                <c:pt idx="125">
+                  <c:v>16</c:v>
+                </c:pt>
+                <c:pt idx="126">
+                  <c:v>12</c:v>
+                </c:pt>
+                <c:pt idx="127">
+                  <c:v>14</c:v>
+                </c:pt>
+                <c:pt idx="128">
+                  <c:v>17</c:v>
+                </c:pt>
+                <c:pt idx="129">
+                  <c:v>10</c:v>
+                </c:pt>
+                <c:pt idx="130">
+                  <c:v>3</c:v>
+                </c:pt>
+                <c:pt idx="131">
+                  <c:v>6</c:v>
+                </c:pt>
+                <c:pt idx="132">
+                  <c:v>8</c:v>
+                </c:pt>
+                <c:pt idx="133">
+                  <c:v>10</c:v>
+                </c:pt>
+                <c:pt idx="134">
+                  <c:v>11</c:v>
+                </c:pt>
+                <c:pt idx="135">
+                  <c:v>8</c:v>
+                </c:pt>
+                <c:pt idx="136">
+                  <c:v>11</c:v>
+                </c:pt>
+                <c:pt idx="137">
+                  <c:v>14</c:v>
+                </c:pt>
+                <c:pt idx="138">
+                  <c:v>10</c:v>
+                </c:pt>
+                <c:pt idx="139">
+                  <c:v>13</c:v>
+                </c:pt>
+                <c:pt idx="140">
+                  <c:v>7</c:v>
+                </c:pt>
+                <c:pt idx="141">
+                  <c:v>9</c:v>
+                </c:pt>
+                <c:pt idx="142">
+                  <c:v>15</c:v>
+                </c:pt>
+                <c:pt idx="143">
+                  <c:v>13</c:v>
+                </c:pt>
+                <c:pt idx="144">
+                  <c:v>14</c:v>
+                </c:pt>
+                <c:pt idx="145">
+                  <c:v>13</c:v>
+                </c:pt>
+                <c:pt idx="146">
+                  <c:v>9</c:v>
+                </c:pt>
+                <c:pt idx="147">
+                  <c:v>18</c:v>
+                </c:pt>
+                <c:pt idx="148">
+                  <c:v>12</c:v>
+                </c:pt>
+                <c:pt idx="149">
+                  <c:v>12</c:v>
+                </c:pt>
+                <c:pt idx="150">
+                  <c:v>13</c:v>
+                </c:pt>
+                <c:pt idx="151">
+                  <c:v>8</c:v>
+                </c:pt>
+                <c:pt idx="152">
+                  <c:v>10</c:v>
+                </c:pt>
+                <c:pt idx="153">
+                  <c:v>16</c:v>
+                </c:pt>
+                <c:pt idx="154">
+                  <c:v>12</c:v>
+                </c:pt>
+                <c:pt idx="155">
+                  <c:v>8</c:v>
+                </c:pt>
+                <c:pt idx="156">
+                  <c:v>19</c:v>
+                </c:pt>
+                <c:pt idx="157">
+                  <c:v>14</c:v>
+                </c:pt>
+                <c:pt idx="158">
+                  <c:v>6</c:v>
+                </c:pt>
+                <c:pt idx="159">
+                  <c:v>13</c:v>
+                </c:pt>
+                <c:pt idx="160">
+                  <c:v>12</c:v>
+                </c:pt>
+                <c:pt idx="161">
+                  <c:v>16</c:v>
+                </c:pt>
+                <c:pt idx="162">
+                  <c:v>7</c:v>
+                </c:pt>
+                <c:pt idx="163">
+                  <c:v>6</c:v>
+                </c:pt>
+                <c:pt idx="164">
+                  <c:v>10</c:v>
+                </c:pt>
+                <c:pt idx="165">
+                  <c:v>13</c:v>
+                </c:pt>
+                <c:pt idx="166">
+                  <c:v>7</c:v>
+                </c:pt>
+                <c:pt idx="167">
+                  <c:v>9</c:v>
+                </c:pt>
+                <c:pt idx="168">
+                  <c:v>10</c:v>
+                </c:pt>
+                <c:pt idx="169">
+                  <c:v>9</c:v>
+                </c:pt>
+                <c:pt idx="170">
+                  <c:v>8</c:v>
+                </c:pt>
+                <c:pt idx="171">
+                  <c:v>3</c:v>
+                </c:pt>
+                <c:pt idx="172">
+                  <c:v>19</c:v>
+                </c:pt>
+                <c:pt idx="173">
+                  <c:v>10</c:v>
+                </c:pt>
+                <c:pt idx="174">
+                  <c:v>10</c:v>
+                </c:pt>
+                <c:pt idx="175">
+                  <c:v>17</c:v>
+                </c:pt>
+                <c:pt idx="176">
+                  <c:v>16</c:v>
+                </c:pt>
+                <c:pt idx="177">
+                  <c:v>6</c:v>
+                </c:pt>
+                <c:pt idx="178">
+                  <c:v>7</c:v>
+                </c:pt>
+                <c:pt idx="179">
+                  <c:v>7</c:v>
+                </c:pt>
+                <c:pt idx="180">
+                  <c:v>6</c:v>
+                </c:pt>
+                <c:pt idx="181">
+                  <c:v>8</c:v>
+                </c:pt>
+                <c:pt idx="182">
+                  <c:v>8</c:v>
+                </c:pt>
+                <c:pt idx="183">
+                  <c:v>8</c:v>
+                </c:pt>
+                <c:pt idx="184">
+                  <c:v>11</c:v>
+                </c:pt>
+                <c:pt idx="185">
+                  <c:v>7</c:v>
+                </c:pt>
+                <c:pt idx="186">
+                  <c:v>6</c:v>
+                </c:pt>
+                <c:pt idx="187">
+                  <c:v>17</c:v>
+                </c:pt>
+                <c:pt idx="188">
+                  <c:v>9</c:v>
+                </c:pt>
+                <c:pt idx="189">
+                  <c:v>6</c:v>
+                </c:pt>
+                <c:pt idx="190">
+                  <c:v>8</c:v>
+                </c:pt>
+                <c:pt idx="191">
+                  <c:v>9</c:v>
+                </c:pt>
+                <c:pt idx="192">
+                  <c:v>11</c:v>
+                </c:pt>
+                <c:pt idx="193">
+                  <c:v>12</c:v>
+                </c:pt>
+                <c:pt idx="194">
+                  <c:v>8</c:v>
+                </c:pt>
+                <c:pt idx="195">
+                  <c:v>11</c:v>
+                </c:pt>
+                <c:pt idx="196">
+                  <c:v>9</c:v>
+                </c:pt>
+                <c:pt idx="197">
+                  <c:v>8</c:v>
+                </c:pt>
+                <c:pt idx="198">
+                  <c:v>6</c:v>
+                </c:pt>
+                <c:pt idx="199">
+                  <c:v>9</c:v>
+                </c:pt>
+                <c:pt idx="200">
+                  <c:v>8</c:v>
+                </c:pt>
+                <c:pt idx="201">
+                  <c:v>8</c:v>
+                </c:pt>
+                <c:pt idx="202">
+                  <c:v>10</c:v>
+                </c:pt>
+                <c:pt idx="203">
+                  <c:v>8</c:v>
+                </c:pt>
+                <c:pt idx="204">
+                  <c:v>11</c:v>
+                </c:pt>
+                <c:pt idx="205">
+                  <c:v>10</c:v>
+                </c:pt>
+                <c:pt idx="206">
+                  <c:v>10</c:v>
+                </c:pt>
+                <c:pt idx="207">
+                  <c:v>11</c:v>
+                </c:pt>
+                <c:pt idx="208">
+                  <c:v>9</c:v>
+                </c:pt>
+                <c:pt idx="209">
+                  <c:v>8</c:v>
+                </c:pt>
+                <c:pt idx="210">
+                  <c:v>10</c:v>
+                </c:pt>
+                <c:pt idx="211">
+                  <c:v>10</c:v>
+                </c:pt>
+                <c:pt idx="212">
+                  <c:v>7</c:v>
+                </c:pt>
+                <c:pt idx="213">
+                  <c:v>10</c:v>
+                </c:pt>
+                <c:pt idx="214">
+                  <c:v>10</c:v>
+                </c:pt>
+                <c:pt idx="215">
+                  <c:v>7</c:v>
+                </c:pt>
+                <c:pt idx="216">
+                  <c:v>8</c:v>
+                </c:pt>
+                <c:pt idx="217">
+                  <c:v>9</c:v>
+                </c:pt>
+                <c:pt idx="218">
+                  <c:v>7</c:v>
+                </c:pt>
+                <c:pt idx="219">
+                  <c:v>11</c:v>
+                </c:pt>
+                <c:pt idx="220">
+                  <c:v>8</c:v>
+                </c:pt>
+                <c:pt idx="221">
+                  <c:v>10</c:v>
+                </c:pt>
+                <c:pt idx="222">
+                  <c:v>11</c:v>
+                </c:pt>
+                <c:pt idx="223">
+                  <c:v>8</c:v>
+                </c:pt>
+                <c:pt idx="224">
+                  <c:v>9</c:v>
+                </c:pt>
+                <c:pt idx="225">
+                  <c:v>10</c:v>
+                </c:pt>
+                <c:pt idx="226">
+                  <c:v>8</c:v>
+                </c:pt>
+                <c:pt idx="227">
+                  <c:v>9</c:v>
+                </c:pt>
+                <c:pt idx="228">
+                  <c:v>13</c:v>
+                </c:pt>
+                <c:pt idx="229">
+                  <c:v>8</c:v>
+                </c:pt>
+                <c:pt idx="230">
+                  <c:v>9</c:v>
+                </c:pt>
+                <c:pt idx="231">
+                  <c:v>9</c:v>
+                </c:pt>
+                <c:pt idx="232">
+                  <c:v>10</c:v>
+                </c:pt>
+                <c:pt idx="233">
+                  <c:v>10</c:v>
+                </c:pt>
+                <c:pt idx="234">
+                  <c:v>7</c:v>
+                </c:pt>
+                <c:pt idx="235">
+                  <c:v>6</c:v>
+                </c:pt>
+                <c:pt idx="236">
+                  <c:v>8</c:v>
+                </c:pt>
+                <c:pt idx="237">
+                  <c:v>7</c:v>
+                </c:pt>
+                <c:pt idx="238">
+                  <c:v>7</c:v>
+                </c:pt>
+                <c:pt idx="239">
+                  <c:v>8</c:v>
+                </c:pt>
+                <c:pt idx="240">
+                  <c:v>7</c:v>
+                </c:pt>
+                <c:pt idx="241">
+                  <c:v>7</c:v>
+                </c:pt>
+                <c:pt idx="242">
+                  <c:v>8</c:v>
+                </c:pt>
+                <c:pt idx="243">
+                  <c:v>10</c:v>
+                </c:pt>
+                <c:pt idx="244">
+                  <c:v>8</c:v>
+                </c:pt>
+                <c:pt idx="245">
+                  <c:v>7</c:v>
+                </c:pt>
+                <c:pt idx="246">
+                  <c:v>10</c:v>
+                </c:pt>
+                <c:pt idx="247">
+                  <c:v>7</c:v>
+                </c:pt>
+                <c:pt idx="248">
+                  <c:v>7</c:v>
+                </c:pt>
+                <c:pt idx="249">
+                  <c:v>9</c:v>
+                </c:pt>
+                <c:pt idx="250">
+                  <c:v>9</c:v>
+                </c:pt>
+                <c:pt idx="251">
+                  <c:v>9</c:v>
+                </c:pt>
+                <c:pt idx="252">
+                  <c:v>5</c:v>
+                </c:pt>
+                <c:pt idx="253">
+                  <c:v>6</c:v>
+                </c:pt>
+                <c:pt idx="254">
+                  <c:v>9</c:v>
+                </c:pt>
+                <c:pt idx="255">
+                  <c:v>7</c:v>
+                </c:pt>
+                <c:pt idx="256">
+                  <c:v>9</c:v>
+                </c:pt>
+                <c:pt idx="257">
+                  <c:v>6</c:v>
+                </c:pt>
+                <c:pt idx="258">
+                  <c:v>6</c:v>
+                </c:pt>
+                <c:pt idx="259">
+                  <c:v>4</c:v>
+                </c:pt>
+                <c:pt idx="260">
+                  <c:v>5</c:v>
+                </c:pt>
+              </c:numCache>
+            </c:numRef>
+          </c:val>
+          <c:smooth val="0"/>
+          <c:extLst>
+            <c:ext xmlns:c16="http://schemas.microsoft.com/office/drawing/2014/chart" uri="{C3380CC4-5D6E-409C-BE32-E72D297353CC}">
+              <c16:uniqueId val="{00000002-BA20-184D-9181-38FFE26A28F1}"/>
+            </c:ext>
+          </c:extLst>
+        </c:ser>
+        <c:dLbls>
+          <c:showLegendKey val="0"/>
+          <c:showVal val="0"/>
+          <c:showCatName val="0"/>
+          <c:showSerName val="0"/>
+          <c:showPercent val="0"/>
+          <c:showBubbleSize val="0"/>
+        </c:dLbls>
+        <c:smooth val="0"/>
+        <c:axId val="545395503"/>
+        <c:axId val="545828287"/>
+      </c:lineChart>
+      <c:dateAx>
+        <c:axId val="545395503"/>
+        <c:scaling>
+          <c:orientation val="minMax"/>
+        </c:scaling>
+        <c:delete val="0"/>
+        <c:axPos val="b"/>
+        <c:numFmt formatCode="m/d/yy" sourceLinked="1"/>
+        <c:majorTickMark val="none"/>
+        <c:minorTickMark val="none"/>
+        <c:tickLblPos val="nextTo"/>
+        <c:spPr>
+          <a:noFill/>
+          <a:ln w="9525" cap="flat" cmpd="sng" algn="ctr">
+            <a:solidFill>
+              <a:schemeClr val="tx1">
+                <a:lumMod val="15000"/>
+                <a:lumOff val="85000"/>
+              </a:schemeClr>
+            </a:solidFill>
+            <a:round/>
+          </a:ln>
+          <a:effectLst/>
+        </c:spPr>
+        <c:txPr>
+          <a:bodyPr rot="-60000000" spcFirstLastPara="1" vertOverflow="ellipsis" vert="horz" wrap="square" anchor="ctr" anchorCtr="1"/>
+          <a:lstStyle/>
+          <a:p>
+            <a:pPr>
+              <a:defRPr sz="1197" b="0" i="0" u="none" strike="noStrike" kern="1200" baseline="0">
+                <a:solidFill>
+                  <a:schemeClr val="bg1"/>
+                </a:solidFill>
+                <a:latin typeface="+mn-lt"/>
+                <a:ea typeface="+mn-ea"/>
+                <a:cs typeface="+mn-cs"/>
+              </a:defRPr>
+            </a:pPr>
+            <a:endParaRPr lang="zh-CN"/>
+          </a:p>
+        </c:txPr>
+        <c:crossAx val="545828287"/>
+        <c:crosses val="autoZero"/>
+        <c:auto val="1"/>
+        <c:lblOffset val="100"/>
+        <c:baseTimeUnit val="days"/>
+      </c:dateAx>
+      <c:valAx>
+        <c:axId val="545828287"/>
+        <c:scaling>
+          <c:orientation val="minMax"/>
+        </c:scaling>
+        <c:delete val="0"/>
+        <c:axPos val="l"/>
+        <c:majorGridlines>
+          <c:spPr>
+            <a:ln w="9525" cap="flat" cmpd="sng" algn="ctr">
+              <a:solidFill>
+                <a:schemeClr val="tx1">
+                  <a:lumMod val="15000"/>
+                  <a:lumOff val="85000"/>
+                </a:schemeClr>
+              </a:solidFill>
+              <a:round/>
+            </a:ln>
+            <a:effectLst/>
+          </c:spPr>
+        </c:majorGridlines>
+        <c:numFmt formatCode="General" sourceLinked="1"/>
+        <c:majorTickMark val="none"/>
+        <c:minorTickMark val="none"/>
+        <c:tickLblPos val="nextTo"/>
+        <c:spPr>
+          <a:noFill/>
+          <a:ln>
+            <a:noFill/>
+          </a:ln>
+          <a:effectLst/>
+        </c:spPr>
+        <c:txPr>
+          <a:bodyPr rot="-60000000" spcFirstLastPara="1" vertOverflow="ellipsis" vert="horz" wrap="square" anchor="ctr" anchorCtr="1"/>
+          <a:lstStyle/>
+          <a:p>
+            <a:pPr>
+              <a:defRPr sz="1197" b="0" i="0" u="none" strike="noStrike" kern="1200" baseline="0">
+                <a:solidFill>
+                  <a:schemeClr val="bg1"/>
+                </a:solidFill>
+                <a:latin typeface="+mn-lt"/>
+                <a:ea typeface="+mn-ea"/>
+                <a:cs typeface="+mn-cs"/>
+              </a:defRPr>
+            </a:pPr>
+            <a:endParaRPr lang="zh-CN"/>
+          </a:p>
+        </c:txPr>
+        <c:crossAx val="545395503"/>
+        <c:crosses val="autoZero"/>
+        <c:crossBetween val="between"/>
+      </c:valAx>
+      <c:spPr>
+        <a:noFill/>
+        <a:ln>
+          <a:noFill/>
+        </a:ln>
+        <a:effectLst/>
+      </c:spPr>
+    </c:plotArea>
+    <c:legend>
+      <c:legendPos val="b"/>
+      <c:overlay val="0"/>
+      <c:spPr>
+        <a:noFill/>
+        <a:ln>
+          <a:noFill/>
+        </a:ln>
+        <a:effectLst/>
+      </c:spPr>
+      <c:txPr>
+        <a:bodyPr rot="0" spcFirstLastPara="1" vertOverflow="ellipsis" vert="horz" wrap="square" anchor="ctr" anchorCtr="1"/>
+        <a:lstStyle/>
+        <a:p>
+          <a:pPr>
+            <a:defRPr sz="1500" b="1" i="0" u="none" strike="noStrike" kern="1200" baseline="0">
+              <a:solidFill>
+                <a:schemeClr val="bg1"/>
+              </a:solidFill>
+              <a:latin typeface="+mn-lt"/>
+              <a:ea typeface="+mn-ea"/>
+              <a:cs typeface="+mn-cs"/>
+            </a:defRPr>
+          </a:pPr>
+          <a:endParaRPr lang="zh-CN"/>
+        </a:p>
+      </c:txPr>
+    </c:legend>
+    <c:plotVisOnly val="1"/>
+    <c:dispBlanksAs val="zero"/>
+    <c:extLst>
+      <c:ext xmlns:c16r3="http://schemas.microsoft.com/office/drawing/2017/03/chart" uri="{56B9EC1D-385E-4148-901F-78D8002777C0}">
+        <c16r3:dataDisplayOptions16>
+          <c16r3:dispNaAsBlank val="1"/>
+        </c16r3:dataDisplayOptions16>
+      </c:ext>
+    </c:extLst>
+    <c:showDLblsOverMax val="0"/>
+  </c:chart>
+  <c:spPr>
+    <a:noFill/>
+    <a:ln>
+      <a:noFill/>
+    </a:ln>
+    <a:effectLst/>
+  </c:spPr>
+  <c:txPr>
+    <a:bodyPr/>
+    <a:lstStyle/>
+    <a:p>
+      <a:pPr>
+        <a:defRPr/>
+      </a:pPr>
+      <a:endParaRPr lang="zh-CN"/>
+    </a:p>
+  </c:txPr>
+  <c:externalData r:id="rId3">
+    <c:autoUpdate val="0"/>
+  </c:externalData>
+</c:chartSpace>
+</file>
+
+<file path=ppt/charts/colors1.xml><?xml version="1.0" encoding="utf-8"?>
+<cs:colorStyle xmlns:cs="http://schemas.microsoft.com/office/drawing/2012/chartStyle" xmlns:a="http://schemas.openxmlformats.org/drawingml/2006/main" meth="cycle" id="10">
+  <a:schemeClr val="accent1"/>
+  <a:schemeClr val="accent2"/>
+  <a:schemeClr val="accent3"/>
+  <a:schemeClr val="accent4"/>
+  <a:schemeClr val="accent5"/>
+  <a:schemeClr val="accent6"/>
+  <cs:variation/>
+  <cs:variation>
+    <a:lumMod val="60000"/>
+  </cs:variation>
+  <cs:variation>
+    <a:lumMod val="80000"/>
+    <a:lumOff val="20000"/>
+  </cs:variation>
+  <cs:variation>
+    <a:lumMod val="80000"/>
+  </cs:variation>
+  <cs:variation>
+    <a:lumMod val="60000"/>
+    <a:lumOff val="40000"/>
+  </cs:variation>
+  <cs:variation>
+    <a:lumMod val="50000"/>
+  </cs:variation>
+  <cs:variation>
+    <a:lumMod val="70000"/>
+    <a:lumOff val="30000"/>
+  </cs:variation>
+  <cs:variation>
+    <a:lumMod val="70000"/>
+  </cs:variation>
+  <cs:variation>
+    <a:lumMod val="50000"/>
+    <a:lumOff val="50000"/>
+  </cs:variation>
+</cs:colorStyle>
+</file>
+
+<file path=ppt/charts/colors2.xml><?xml version="1.0" encoding="utf-8"?>
+<cs:colorStyle xmlns:cs="http://schemas.microsoft.com/office/drawing/2012/chartStyle" xmlns:a="http://schemas.openxmlformats.org/drawingml/2006/main" meth="cycle" id="10">
+  <a:schemeClr val="accent1"/>
+  <a:schemeClr val="accent2"/>
+  <a:schemeClr val="accent3"/>
+  <a:schemeClr val="accent4"/>
+  <a:schemeClr val="accent5"/>
+  <a:schemeClr val="accent6"/>
+  <cs:variation/>
+  <cs:variation>
+    <a:lumMod val="60000"/>
+  </cs:variation>
+  <cs:variation>
+    <a:lumMod val="80000"/>
+    <a:lumOff val="20000"/>
+  </cs:variation>
+  <cs:variation>
+    <a:lumMod val="80000"/>
+  </cs:variation>
+  <cs:variation>
+    <a:lumMod val="60000"/>
+    <a:lumOff val="40000"/>
+  </cs:variation>
+  <cs:variation>
+    <a:lumMod val="50000"/>
+  </cs:variation>
+  <cs:variation>
+    <a:lumMod val="70000"/>
+    <a:lumOff val="30000"/>
+  </cs:variation>
+  <cs:variation>
+    <a:lumMod val="70000"/>
+  </cs:variation>
+  <cs:variation>
+    <a:lumMod val="50000"/>
+    <a:lumOff val="50000"/>
+  </cs:variation>
+</cs:colorStyle>
+</file>
+
+<file path=ppt/charts/style1.xml><?xml version="1.0" encoding="utf-8"?>
+<cs:chartStyle xmlns:cs="http://schemas.microsoft.com/office/drawing/2012/chartStyle" xmlns:a="http://schemas.openxmlformats.org/drawingml/2006/main" id="262">
+  <cs:axisTitle>
+    <cs:lnRef idx="0"/>
+    <cs:fillRef idx="0"/>
+    <cs:effectRef idx="0"/>
+    <cs:fontRef idx="minor">
+      <a:schemeClr val="tx1">
+        <a:lumMod val="65000"/>
+        <a:lumOff val="35000"/>
+      </a:schemeClr>
+    </cs:fontRef>
+    <cs:defRPr sz="1330" kern="1200"/>
+  </cs:axisTitle>
+  <cs:categoryAxis>
+    <cs:lnRef idx="0"/>
+    <cs:fillRef idx="0"/>
+    <cs:effectRef idx="0"/>
+    <cs:fontRef idx="minor">
+      <a:schemeClr val="tx1">
+        <a:lumMod val="65000"/>
+        <a:lumOff val="35000"/>
+      </a:schemeClr>
+    </cs:fontRef>
+    <cs:spPr>
+      <a:ln w="9525" cap="flat" cmpd="sng" algn="ctr">
+        <a:solidFill>
+          <a:schemeClr val="tx1">
+            <a:lumMod val="15000"/>
+            <a:lumOff val="85000"/>
+          </a:schemeClr>
+        </a:solidFill>
+        <a:round/>
+      </a:ln>
+    </cs:spPr>
+    <cs:defRPr sz="1197" kern="1200"/>
+  </cs:categoryAxis>
+  <cs:chartArea mods="allowNoFillOverride allowNoLineOverride">
+    <cs:lnRef idx="0"/>
+    <cs:fillRef idx="0"/>
+    <cs:effectRef idx="0"/>
+    <cs:fontRef idx="minor">
+      <a:schemeClr val="tx1"/>
+    </cs:fontRef>
+    <cs:spPr>
+      <a:solidFill>
+        <a:schemeClr val="bg1"/>
+      </a:solidFill>
+      <a:ln w="9525" cap="flat" cmpd="sng" algn="ctr">
+        <a:solidFill>
+          <a:schemeClr val="tx1">
+            <a:lumMod val="15000"/>
+            <a:lumOff val="85000"/>
+          </a:schemeClr>
+        </a:solidFill>
+        <a:round/>
+      </a:ln>
+    </cs:spPr>
+    <cs:defRPr sz="1197" kern="1200"/>
+  </cs:chartArea>
+  <cs:dataLabel>
+    <cs:lnRef idx="0"/>
+    <cs:fillRef idx="0"/>
+    <cs:effectRef idx="0"/>
+    <cs:fontRef idx="minor">
+      <a:schemeClr val="tx1">
+        <a:lumMod val="75000"/>
+        <a:lumOff val="25000"/>
+      </a:schemeClr>
+    </cs:fontRef>
+    <cs:defRPr sz="1197" kern="1200"/>
+  </cs:dataLabel>
+  <cs:dataLabelCallout>
+    <cs:lnRef idx="0"/>
+    <cs:fillRef idx="0"/>
+    <cs:effectRef idx="0"/>
+    <cs:fontRef idx="minor">
+      <a:schemeClr val="dk1">
+        <a:lumMod val="65000"/>
+        <a:lumOff val="35000"/>
+      </a:schemeClr>
+    </cs:fontRef>
+    <cs:spPr>
+      <a:solidFill>
+        <a:schemeClr val="lt1"/>
+      </a:solidFill>
+      <a:ln>
+        <a:solidFill>
+          <a:schemeClr val="dk1">
+            <a:lumMod val="25000"/>
+            <a:lumOff val="75000"/>
+          </a:schemeClr>
+        </a:solidFill>
+      </a:ln>
+    </cs:spPr>
+    <cs:defRPr sz="1197" kern="1200"/>
+    <cs:bodyPr rot="0" spcFirstLastPara="1" vertOverflow="clip" horzOverflow="clip" vert="horz" wrap="square" lIns="36576" tIns="18288" rIns="36576" bIns="18288" anchor="ctr" anchorCtr="1">
+      <a:spAutoFit/>
+    </cs:bodyPr>
+  </cs:dataLabelCallout>
+  <cs:dataPoint>
+    <cs:lnRef idx="0"/>
+    <cs:fillRef idx="1">
+      <cs:styleClr val="auto"/>
+    </cs:fillRef>
+    <cs:effectRef idx="0"/>
+    <cs:fontRef idx="minor">
+      <a:schemeClr val="tx1"/>
+    </cs:fontRef>
+    <cs:spPr>
+      <a:ln w="19050">
+        <a:solidFill>
+          <a:schemeClr val="lt1"/>
+        </a:solidFill>
+      </a:ln>
+    </cs:spPr>
+  </cs:dataPoint>
+  <cs:dataPoint3D>
+    <cs:lnRef idx="0"/>
+    <cs:fillRef idx="1">
+      <cs:styleClr val="auto"/>
+    </cs:fillRef>
+    <cs:effectRef idx="0"/>
+    <cs:fontRef idx="minor">
+      <a:schemeClr val="tx1"/>
+    </cs:fontRef>
+    <cs:spPr>
+      <a:ln w="25400">
+        <a:solidFill>
+          <a:schemeClr val="lt1"/>
+        </a:solidFill>
+      </a:ln>
+    </cs:spPr>
+  </cs:dataPoint3D>
+  <cs:dataPointLine>
+    <cs:lnRef idx="0">
+      <cs:styleClr val="auto"/>
+    </cs:lnRef>
+    <cs:fillRef idx="0"/>
+    <cs:effectRef idx="0"/>
+    <cs:fontRef idx="minor">
+      <a:schemeClr val="tx1"/>
+    </cs:fontRef>
+    <cs:spPr>
+      <a:ln w="28575" cap="rnd">
+        <a:solidFill>
+          <a:schemeClr val="phClr"/>
+        </a:solidFill>
+        <a:round/>
+      </a:ln>
+    </cs:spPr>
+  </cs:dataPointLine>
+  <cs:dataPointMarker>
+    <cs:lnRef idx="0">
+      <cs:styleClr val="auto"/>
+    </cs:lnRef>
+    <cs:fillRef idx="1">
+      <cs:styleClr val="auto"/>
+    </cs:fillRef>
+    <cs:effectRef idx="0"/>
+    <cs:fontRef idx="minor">
+      <a:schemeClr val="tx1"/>
+    </cs:fontRef>
+    <cs:spPr>
+      <a:ln w="9525">
+        <a:solidFill>
+          <a:schemeClr val="phClr"/>
+        </a:solidFill>
+      </a:ln>
+    </cs:spPr>
+  </cs:dataPointMarker>
+  <cs:dataPointMarkerLayout symbol="circle" size="5"/>
+  <cs:dataPointWireframe>
+    <cs:lnRef idx="0">
+      <cs:styleClr val="auto"/>
+    </cs:lnRef>
+    <cs:fillRef idx="0"/>
+    <cs:effectRef idx="0"/>
+    <cs:fontRef idx="minor">
+      <a:schemeClr val="tx1"/>
+    </cs:fontRef>
+    <cs:spPr>
+      <a:ln w="9525" cap="rnd">
+        <a:solidFill>
+          <a:schemeClr val="phClr"/>
+        </a:solidFill>
+        <a:round/>
+      </a:ln>
+    </cs:spPr>
+  </cs:dataPointWireframe>
+  <cs:dataTable>
+    <cs:lnRef idx="0"/>
+    <cs:fillRef idx="0"/>
+    <cs:effectRef idx="0"/>
+    <cs:fontRef idx="minor">
+      <a:schemeClr val="tx1">
+        <a:lumMod val="65000"/>
+        <a:lumOff val="35000"/>
+      </a:schemeClr>
+    </cs:fontRef>
+    <cs:spPr>
+      <a:noFill/>
+      <a:ln w="9525" cap="flat" cmpd="sng" algn="ctr">
+        <a:solidFill>
+          <a:schemeClr val="tx1">
+            <a:lumMod val="15000"/>
+            <a:lumOff val="85000"/>
+          </a:schemeClr>
+        </a:solidFill>
+        <a:round/>
+      </a:ln>
+    </cs:spPr>
+    <cs:defRPr sz="1197" kern="1200"/>
+  </cs:dataTable>
+  <cs:downBar>
+    <cs:lnRef idx="0"/>
+    <cs:fillRef idx="0"/>
+    <cs:effectRef idx="0"/>
+    <cs:fontRef idx="minor">
+      <a:schemeClr val="tx1"/>
+    </cs:fontRef>
+    <cs:spPr>
+      <a:solidFill>
+        <a:schemeClr val="dk1">
+          <a:lumMod val="75000"/>
+          <a:lumOff val="25000"/>
+        </a:schemeClr>
+      </a:solidFill>
+      <a:ln w="9525" cap="flat" cmpd="sng" algn="ctr">
+        <a:solidFill>
+          <a:schemeClr val="tx1">
+            <a:lumMod val="65000"/>
+            <a:lumOff val="35000"/>
+          </a:schemeClr>
+        </a:solidFill>
+        <a:round/>
+      </a:ln>
+    </cs:spPr>
+  </cs:downBar>
+  <cs:dropLine>
+    <cs:lnRef idx="0"/>
+    <cs:fillRef idx="0"/>
+    <cs:effectRef idx="0"/>
+    <cs:fontRef idx="minor">
+      <a:schemeClr val="tx1"/>
+    </cs:fontRef>
+    <cs:spPr>
+      <a:ln w="9525" cap="flat" cmpd="sng" algn="ctr">
+        <a:solidFill>
+          <a:schemeClr val="tx1">
+            <a:lumMod val="35000"/>
+            <a:lumOff val="65000"/>
+          </a:schemeClr>
+        </a:solidFill>
+        <a:round/>
+      </a:ln>
+    </cs:spPr>
+  </cs:dropLine>
+  <cs:errorBar>
+    <cs:lnRef idx="0"/>
+    <cs:fillRef idx="0"/>
+    <cs:effectRef idx="0"/>
+    <cs:fontRef idx="minor">
+      <a:schemeClr val="tx1"/>
+    </cs:fontRef>
+    <cs:spPr>
+      <a:ln w="9525" cap="flat" cmpd="sng" algn="ctr">
+        <a:solidFill>
+          <a:schemeClr val="tx1">
+            <a:lumMod val="65000"/>
+            <a:lumOff val="35000"/>
+          </a:schemeClr>
+        </a:solidFill>
+        <a:round/>
+      </a:ln>
+    </cs:spPr>
+  </cs:errorBar>
+  <cs:floor>
+    <cs:lnRef idx="0"/>
+    <cs:fillRef idx="0"/>
+    <cs:effectRef idx="0"/>
+    <cs:fontRef idx="minor">
+      <a:schemeClr val="tx1"/>
+    </cs:fontRef>
+    <cs:spPr>
+      <a:noFill/>
+      <a:ln>
+        <a:noFill/>
+      </a:ln>
+    </cs:spPr>
+  </cs:floor>
+  <cs:gridlineMajor>
+    <cs:lnRef idx="0"/>
+    <cs:fillRef idx="0"/>
+    <cs:effectRef idx="0"/>
+    <cs:fontRef idx="minor">
+      <a:schemeClr val="tx1"/>
+    </cs:fontRef>
+    <cs:spPr>
+      <a:ln w="9525" cap="flat" cmpd="sng" algn="ctr">
+        <a:solidFill>
+          <a:schemeClr val="tx1">
+            <a:lumMod val="15000"/>
+            <a:lumOff val="85000"/>
+          </a:schemeClr>
+        </a:solidFill>
+        <a:round/>
+      </a:ln>
+    </cs:spPr>
+  </cs:gridlineMajor>
+  <cs:gridlineMinor>
+    <cs:lnRef idx="0"/>
+    <cs:fillRef idx="0"/>
+    <cs:effectRef idx="0"/>
+    <cs:fontRef idx="minor">
+      <a:schemeClr val="tx1"/>
+    </cs:fontRef>
+    <cs:spPr>
+      <a:ln w="9525" cap="flat" cmpd="sng" algn="ctr">
+        <a:solidFill>
+          <a:schemeClr val="tx1">
+            <a:lumMod val="5000"/>
+            <a:lumOff val="95000"/>
+          </a:schemeClr>
+        </a:solidFill>
+        <a:round/>
+      </a:ln>
+    </cs:spPr>
+  </cs:gridlineMinor>
+  <cs:hiLoLine>
+    <cs:lnRef idx="0"/>
+    <cs:fillRef idx="0"/>
+    <cs:effectRef idx="0"/>
+    <cs:fontRef idx="minor">
+      <a:schemeClr val="tx1"/>
+    </cs:fontRef>
+    <cs:spPr>
+      <a:ln w="9525" cap="flat" cmpd="sng" algn="ctr">
+        <a:solidFill>
+          <a:schemeClr val="tx1">
+            <a:lumMod val="50000"/>
+            <a:lumOff val="50000"/>
+          </a:schemeClr>
+        </a:solidFill>
+        <a:round/>
+      </a:ln>
+    </cs:spPr>
+  </cs:hiLoLine>
+  <cs:leaderLine>
+    <cs:lnRef idx="0"/>
+    <cs:fillRef idx="0"/>
+    <cs:effectRef idx="0"/>
+    <cs:fontRef idx="minor">
+      <a:schemeClr val="tx1"/>
+    </cs:fontRef>
+    <cs:spPr>
+      <a:ln w="9525" cap="flat" cmpd="sng" algn="ctr">
+        <a:solidFill>
+          <a:schemeClr val="tx1">
+            <a:lumMod val="35000"/>
+            <a:lumOff val="65000"/>
+          </a:schemeClr>
+        </a:solidFill>
+        <a:round/>
+      </a:ln>
+    </cs:spPr>
+  </cs:leaderLine>
+  <cs:legend>
+    <cs:lnRef idx="0"/>
+    <cs:fillRef idx="0"/>
+    <cs:effectRef idx="0"/>
+    <cs:fontRef idx="minor">
+      <a:schemeClr val="tx1">
+        <a:lumMod val="65000"/>
+        <a:lumOff val="35000"/>
+      </a:schemeClr>
+    </cs:fontRef>
+    <cs:defRPr sz="1197" kern="1200"/>
+  </cs:legend>
+  <cs:plotArea mods="allowNoFillOverride allowNoLineOverride">
+    <cs:lnRef idx="0"/>
+    <cs:fillRef idx="0"/>
+    <cs:effectRef idx="0"/>
+    <cs:fontRef idx="minor">
+      <a:schemeClr val="tx1"/>
+    </cs:fontRef>
+  </cs:plotArea>
+  <cs:plotArea3D mods="allowNoFillOverride allowNoLineOverride">
+    <cs:lnRef idx="0"/>
+    <cs:fillRef idx="0"/>
+    <cs:effectRef idx="0"/>
+    <cs:fontRef idx="minor">
+      <a:schemeClr val="tx1"/>
+    </cs:fontRef>
+  </cs:plotArea3D>
+  <cs:seriesAxis>
+    <cs:lnRef idx="0"/>
+    <cs:fillRef idx="0"/>
+    <cs:effectRef idx="0"/>
+    <cs:fontRef idx="minor">
+      <a:schemeClr val="tx1">
+        <a:lumMod val="65000"/>
+        <a:lumOff val="35000"/>
+      </a:schemeClr>
+    </cs:fontRef>
+    <cs:defRPr sz="1197" kern="1200"/>
+  </cs:seriesAxis>
+  <cs:seriesLine>
+    <cs:lnRef idx="0"/>
+    <cs:fillRef idx="0"/>
+    <cs:effectRef idx="0"/>
+    <cs:fontRef idx="minor">
+      <a:schemeClr val="tx1"/>
+    </cs:fontRef>
+    <cs:spPr>
+      <a:ln w="9525" cap="flat" cmpd="sng" algn="ctr">
+        <a:solidFill>
+          <a:schemeClr val="tx1">
+            <a:lumMod val="35000"/>
+            <a:lumOff val="65000"/>
+          </a:schemeClr>
+        </a:solidFill>
+        <a:round/>
+      </a:ln>
+    </cs:spPr>
+  </cs:seriesLine>
+  <cs:title>
+    <cs:lnRef idx="0"/>
+    <cs:fillRef idx="0"/>
+    <cs:effectRef idx="0"/>
+    <cs:fontRef idx="minor">
+      <a:schemeClr val="tx1">
+        <a:lumMod val="65000"/>
+        <a:lumOff val="35000"/>
+      </a:schemeClr>
+    </cs:fontRef>
+    <cs:defRPr sz="1862" b="0" kern="1200" spc="0" baseline="0"/>
+  </cs:title>
+  <cs:trendline>
+    <cs:lnRef idx="0">
+      <cs:styleClr val="auto"/>
+    </cs:lnRef>
+    <cs:fillRef idx="0"/>
+    <cs:effectRef idx="0"/>
+    <cs:fontRef idx="minor">
+      <a:schemeClr val="tx1"/>
+    </cs:fontRef>
+    <cs:spPr>
+      <a:ln w="19050" cap="rnd">
+        <a:solidFill>
+          <a:schemeClr val="phClr"/>
+        </a:solidFill>
+        <a:prstDash val="sysDot"/>
+      </a:ln>
+    </cs:spPr>
+  </cs:trendline>
+  <cs:trendlineLabel>
+    <cs:lnRef idx="0"/>
+    <cs:fillRef idx="0"/>
+    <cs:effectRef idx="0"/>
+    <cs:fontRef idx="minor">
+      <a:schemeClr val="tx1">
+        <a:lumMod val="65000"/>
+        <a:lumOff val="35000"/>
+      </a:schemeClr>
+    </cs:fontRef>
+    <cs:defRPr sz="1197" kern="1200"/>
+  </cs:trendlineLabel>
+  <cs:upBar>
+    <cs:lnRef idx="0"/>
+    <cs:fillRef idx="0"/>
+    <cs:effectRef idx="0"/>
+    <cs:fontRef idx="minor">
+      <a:schemeClr val="tx1"/>
+    </cs:fontRef>
+    <cs:spPr>
+      <a:solidFill>
+        <a:schemeClr val="lt1"/>
+      </a:solidFill>
+      <a:ln w="9525" cap="flat" cmpd="sng" algn="ctr">
+        <a:solidFill>
+          <a:schemeClr val="tx1">
+            <a:lumMod val="65000"/>
+            <a:lumOff val="35000"/>
+          </a:schemeClr>
+        </a:solidFill>
+        <a:round/>
+      </a:ln>
+    </cs:spPr>
+  </cs:upBar>
+  <cs:valueAxis>
+    <cs:lnRef idx="0"/>
+    <cs:fillRef idx="0"/>
+    <cs:effectRef idx="0"/>
+    <cs:fontRef idx="minor">
+      <a:schemeClr val="tx1">
+        <a:lumMod val="65000"/>
+        <a:lumOff val="35000"/>
+      </a:schemeClr>
+    </cs:fontRef>
+    <cs:defRPr sz="1197" kern="1200"/>
+  </cs:valueAxis>
+  <cs:wall>
+    <cs:lnRef idx="0"/>
+    <cs:fillRef idx="0"/>
+    <cs:effectRef idx="0"/>
+    <cs:fontRef idx="minor">
+      <a:schemeClr val="tx1"/>
+    </cs:fontRef>
+    <cs:spPr>
+      <a:noFill/>
+      <a:ln>
+        <a:noFill/>
+      </a:ln>
+    </cs:spPr>
+  </cs:wall>
+</cs:chartStyle>
+</file>
+
+<file path=ppt/charts/style2.xml><?xml version="1.0" encoding="utf-8"?>
+<cs:chartStyle xmlns:cs="http://schemas.microsoft.com/office/drawing/2012/chartStyle" xmlns:a="http://schemas.openxmlformats.org/drawingml/2006/main" id="227">
+  <cs:axisTitle>
+    <cs:lnRef idx="0"/>
+    <cs:fillRef idx="0"/>
+    <cs:effectRef idx="0"/>
+    <cs:fontRef idx="minor">
+      <a:schemeClr val="tx1">
+        <a:lumMod val="65000"/>
+        <a:lumOff val="35000"/>
+      </a:schemeClr>
+    </cs:fontRef>
+    <cs:defRPr sz="1330" kern="1200"/>
+  </cs:axisTitle>
+  <cs:categoryAxis>
+    <cs:lnRef idx="0"/>
+    <cs:fillRef idx="0"/>
+    <cs:effectRef idx="0"/>
+    <cs:fontRef idx="minor">
+      <a:schemeClr val="tx1">
+        <a:lumMod val="65000"/>
+        <a:lumOff val="35000"/>
+      </a:schemeClr>
+    </cs:fontRef>
+    <cs:spPr>
+      <a:ln w="9525" cap="flat" cmpd="sng" algn="ctr">
+        <a:solidFill>
+          <a:schemeClr val="tx1">
+            <a:lumMod val="15000"/>
+            <a:lumOff val="85000"/>
+          </a:schemeClr>
+        </a:solidFill>
+        <a:round/>
+      </a:ln>
+    </cs:spPr>
+    <cs:defRPr sz="1197" kern="1200"/>
+  </cs:categoryAxis>
+  <cs:chartArea mods="allowNoFillOverride allowNoLineOverride">
+    <cs:lnRef idx="0"/>
+    <cs:fillRef idx="0"/>
+    <cs:effectRef idx="0"/>
+    <cs:fontRef idx="minor">
+      <a:schemeClr val="tx1"/>
+    </cs:fontRef>
+    <cs:spPr>
+      <a:solidFill>
+        <a:schemeClr val="bg1"/>
+      </a:solidFill>
+      <a:ln w="9525" cap="flat" cmpd="sng" algn="ctr">
+        <a:solidFill>
+          <a:schemeClr val="tx1">
+            <a:lumMod val="15000"/>
+            <a:lumOff val="85000"/>
+          </a:schemeClr>
+        </a:solidFill>
+        <a:round/>
+      </a:ln>
+    </cs:spPr>
+    <cs:defRPr sz="1330" kern="1200"/>
+  </cs:chartArea>
+  <cs:dataLabel>
+    <cs:lnRef idx="0"/>
+    <cs:fillRef idx="0"/>
+    <cs:effectRef idx="0"/>
+    <cs:fontRef idx="minor">
+      <a:schemeClr val="tx1">
+        <a:lumMod val="75000"/>
+        <a:lumOff val="25000"/>
+      </a:schemeClr>
+    </cs:fontRef>
+    <cs:defRPr sz="1197" kern="1200"/>
+  </cs:dataLabel>
+  <cs:dataLabelCallout>
+    <cs:lnRef idx="0"/>
+    <cs:fillRef idx="0"/>
+    <cs:effectRef idx="0"/>
+    <cs:fontRef idx="minor">
+      <a:schemeClr val="dk1">
+        <a:lumMod val="65000"/>
+        <a:lumOff val="35000"/>
+      </a:schemeClr>
+    </cs:fontRef>
+    <cs:spPr>
+      <a:solidFill>
+        <a:schemeClr val="lt1"/>
+      </a:solidFill>
+      <a:ln>
+        <a:solidFill>
+          <a:schemeClr val="dk1">
+            <a:lumMod val="25000"/>
+            <a:lumOff val="75000"/>
+          </a:schemeClr>
+        </a:solidFill>
+      </a:ln>
+    </cs:spPr>
+    <cs:defRPr sz="1197" kern="1200"/>
+    <cs:bodyPr rot="0" spcFirstLastPara="1" vertOverflow="clip" horzOverflow="clip" vert="horz" wrap="square" lIns="36576" tIns="18288" rIns="36576" bIns="18288" anchor="ctr" anchorCtr="1">
+      <a:spAutoFit/>
+    </cs:bodyPr>
+  </cs:dataLabelCallout>
+  <cs:dataPoint>
+    <cs:lnRef idx="0"/>
+    <cs:fillRef idx="1">
+      <cs:styleClr val="auto"/>
+    </cs:fillRef>
+    <cs:effectRef idx="0"/>
+    <cs:fontRef idx="minor">
+      <a:schemeClr val="tx1"/>
+    </cs:fontRef>
+    <cs:spPr>
+      <a:solidFill>
+        <a:schemeClr val="phClr"/>
+      </a:solidFill>
+    </cs:spPr>
+  </cs:dataPoint>
+  <cs:dataPoint3D>
+    <cs:lnRef idx="0"/>
+    <cs:fillRef idx="1">
+      <cs:styleClr val="auto"/>
+    </cs:fillRef>
+    <cs:effectRef idx="0"/>
+    <cs:fontRef idx="minor">
+      <a:schemeClr val="tx1"/>
+    </cs:fontRef>
+    <cs:spPr>
+      <a:solidFill>
+        <a:schemeClr val="phClr"/>
+      </a:solidFill>
+    </cs:spPr>
+  </cs:dataPoint3D>
+  <cs:dataPointLine>
+    <cs:lnRef idx="0">
+      <cs:styleClr val="auto"/>
+    </cs:lnRef>
+    <cs:fillRef idx="1"/>
+    <cs:effectRef idx="0"/>
+    <cs:fontRef idx="minor">
+      <a:schemeClr val="tx1"/>
+    </cs:fontRef>
+    <cs:spPr>
+      <a:ln w="28575" cap="rnd">
+        <a:solidFill>
+          <a:schemeClr val="phClr"/>
+        </a:solidFill>
+        <a:round/>
+      </a:ln>
+    </cs:spPr>
+  </cs:dataPointLine>
+  <cs:dataPointMarker>
+    <cs:lnRef idx="0">
+      <cs:styleClr val="auto"/>
+    </cs:lnRef>
+    <cs:fillRef idx="1">
+      <cs:styleClr val="auto"/>
+    </cs:fillRef>
+    <cs:effectRef idx="0"/>
+    <cs:fontRef idx="minor">
+      <a:schemeClr val="tx1"/>
+    </cs:fontRef>
+    <cs:spPr>
+      <a:solidFill>
+        <a:schemeClr val="phClr"/>
+      </a:solidFill>
+      <a:ln w="9525">
+        <a:solidFill>
+          <a:schemeClr val="phClr"/>
+        </a:solidFill>
+      </a:ln>
+    </cs:spPr>
+  </cs:dataPointMarker>
+  <cs:dataPointMarkerLayout symbol="circle" size="5"/>
+  <cs:dataPointWireframe>
+    <cs:lnRef idx="0">
+      <cs:styleClr val="auto"/>
+    </cs:lnRef>
+    <cs:fillRef idx="1"/>
+    <cs:effectRef idx="0"/>
+    <cs:fontRef idx="minor">
+      <a:schemeClr val="tx1"/>
+    </cs:fontRef>
+    <cs:spPr>
+      <a:ln w="9525" cap="rnd">
+        <a:solidFill>
+          <a:schemeClr val="phClr"/>
+        </a:solidFill>
+        <a:round/>
+      </a:ln>
+    </cs:spPr>
+  </cs:dataPointWireframe>
+  <cs:dataTable>
+    <cs:lnRef idx="0"/>
+    <cs:fillRef idx="0"/>
+    <cs:effectRef idx="0"/>
+    <cs:fontRef idx="minor">
+      <a:schemeClr val="tx1">
+        <a:lumMod val="65000"/>
+        <a:lumOff val="35000"/>
+      </a:schemeClr>
+    </cs:fontRef>
+    <cs:spPr>
+      <a:noFill/>
+      <a:ln w="9525" cap="flat" cmpd="sng" algn="ctr">
+        <a:solidFill>
+          <a:schemeClr val="tx1">
+            <a:lumMod val="15000"/>
+            <a:lumOff val="85000"/>
+          </a:schemeClr>
+        </a:solidFill>
+        <a:round/>
+      </a:ln>
+    </cs:spPr>
+    <cs:defRPr sz="1197" kern="1200"/>
+  </cs:dataTable>
+  <cs:downBar>
+    <cs:lnRef idx="0"/>
+    <cs:fillRef idx="0"/>
+    <cs:effectRef idx="0"/>
+    <cs:fontRef idx="minor">
+      <a:schemeClr val="dk1"/>
+    </cs:fontRef>
+    <cs:spPr>
+      <a:solidFill>
+        <a:schemeClr val="dk1">
+          <a:lumMod val="65000"/>
+          <a:lumOff val="35000"/>
+        </a:schemeClr>
+      </a:solidFill>
+      <a:ln w="9525">
+        <a:solidFill>
+          <a:schemeClr val="tx1">
+            <a:lumMod val="65000"/>
+            <a:lumOff val="35000"/>
+          </a:schemeClr>
+        </a:solidFill>
+      </a:ln>
+    </cs:spPr>
+  </cs:downBar>
+  <cs:dropLine>
+    <cs:lnRef idx="0"/>
+    <cs:fillRef idx="0"/>
+    <cs:effectRef idx="0"/>
+    <cs:fontRef idx="minor">
+      <a:schemeClr val="tx1"/>
+    </cs:fontRef>
+    <cs:spPr>
+      <a:ln w="9525" cap="flat" cmpd="sng" algn="ctr">
+        <a:solidFill>
+          <a:schemeClr val="tx1">
+            <a:lumMod val="35000"/>
+            <a:lumOff val="65000"/>
+          </a:schemeClr>
+        </a:solidFill>
+        <a:round/>
+      </a:ln>
+    </cs:spPr>
+  </cs:dropLine>
+  <cs:errorBar>
+    <cs:lnRef idx="0"/>
+    <cs:fillRef idx="0"/>
+    <cs:effectRef idx="0"/>
+    <cs:fontRef idx="minor">
+      <a:schemeClr val="tx1"/>
+    </cs:fontRef>
+    <cs:spPr>
+      <a:ln w="9525" cap="flat" cmpd="sng" algn="ctr">
+        <a:solidFill>
+          <a:schemeClr val="tx1">
+            <a:lumMod val="65000"/>
+            <a:lumOff val="35000"/>
+          </a:schemeClr>
+        </a:solidFill>
+        <a:round/>
+      </a:ln>
+    </cs:spPr>
+  </cs:errorBar>
+  <cs:floor>
+    <cs:lnRef idx="0"/>
+    <cs:fillRef idx="0"/>
+    <cs:effectRef idx="0"/>
+    <cs:fontRef idx="minor">
+      <a:schemeClr val="tx1"/>
+    </cs:fontRef>
+    <cs:spPr>
+      <a:noFill/>
+      <a:ln>
+        <a:noFill/>
+      </a:ln>
+    </cs:spPr>
+  </cs:floor>
+  <cs:gridlineMajor>
+    <cs:lnRef idx="0"/>
+    <cs:fillRef idx="0"/>
+    <cs:effectRef idx="0"/>
+    <cs:fontRef idx="minor">
+      <a:schemeClr val="tx1"/>
+    </cs:fontRef>
+    <cs:spPr>
+      <a:ln w="9525" cap="flat" cmpd="sng" algn="ctr">
+        <a:solidFill>
+          <a:schemeClr val="tx1">
+            <a:lumMod val="15000"/>
+            <a:lumOff val="85000"/>
+          </a:schemeClr>
+        </a:solidFill>
+        <a:round/>
+      </a:ln>
+    </cs:spPr>
+  </cs:gridlineMajor>
+  <cs:gridlineMinor>
+    <cs:lnRef idx="0"/>
+    <cs:fillRef idx="0"/>
+    <cs:effectRef idx="0"/>
+    <cs:fontRef idx="minor">
+      <a:schemeClr val="tx1"/>
+    </cs:fontRef>
+    <cs:spPr>
+      <a:ln w="9525" cap="flat" cmpd="sng" algn="ctr">
+        <a:solidFill>
+          <a:schemeClr val="tx1">
+            <a:lumMod val="5000"/>
+            <a:lumOff val="95000"/>
+          </a:schemeClr>
+        </a:solidFill>
+        <a:round/>
+      </a:ln>
+    </cs:spPr>
+  </cs:gridlineMinor>
+  <cs:hiLoLine>
+    <cs:lnRef idx="0"/>
+    <cs:fillRef idx="0"/>
+    <cs:effectRef idx="0"/>
+    <cs:fontRef idx="minor">
+      <a:schemeClr val="tx1"/>
+    </cs:fontRef>
+    <cs:spPr>
+      <a:ln w="9525" cap="flat" cmpd="sng" algn="ctr">
+        <a:solidFill>
+          <a:schemeClr val="tx1">
+            <a:lumMod val="75000"/>
+            <a:lumOff val="25000"/>
+          </a:schemeClr>
+        </a:solidFill>
+        <a:round/>
+      </a:ln>
+    </cs:spPr>
+  </cs:hiLoLine>
+  <cs:leaderLine>
+    <cs:lnRef idx="0"/>
+    <cs:fillRef idx="0"/>
+    <cs:effectRef idx="0"/>
+    <cs:fontRef idx="minor">
+      <a:schemeClr val="tx1"/>
+    </cs:fontRef>
+    <cs:spPr>
+      <a:ln w="9525" cap="flat" cmpd="sng" algn="ctr">
+        <a:solidFill>
+          <a:schemeClr val="tx1">
+            <a:lumMod val="35000"/>
+            <a:lumOff val="65000"/>
+          </a:schemeClr>
+        </a:solidFill>
+        <a:round/>
+      </a:ln>
+    </cs:spPr>
+  </cs:leaderLine>
+  <cs:legend>
+    <cs:lnRef idx="0"/>
+    <cs:fillRef idx="0"/>
+    <cs:effectRef idx="0"/>
+    <cs:fontRef idx="minor">
+      <a:schemeClr val="tx1">
+        <a:lumMod val="65000"/>
+        <a:lumOff val="35000"/>
+      </a:schemeClr>
+    </cs:fontRef>
+    <cs:defRPr sz="1197" kern="1200"/>
+  </cs:legend>
+  <cs:plotArea mods="allowNoFillOverride allowNoLineOverride">
+    <cs:lnRef idx="0"/>
+    <cs:fillRef idx="0"/>
+    <cs:effectRef idx="0"/>
+    <cs:fontRef idx="minor">
+      <a:schemeClr val="tx1"/>
+    </cs:fontRef>
+  </cs:plotArea>
+  <cs:plotArea3D mods="allowNoFillOverride allowNoLineOverride">
+    <cs:lnRef idx="0"/>
+    <cs:fillRef idx="0"/>
+    <cs:effectRef idx="0"/>
+    <cs:fontRef idx="minor">
+      <a:schemeClr val="tx1"/>
+    </cs:fontRef>
+  </cs:plotArea3D>
+  <cs:seriesAxis>
+    <cs:lnRef idx="0"/>
+    <cs:fillRef idx="0"/>
+    <cs:effectRef idx="0"/>
+    <cs:fontRef idx="minor">
+      <a:schemeClr val="tx1">
+        <a:lumMod val="65000"/>
+        <a:lumOff val="35000"/>
+      </a:schemeClr>
+    </cs:fontRef>
+    <cs:defRPr sz="1197" kern="1200"/>
+  </cs:seriesAxis>
+  <cs:seriesLine>
+    <cs:lnRef idx="0"/>
+    <cs:fillRef idx="0"/>
+    <cs:effectRef idx="0"/>
+    <cs:fontRef idx="minor">
+      <a:schemeClr val="tx1"/>
+    </cs:fontRef>
+    <cs:spPr>
+      <a:ln w="9525" cap="flat" cmpd="sng" algn="ctr">
+        <a:solidFill>
+          <a:schemeClr val="tx1">
+            <a:lumMod val="35000"/>
+            <a:lumOff val="65000"/>
+          </a:schemeClr>
+        </a:solidFill>
+        <a:round/>
+      </a:ln>
+    </cs:spPr>
+  </cs:seriesLine>
+  <cs:title>
+    <cs:lnRef idx="0"/>
+    <cs:fillRef idx="0"/>
+    <cs:effectRef idx="0"/>
+    <cs:fontRef idx="minor">
+      <a:schemeClr val="tx1">
+        <a:lumMod val="65000"/>
+        <a:lumOff val="35000"/>
+      </a:schemeClr>
+    </cs:fontRef>
+    <cs:defRPr sz="1862" b="0" kern="1200" spc="0" baseline="0"/>
+  </cs:title>
+  <cs:trendline>
+    <cs:lnRef idx="0">
+      <cs:styleClr val="auto"/>
+    </cs:lnRef>
+    <cs:fillRef idx="0"/>
+    <cs:effectRef idx="0"/>
+    <cs:fontRef idx="minor">
+      <a:schemeClr val="tx1"/>
+    </cs:fontRef>
+    <cs:spPr>
+      <a:ln w="19050" cap="rnd">
+        <a:solidFill>
+          <a:schemeClr val="phClr"/>
+        </a:solidFill>
+        <a:prstDash val="sysDot"/>
+      </a:ln>
+    </cs:spPr>
+  </cs:trendline>
+  <cs:trendlineLabel>
+    <cs:lnRef idx="0"/>
+    <cs:fillRef idx="0"/>
+    <cs:effectRef idx="0"/>
+    <cs:fontRef idx="minor">
+      <a:schemeClr val="tx1">
+        <a:lumMod val="65000"/>
+        <a:lumOff val="35000"/>
+      </a:schemeClr>
+    </cs:fontRef>
+    <cs:defRPr sz="1197" kern="1200"/>
+  </cs:trendlineLabel>
+  <cs:upBar>
+    <cs:lnRef idx="0"/>
+    <cs:fillRef idx="0"/>
+    <cs:effectRef idx="0"/>
+    <cs:fontRef idx="minor">
+      <a:schemeClr val="dk1"/>
+    </cs:fontRef>
+    <cs:spPr>
+      <a:solidFill>
+        <a:schemeClr val="lt1"/>
+      </a:solidFill>
+      <a:ln w="9525">
+        <a:solidFill>
+          <a:schemeClr val="tx1">
+            <a:lumMod val="15000"/>
+            <a:lumOff val="85000"/>
+          </a:schemeClr>
+        </a:solidFill>
+      </a:ln>
+    </cs:spPr>
+  </cs:upBar>
+  <cs:valueAxis>
+    <cs:lnRef idx="0"/>
+    <cs:fillRef idx="0"/>
+    <cs:effectRef idx="0"/>
+    <cs:fontRef idx="minor">
+      <a:schemeClr val="tx1">
+        <a:lumMod val="65000"/>
+        <a:lumOff val="35000"/>
+      </a:schemeClr>
+    </cs:fontRef>
+    <cs:defRPr sz="1197" kern="1200"/>
+  </cs:valueAxis>
+  <cs:wall>
+    <cs:lnRef idx="0"/>
+    <cs:fillRef idx="0"/>
+    <cs:effectRef idx="0"/>
+    <cs:fontRef idx="minor">
+      <a:schemeClr val="tx1"/>
+    </cs:fontRef>
+    <cs:spPr>
+      <a:noFill/>
+      <a:ln>
+        <a:noFill/>
+      </a:ln>
+    </cs:spPr>
+  </cs:wall>
+</cs:chartStyle>
 </file>
 
 <file path=ppt/notesMasters/notesMaster1.xml><?xml version="1.0" encoding="utf-8"?>
@@ -3846,12 +10566,600 @@
           </a:p>
         </p:txBody>
       </p:sp>
+      <p:sp>
+        <p:nvSpPr>
+          <p:cNvPr id="4" name="矩形 3">
+            <a:extLst>
+              <a:ext uri="{FF2B5EF4-FFF2-40B4-BE49-F238E27FC236}">
+                <a16:creationId xmlns:a16="http://schemas.microsoft.com/office/drawing/2014/main" id="{697032C7-E252-0B1F-6BCF-9E8E277B23CD}"/>
+              </a:ext>
+            </a:extLst>
+          </p:cNvPr>
+          <p:cNvSpPr/>
+          <p:nvPr/>
+        </p:nvSpPr>
+        <p:spPr>
+          <a:xfrm>
+            <a:off x="6102597" y="5272179"/>
+            <a:ext cx="1324303" cy="965200"/>
+          </a:xfrm>
+          <a:prstGeom prst="rect">
+            <a:avLst/>
+          </a:prstGeom>
+          <a:solidFill>
+            <a:schemeClr val="bg1"/>
+          </a:solidFill>
+        </p:spPr>
+        <p:style>
+          <a:lnRef idx="2">
+            <a:schemeClr val="accent1">
+              <a:shade val="50000"/>
+            </a:schemeClr>
+          </a:lnRef>
+          <a:fillRef idx="1">
+            <a:schemeClr val="accent1"/>
+          </a:fillRef>
+          <a:effectRef idx="0">
+            <a:schemeClr val="accent1"/>
+          </a:effectRef>
+          <a:fontRef idx="minor">
+            <a:schemeClr val="lt1"/>
+          </a:fontRef>
+        </p:style>
+        <p:txBody>
+          <a:bodyPr rtlCol="0" anchor="ctr"/>
+          <a:lstStyle/>
+          <a:p>
+            <a:pPr algn="ctr"/>
+            <a:endParaRPr kumimoji="1" lang="zh-CN" altLang="en-US"/>
+          </a:p>
+        </p:txBody>
+      </p:sp>
+      <p:pic>
+        <p:nvPicPr>
+          <p:cNvPr id="2066" name="Picture 18" descr="MindSpore官网">
+            <a:extLst>
+              <a:ext uri="{FF2B5EF4-FFF2-40B4-BE49-F238E27FC236}">
+                <a16:creationId xmlns:a16="http://schemas.microsoft.com/office/drawing/2014/main" id="{8F89BB77-25ED-D43E-E4B2-7054E808E4CE}"/>
+              </a:ext>
+            </a:extLst>
+          </p:cNvPr>
+          <p:cNvPicPr>
+            <a:picLocks noChangeAspect="1" noChangeArrowheads="1"/>
+          </p:cNvPicPr>
+          <p:nvPr/>
+        </p:nvPicPr>
+        <p:blipFill>
+          <a:blip r:embed="rId2">
+            <a:extLst>
+              <a:ext uri="{BEBA8EAE-BF5A-486C-A8C5-ECC9F3942E4B}">
+                <a14:imgProps xmlns:a14="http://schemas.microsoft.com/office/drawing/2010/main">
+                  <a14:imgLayer r:embed="rId3">
+                    <a14:imgEffect>
+                      <a14:colorTemperature colorTemp="11200"/>
+                    </a14:imgEffect>
+                  </a14:imgLayer>
+                </a14:imgProps>
+              </a:ext>
+              <a:ext uri="{28A0092B-C50C-407E-A947-70E740481C1C}">
+                <a14:useLocalDpi xmlns:a14="http://schemas.microsoft.com/office/drawing/2010/main" val="0"/>
+              </a:ext>
+            </a:extLst>
+          </a:blip>
+          <a:srcRect/>
+          <a:stretch>
+            <a:fillRect/>
+          </a:stretch>
+        </p:blipFill>
+        <p:spPr bwMode="auto">
+          <a:xfrm>
+            <a:off x="4369464" y="5272179"/>
+            <a:ext cx="2946400" cy="965200"/>
+          </a:xfrm>
+          <a:prstGeom prst="rect">
+            <a:avLst/>
+          </a:prstGeom>
+          <a:noFill/>
+          <a:extLst>
+            <a:ext uri="{909E8E84-426E-40DD-AFC4-6F175D3DCCD1}">
+              <a14:hiddenFill xmlns:a14="http://schemas.microsoft.com/office/drawing/2010/main">
+                <a:solidFill>
+                  <a:srgbClr val="FFFFFF"/>
+                </a:solidFill>
+              </a14:hiddenFill>
+            </a:ext>
+          </a:extLst>
+        </p:spPr>
+      </p:pic>
+      <p:pic>
+        <p:nvPicPr>
+          <p:cNvPr id="2050" name="Picture 2">
+            <a:extLst>
+              <a:ext uri="{FF2B5EF4-FFF2-40B4-BE49-F238E27FC236}">
+                <a16:creationId xmlns:a16="http://schemas.microsoft.com/office/drawing/2014/main" id="{E6F14241-5CF3-86A5-EA71-E75285F25ECE}"/>
+              </a:ext>
+            </a:extLst>
+          </p:cNvPr>
+          <p:cNvPicPr>
+            <a:picLocks noChangeAspect="1" noChangeArrowheads="1"/>
+          </p:cNvPicPr>
+          <p:nvPr/>
+        </p:nvPicPr>
+        <p:blipFill>
+          <a:blip r:embed="rId4">
+            <a:extLst>
+              <a:ext uri="{28A0092B-C50C-407E-A947-70E740481C1C}">
+                <a14:useLocalDpi xmlns:a14="http://schemas.microsoft.com/office/drawing/2010/main" val="0"/>
+              </a:ext>
+            </a:extLst>
+          </a:blip>
+          <a:srcRect/>
+          <a:stretch>
+            <a:fillRect/>
+          </a:stretch>
+        </p:blipFill>
+        <p:spPr bwMode="auto">
+          <a:xfrm>
+            <a:off x="781680" y="1257089"/>
+            <a:ext cx="1686111" cy="1802524"/>
+          </a:xfrm>
+          <a:prstGeom prst="rect">
+            <a:avLst/>
+          </a:prstGeom>
+          <a:noFill/>
+          <a:extLst>
+            <a:ext uri="{909E8E84-426E-40DD-AFC4-6F175D3DCCD1}">
+              <a14:hiddenFill xmlns:a14="http://schemas.microsoft.com/office/drawing/2010/main">
+                <a:solidFill>
+                  <a:srgbClr val="FFFFFF"/>
+                </a:solidFill>
+              </a14:hiddenFill>
+            </a:ext>
+          </a:extLst>
+        </p:spPr>
+      </p:pic>
+      <p:pic>
+        <p:nvPicPr>
+          <p:cNvPr id="2052" name="Picture 4" descr="TensorFlow Logo PNG Vector (SVG) Free Download">
+            <a:extLst>
+              <a:ext uri="{FF2B5EF4-FFF2-40B4-BE49-F238E27FC236}">
+                <a16:creationId xmlns:a16="http://schemas.microsoft.com/office/drawing/2014/main" id="{B7EB5486-39C2-5328-6B54-682A283BFDBC}"/>
+              </a:ext>
+            </a:extLst>
+          </p:cNvPr>
+          <p:cNvPicPr>
+            <a:picLocks noChangeAspect="1" noChangeArrowheads="1"/>
+          </p:cNvPicPr>
+          <p:nvPr/>
+        </p:nvPicPr>
+        <p:blipFill>
+          <a:blip r:embed="rId5">
+            <a:extLst>
+              <a:ext uri="{28A0092B-C50C-407E-A947-70E740481C1C}">
+                <a14:useLocalDpi xmlns:a14="http://schemas.microsoft.com/office/drawing/2010/main" val="0"/>
+              </a:ext>
+            </a:extLst>
+          </a:blip>
+          <a:srcRect/>
+          <a:stretch>
+            <a:fillRect/>
+          </a:stretch>
+        </p:blipFill>
+        <p:spPr bwMode="auto">
+          <a:xfrm>
+            <a:off x="2944220" y="1257089"/>
+            <a:ext cx="1616263" cy="1802524"/>
+          </a:xfrm>
+          <a:prstGeom prst="rect">
+            <a:avLst/>
+          </a:prstGeom>
+          <a:noFill/>
+          <a:extLst>
+            <a:ext uri="{909E8E84-426E-40DD-AFC4-6F175D3DCCD1}">
+              <a14:hiddenFill xmlns:a14="http://schemas.microsoft.com/office/drawing/2010/main">
+                <a:solidFill>
+                  <a:srgbClr val="FFFFFF"/>
+                </a:solidFill>
+              </a14:hiddenFill>
+            </a:ext>
+          </a:extLst>
+        </p:spPr>
+      </p:pic>
+      <p:pic>
+        <p:nvPicPr>
+          <p:cNvPr id="2054" name="Picture 6">
+            <a:extLst>
+              <a:ext uri="{FF2B5EF4-FFF2-40B4-BE49-F238E27FC236}">
+                <a16:creationId xmlns:a16="http://schemas.microsoft.com/office/drawing/2014/main" id="{C495CCF0-2550-037B-9A67-825BFEA576A9}"/>
+              </a:ext>
+            </a:extLst>
+          </p:cNvPr>
+          <p:cNvPicPr>
+            <a:picLocks noChangeAspect="1" noChangeArrowheads="1"/>
+          </p:cNvPicPr>
+          <p:nvPr/>
+        </p:nvPicPr>
+        <p:blipFill>
+          <a:blip r:embed="rId6">
+            <a:extLst>
+              <a:ext uri="{28A0092B-C50C-407E-A947-70E740481C1C}">
+                <a14:useLocalDpi xmlns:a14="http://schemas.microsoft.com/office/drawing/2010/main" val="0"/>
+              </a:ext>
+            </a:extLst>
+          </a:blip>
+          <a:srcRect/>
+          <a:stretch>
+            <a:fillRect/>
+          </a:stretch>
+        </p:blipFill>
+        <p:spPr bwMode="auto">
+          <a:xfrm>
+            <a:off x="5036911" y="1257089"/>
+            <a:ext cx="1802525" cy="1802525"/>
+          </a:xfrm>
+          <a:prstGeom prst="rect">
+            <a:avLst/>
+          </a:prstGeom>
+          <a:noFill/>
+          <a:extLst>
+            <a:ext uri="{909E8E84-426E-40DD-AFC4-6F175D3DCCD1}">
+              <a14:hiddenFill xmlns:a14="http://schemas.microsoft.com/office/drawing/2010/main">
+                <a:solidFill>
+                  <a:srgbClr val="FFFFFF"/>
+                </a:solidFill>
+              </a14:hiddenFill>
+            </a:ext>
+          </a:extLst>
+        </p:spPr>
+      </p:pic>
+      <p:pic>
+        <p:nvPicPr>
+          <p:cNvPr id="2056" name="Picture 8" descr="Caffe2 Logo PNG Vector (SVG) Free Download">
+            <a:extLst>
+              <a:ext uri="{FF2B5EF4-FFF2-40B4-BE49-F238E27FC236}">
+                <a16:creationId xmlns:a16="http://schemas.microsoft.com/office/drawing/2014/main" id="{AFBB8273-02D0-C288-5178-F902016EFD6A}"/>
+              </a:ext>
+            </a:extLst>
+          </p:cNvPr>
+          <p:cNvPicPr>
+            <a:picLocks noChangeAspect="1" noChangeArrowheads="1"/>
+          </p:cNvPicPr>
+          <p:nvPr/>
+        </p:nvPicPr>
+        <p:blipFill>
+          <a:blip r:embed="rId7">
+            <a:grayscl/>
+            <a:extLst>
+              <a:ext uri="{28A0092B-C50C-407E-A947-70E740481C1C}">
+                <a14:useLocalDpi xmlns:a14="http://schemas.microsoft.com/office/drawing/2010/main" val="0"/>
+              </a:ext>
+            </a:extLst>
+          </a:blip>
+          <a:srcRect/>
+          <a:stretch>
+            <a:fillRect/>
+          </a:stretch>
+        </p:blipFill>
+        <p:spPr bwMode="auto">
+          <a:xfrm>
+            <a:off x="7315864" y="1257089"/>
+            <a:ext cx="1574204" cy="1802524"/>
+          </a:xfrm>
+          <a:prstGeom prst="rect">
+            <a:avLst/>
+          </a:prstGeom>
+          <a:noFill/>
+          <a:extLst>
+            <a:ext uri="{909E8E84-426E-40DD-AFC4-6F175D3DCCD1}">
+              <a14:hiddenFill xmlns:a14="http://schemas.microsoft.com/office/drawing/2010/main">
+                <a:solidFill>
+                  <a:srgbClr val="FFFFFF"/>
+                </a:solidFill>
+              </a14:hiddenFill>
+            </a:ext>
+          </a:extLst>
+        </p:spPr>
+      </p:pic>
+      <p:pic>
+        <p:nvPicPr>
+          <p:cNvPr id="2058" name="Picture 10">
+            <a:extLst>
+              <a:ext uri="{FF2B5EF4-FFF2-40B4-BE49-F238E27FC236}">
+                <a16:creationId xmlns:a16="http://schemas.microsoft.com/office/drawing/2014/main" id="{B1F18EA3-8B01-6332-62A2-BF897554DAED}"/>
+              </a:ext>
+            </a:extLst>
+          </p:cNvPr>
+          <p:cNvPicPr>
+            <a:picLocks noChangeAspect="1" noChangeArrowheads="1"/>
+          </p:cNvPicPr>
+          <p:nvPr/>
+        </p:nvPicPr>
+        <p:blipFill>
+          <a:blip r:embed="rId8">
+            <a:extLst>
+              <a:ext uri="{28A0092B-C50C-407E-A947-70E740481C1C}">
+                <a14:useLocalDpi xmlns:a14="http://schemas.microsoft.com/office/drawing/2010/main" val="0"/>
+              </a:ext>
+            </a:extLst>
+          </a:blip>
+          <a:srcRect/>
+          <a:stretch>
+            <a:fillRect/>
+          </a:stretch>
+        </p:blipFill>
+        <p:spPr bwMode="auto">
+          <a:xfrm>
+            <a:off x="9366497" y="1257089"/>
+            <a:ext cx="1488751" cy="1802524"/>
+          </a:xfrm>
+          <a:prstGeom prst="rect">
+            <a:avLst/>
+          </a:prstGeom>
+          <a:noFill/>
+          <a:extLst>
+            <a:ext uri="{909E8E84-426E-40DD-AFC4-6F175D3DCCD1}">
+              <a14:hiddenFill xmlns:a14="http://schemas.microsoft.com/office/drawing/2010/main">
+                <a:solidFill>
+                  <a:srgbClr val="FFFFFF"/>
+                </a:solidFill>
+              </a14:hiddenFill>
+            </a:ext>
+          </a:extLst>
+        </p:spPr>
+      </p:pic>
+      <p:pic>
+        <p:nvPicPr>
+          <p:cNvPr id="2060" name="Picture 12" descr="デフォルト - Deeplearning4j: Open-source, Distributed Deep Learning for the JVM">
+            <a:extLst>
+              <a:ext uri="{FF2B5EF4-FFF2-40B4-BE49-F238E27FC236}">
+                <a16:creationId xmlns:a16="http://schemas.microsoft.com/office/drawing/2014/main" id="{9C978463-CD5C-367D-02CD-19C43C5FE4B0}"/>
+              </a:ext>
+            </a:extLst>
+          </p:cNvPr>
+          <p:cNvPicPr>
+            <a:picLocks noChangeAspect="1" noChangeArrowheads="1"/>
+          </p:cNvPicPr>
+          <p:nvPr/>
+        </p:nvPicPr>
+        <p:blipFill>
+          <a:blip r:embed="rId9">
+            <a:extLst>
+              <a:ext uri="{28A0092B-C50C-407E-A947-70E740481C1C}">
+                <a14:useLocalDpi xmlns:a14="http://schemas.microsoft.com/office/drawing/2010/main" val="0"/>
+              </a:ext>
+            </a:extLst>
+          </a:blip>
+          <a:srcRect/>
+          <a:stretch>
+            <a:fillRect/>
+          </a:stretch>
+        </p:blipFill>
+        <p:spPr bwMode="auto">
+          <a:xfrm>
+            <a:off x="781680" y="3490538"/>
+            <a:ext cx="4051738" cy="1508510"/>
+          </a:xfrm>
+          <a:prstGeom prst="rect">
+            <a:avLst/>
+          </a:prstGeom>
+          <a:noFill/>
+          <a:extLst>
+            <a:ext uri="{909E8E84-426E-40DD-AFC4-6F175D3DCCD1}">
+              <a14:hiddenFill xmlns:a14="http://schemas.microsoft.com/office/drawing/2010/main">
+                <a:solidFill>
+                  <a:srgbClr val="FFFFFF"/>
+                </a:solidFill>
+              </a14:hiddenFill>
+            </a:ext>
+          </a:extLst>
+        </p:spPr>
+      </p:pic>
+      <p:pic>
+        <p:nvPicPr>
+          <p:cNvPr id="2062" name="Picture 14">
+            <a:extLst>
+              <a:ext uri="{FF2B5EF4-FFF2-40B4-BE49-F238E27FC236}">
+                <a16:creationId xmlns:a16="http://schemas.microsoft.com/office/drawing/2014/main" id="{0092954D-B59F-C65A-5BFC-8DB05F07CAA0}"/>
+              </a:ext>
+            </a:extLst>
+          </p:cNvPr>
+          <p:cNvPicPr>
+            <a:picLocks noChangeAspect="1" noChangeArrowheads="1"/>
+          </p:cNvPicPr>
+          <p:nvPr/>
+        </p:nvPicPr>
+        <p:blipFill>
+          <a:blip r:embed="rId10">
+            <a:extLst>
+              <a:ext uri="{28A0092B-C50C-407E-A947-70E740481C1C}">
+                <a14:useLocalDpi xmlns:a14="http://schemas.microsoft.com/office/drawing/2010/main" val="0"/>
+              </a:ext>
+            </a:extLst>
+          </a:blip>
+          <a:srcRect/>
+          <a:stretch>
+            <a:fillRect/>
+          </a:stretch>
+        </p:blipFill>
+        <p:spPr bwMode="auto">
+          <a:xfrm>
+            <a:off x="5560000" y="3490538"/>
+            <a:ext cx="5295248" cy="1220390"/>
+          </a:xfrm>
+          <a:prstGeom prst="rect">
+            <a:avLst/>
+          </a:prstGeom>
+          <a:noFill/>
+          <a:extLst>
+            <a:ext uri="{909E8E84-426E-40DD-AFC4-6F175D3DCCD1}">
+              <a14:hiddenFill xmlns:a14="http://schemas.microsoft.com/office/drawing/2010/main">
+                <a:solidFill>
+                  <a:srgbClr val="FFFFFF"/>
+                </a:solidFill>
+              </a14:hiddenFill>
+            </a:ext>
+          </a:extLst>
+        </p:spPr>
+      </p:pic>
+      <p:pic>
+        <p:nvPicPr>
+          <p:cNvPr id="2064" name="Picture 16" descr="logo">
+            <a:extLst>
+              <a:ext uri="{FF2B5EF4-FFF2-40B4-BE49-F238E27FC236}">
+                <a16:creationId xmlns:a16="http://schemas.microsoft.com/office/drawing/2014/main" id="{1420FD09-12B9-63A9-5684-38E9FC2D5071}"/>
+              </a:ext>
+            </a:extLst>
+          </p:cNvPr>
+          <p:cNvPicPr>
+            <a:picLocks noChangeAspect="1" noChangeArrowheads="1"/>
+          </p:cNvPicPr>
+          <p:nvPr/>
+        </p:nvPicPr>
+        <p:blipFill>
+          <a:blip r:embed="rId11">
+            <a:extLst>
+              <a:ext uri="{28A0092B-C50C-407E-A947-70E740481C1C}">
+                <a14:useLocalDpi xmlns:a14="http://schemas.microsoft.com/office/drawing/2010/main" val="0"/>
+              </a:ext>
+            </a:extLst>
+          </a:blip>
+          <a:srcRect/>
+          <a:stretch>
+            <a:fillRect/>
+          </a:stretch>
+        </p:blipFill>
+        <p:spPr bwMode="auto">
+          <a:xfrm>
+            <a:off x="781680" y="5335679"/>
+            <a:ext cx="2717800" cy="838200"/>
+          </a:xfrm>
+          <a:prstGeom prst="rect">
+            <a:avLst/>
+          </a:prstGeom>
+          <a:noFill/>
+          <a:extLst>
+            <a:ext uri="{909E8E84-426E-40DD-AFC4-6F175D3DCCD1}">
+              <a14:hiddenFill xmlns:a14="http://schemas.microsoft.com/office/drawing/2010/main">
+                <a:solidFill>
+                  <a:srgbClr val="FFFFFF"/>
+                </a:solidFill>
+              </a14:hiddenFill>
+            </a:ext>
+          </a:extLst>
+        </p:spPr>
+      </p:pic>
+      <p:pic>
+        <p:nvPicPr>
+          <p:cNvPr id="2068" name="Picture 20" descr="MXNet: A Scalable Deep Learning Framework">
+            <a:extLst>
+              <a:ext uri="{FF2B5EF4-FFF2-40B4-BE49-F238E27FC236}">
+                <a16:creationId xmlns:a16="http://schemas.microsoft.com/office/drawing/2014/main" id="{C3E340A8-2D6A-AF5E-8F1F-FC68C466BABF}"/>
+              </a:ext>
+            </a:extLst>
+          </p:cNvPr>
+          <p:cNvPicPr>
+            <a:picLocks noChangeAspect="1" noChangeArrowheads="1"/>
+          </p:cNvPicPr>
+          <p:nvPr/>
+        </p:nvPicPr>
+        <p:blipFill>
+          <a:blip r:embed="rId12">
+            <a:extLst>
+              <a:ext uri="{28A0092B-C50C-407E-A947-70E740481C1C}">
+                <a14:useLocalDpi xmlns:a14="http://schemas.microsoft.com/office/drawing/2010/main" val="0"/>
+              </a:ext>
+            </a:extLst>
+          </a:blip>
+          <a:srcRect/>
+          <a:stretch>
+            <a:fillRect/>
+          </a:stretch>
+        </p:blipFill>
+        <p:spPr bwMode="auto">
+          <a:xfrm>
+            <a:off x="7889355" y="5151906"/>
+            <a:ext cx="3520966" cy="1205747"/>
+          </a:xfrm>
+          <a:prstGeom prst="rect">
+            <a:avLst/>
+          </a:prstGeom>
+          <a:noFill/>
+          <a:extLst>
+            <a:ext uri="{909E8E84-426E-40DD-AFC4-6F175D3DCCD1}">
+              <a14:hiddenFill xmlns:a14="http://schemas.microsoft.com/office/drawing/2010/main">
+                <a:solidFill>
+                  <a:srgbClr val="FFFFFF"/>
+                </a:solidFill>
+              </a14:hiddenFill>
+            </a:ext>
+          </a:extLst>
+        </p:spPr>
+      </p:pic>
+    </p:spTree>
+    <p:extLst>
+      <p:ext uri="{BB962C8B-B14F-4D97-AF65-F5344CB8AC3E}">
+        <p14:creationId xmlns:p14="http://schemas.microsoft.com/office/powerpoint/2010/main" val="3184713370"/>
+      </p:ext>
+    </p:extLst>
+  </p:cSld>
+  <p:clrMapOvr>
+    <a:masterClrMapping/>
+  </p:clrMapOvr>
+</p:sld>
+</file>
+
+<file path=ppt/slides/slide3.xml><?xml version="1.0" encoding="utf-8"?>
+<p:sld xmlns:a="http://schemas.openxmlformats.org/drawingml/2006/main" xmlns:r="http://schemas.openxmlformats.org/officeDocument/2006/relationships" xmlns:p="http://schemas.openxmlformats.org/presentationml/2006/main">
+  <p:cSld>
+    <p:spTree>
+      <p:nvGrpSpPr>
+        <p:cNvPr id="1" name=""/>
+        <p:cNvGrpSpPr/>
+        <p:nvPr/>
+      </p:nvGrpSpPr>
+      <p:grpSpPr>
+        <a:xfrm>
+          <a:off x="0" y="0"/>
+          <a:ext cx="0" cy="0"/>
+          <a:chOff x="0" y="0"/>
+          <a:chExt cx="0" cy="0"/>
+        </a:xfrm>
+      </p:grpSpPr>
+      <p:sp>
+        <p:nvSpPr>
+          <p:cNvPr id="2" name="标题 1">
+            <a:extLst>
+              <a:ext uri="{FF2B5EF4-FFF2-40B4-BE49-F238E27FC236}">
+                <a16:creationId xmlns:a16="http://schemas.microsoft.com/office/drawing/2014/main" id="{BD856F33-3395-6798-8FED-52BBCFAC1A3F}"/>
+              </a:ext>
+            </a:extLst>
+          </p:cNvPr>
+          <p:cNvSpPr>
+            <a:spLocks noGrp="1"/>
+          </p:cNvSpPr>
+          <p:nvPr>
+            <p:ph type="title"/>
+          </p:nvPr>
+        </p:nvSpPr>
+        <p:spPr/>
+        <p:txBody>
+          <a:bodyPr/>
+          <a:lstStyle/>
+          <a:p>
+            <a:r>
+              <a:rPr kumimoji="1" lang="en-US" altLang="zh-CN" dirty="0"/>
+              <a:t>Deep Learning Toolkits Trend</a:t>
+            </a:r>
+            <a:endParaRPr kumimoji="1" lang="zh-CN" altLang="en-US" dirty="0"/>
+          </a:p>
+        </p:txBody>
+      </p:sp>
       <p:grpSp>
         <p:nvGrpSpPr>
-          <p:cNvPr id="7" name="组合 6">
+          <p:cNvPr id="13" name="组合 12">
             <a:extLst>
               <a:ext uri="{FF2B5EF4-FFF2-40B4-BE49-F238E27FC236}">
-                <a16:creationId xmlns:a16="http://schemas.microsoft.com/office/drawing/2014/main" id="{F6F638F3-DBAE-8A11-197B-5335A0CAA2CB}"/>
+                <a16:creationId xmlns:a16="http://schemas.microsoft.com/office/drawing/2014/main" id="{9D97DED8-6A35-2D32-5A79-32C0481EBDFB}"/>
               </a:ext>
             </a:extLst>
           </p:cNvPr>
@@ -3860,67 +11168,46 @@
         </p:nvGrpSpPr>
         <p:grpSpPr>
           <a:xfrm>
-            <a:off x="781680" y="1257089"/>
-            <a:ext cx="10628641" cy="5100564"/>
-            <a:chOff x="1248049" y="1418897"/>
-            <a:chExt cx="10628641" cy="5100564"/>
+            <a:off x="1818361" y="1334814"/>
+            <a:ext cx="8555278" cy="4814526"/>
+            <a:chOff x="455448" y="1334814"/>
+            <a:chExt cx="6257175" cy="3521257"/>
           </a:xfrm>
         </p:grpSpPr>
-        <p:sp>
-          <p:nvSpPr>
-            <p:cNvPr id="4" name="矩形 3">
+        <p:graphicFrame>
+          <p:nvGraphicFramePr>
+            <p:cNvPr id="5" name="图表 4">
               <a:extLst>
                 <a:ext uri="{FF2B5EF4-FFF2-40B4-BE49-F238E27FC236}">
-                  <a16:creationId xmlns:a16="http://schemas.microsoft.com/office/drawing/2014/main" id="{697032C7-E252-0B1F-6BCF-9E8E277B23CD}"/>
+                  <a16:creationId xmlns:a16="http://schemas.microsoft.com/office/drawing/2014/main" id="{1B19CEB2-262A-AA96-AAF7-D6DBE574A027}"/>
                 </a:ext>
               </a:extLst>
             </p:cNvPr>
-            <p:cNvSpPr/>
-            <p:nvPr/>
-          </p:nvSpPr>
-          <p:spPr>
-            <a:xfrm>
-              <a:off x="6568966" y="5433987"/>
-              <a:ext cx="1324303" cy="965200"/>
-            </a:xfrm>
-            <a:prstGeom prst="rect">
-              <a:avLst/>
-            </a:prstGeom>
-            <a:solidFill>
-              <a:schemeClr val="bg1"/>
-            </a:solidFill>
-          </p:spPr>
-          <p:style>
-            <a:lnRef idx="2">
-              <a:schemeClr val="accent1">
-                <a:shade val="50000"/>
-              </a:schemeClr>
-            </a:lnRef>
-            <a:fillRef idx="1">
-              <a:schemeClr val="accent1"/>
-            </a:fillRef>
-            <a:effectRef idx="0">
-              <a:schemeClr val="accent1"/>
-            </a:effectRef>
-            <a:fontRef idx="minor">
-              <a:schemeClr val="lt1"/>
-            </a:fontRef>
-          </p:style>
-          <p:txBody>
-            <a:bodyPr rtlCol="0" anchor="ctr"/>
-            <a:lstStyle/>
-            <a:p>
-              <a:pPr algn="ctr"/>
-              <a:endParaRPr kumimoji="1" lang="zh-CN" altLang="en-US"/>
-            </a:p>
-          </p:txBody>
-        </p:sp>
+            <p:cNvGraphicFramePr/>
+            <p:nvPr>
+              <p:extLst>
+                <p:ext uri="{D42A27DB-BD31-4B8C-83A1-F6EECF244321}">
+                  <p14:modId xmlns:p14="http://schemas.microsoft.com/office/powerpoint/2010/main" val="967932031"/>
+                </p:ext>
+              </p:extLst>
+            </p:nvPr>
+          </p:nvGraphicFramePr>
+          <p:xfrm>
+            <a:off x="455448" y="1334814"/>
+            <a:ext cx="6257175" cy="3521257"/>
+          </p:xfrm>
+          <a:graphic>
+            <a:graphicData uri="http://schemas.openxmlformats.org/drawingml/2006/chart">
+              <c:chart xmlns:c="http://schemas.openxmlformats.org/drawingml/2006/chart" xmlns:r="http://schemas.openxmlformats.org/officeDocument/2006/relationships" r:id="rId2"/>
+            </a:graphicData>
+          </a:graphic>
+        </p:graphicFrame>
         <p:pic>
           <p:nvPicPr>
-            <p:cNvPr id="2066" name="Picture 18" descr="MindSpore官网">
+            <p:cNvPr id="6" name="Picture 2">
               <a:extLst>
                 <a:ext uri="{FF2B5EF4-FFF2-40B4-BE49-F238E27FC236}">
-                  <a16:creationId xmlns:a16="http://schemas.microsoft.com/office/drawing/2014/main" id="{8F89BB77-25ED-D43E-E4B2-7054E808E4CE}"/>
+                  <a16:creationId xmlns:a16="http://schemas.microsoft.com/office/drawing/2014/main" id="{927B07FB-484B-A177-9A6C-89918DF8EEB1}"/>
                 </a:ext>
               </a:extLst>
             </p:cNvPr>
@@ -3930,17 +11217,8 @@
             <p:nvPr/>
           </p:nvPicPr>
           <p:blipFill>
-            <a:blip r:embed="rId2">
+            <a:blip r:embed="rId3">
               <a:extLst>
-                <a:ext uri="{BEBA8EAE-BF5A-486C-A8C5-ECC9F3942E4B}">
-                  <a14:imgProps xmlns:a14="http://schemas.microsoft.com/office/drawing/2010/main">
-                    <a14:imgLayer r:embed="rId3">
-                      <a14:imgEffect>
-                        <a14:colorTemperature colorTemp="11200"/>
-                      </a14:imgEffect>
-                    </a14:imgLayer>
-                  </a14:imgProps>
-                </a:ext>
                 <a:ext uri="{28A0092B-C50C-407E-A947-70E740481C1C}">
                   <a14:useLocalDpi xmlns:a14="http://schemas.microsoft.com/office/drawing/2010/main" val="0"/>
                 </a:ext>
@@ -3953,8 +11231,8 @@
           </p:blipFill>
           <p:spPr bwMode="auto">
             <a:xfrm>
-              <a:off x="4835833" y="5433987"/>
-              <a:ext cx="2946400" cy="965200"/>
+              <a:off x="4560482" y="2331044"/>
+              <a:ext cx="357073" cy="381726"/>
             </a:xfrm>
             <a:prstGeom prst="rect">
               <a:avLst/>
@@ -3973,10 +11251,10 @@
         </p:pic>
         <p:pic>
           <p:nvPicPr>
-            <p:cNvPr id="2050" name="Picture 2">
+            <p:cNvPr id="8" name="Picture 4" descr="TensorFlow Logo PNG Vector (SVG) Free Download">
               <a:extLst>
                 <a:ext uri="{FF2B5EF4-FFF2-40B4-BE49-F238E27FC236}">
-                  <a16:creationId xmlns:a16="http://schemas.microsoft.com/office/drawing/2014/main" id="{E6F14241-5CF3-86A5-EA71-E75285F25ECE}"/>
+                  <a16:creationId xmlns:a16="http://schemas.microsoft.com/office/drawing/2014/main" id="{12AAD106-FCA1-8255-8AFF-F7DFE9202918}"/>
                 </a:ext>
               </a:extLst>
             </p:cNvPr>
@@ -4000,8 +11278,8 @@
           </p:blipFill>
           <p:spPr bwMode="auto">
             <a:xfrm>
-              <a:off x="1248049" y="1418897"/>
-              <a:ext cx="1686111" cy="1802524"/>
+              <a:off x="4218201" y="2677886"/>
+              <a:ext cx="342281" cy="381726"/>
             </a:xfrm>
             <a:prstGeom prst="rect">
               <a:avLst/>
@@ -4020,10 +11298,10 @@
         </p:pic>
         <p:pic>
           <p:nvPicPr>
-            <p:cNvPr id="2052" name="Picture 4" descr="TensorFlow Logo PNG Vector (SVG) Free Download">
+            <p:cNvPr id="9" name="Picture 10">
               <a:extLst>
                 <a:ext uri="{FF2B5EF4-FFF2-40B4-BE49-F238E27FC236}">
-                  <a16:creationId xmlns:a16="http://schemas.microsoft.com/office/drawing/2014/main" id="{B7EB5486-39C2-5328-6B54-682A283BFDBC}"/>
+                  <a16:creationId xmlns:a16="http://schemas.microsoft.com/office/drawing/2014/main" id="{9F13F918-AAF8-601C-F4E1-062D647B23B6}"/>
                 </a:ext>
               </a:extLst>
             </p:cNvPr>
@@ -4047,8 +11325,8 @@
           </p:blipFill>
           <p:spPr bwMode="auto">
             <a:xfrm>
-              <a:off x="3410589" y="1418897"/>
-              <a:ext cx="1616263" cy="1802524"/>
+              <a:off x="2536371" y="2868749"/>
+              <a:ext cx="492048" cy="595753"/>
             </a:xfrm>
             <a:prstGeom prst="rect">
               <a:avLst/>
@@ -4067,10 +11345,10 @@
         </p:pic>
         <p:pic>
           <p:nvPicPr>
-            <p:cNvPr id="2054" name="Picture 6">
+            <p:cNvPr id="10" name="Picture 6">
               <a:extLst>
                 <a:ext uri="{FF2B5EF4-FFF2-40B4-BE49-F238E27FC236}">
-                  <a16:creationId xmlns:a16="http://schemas.microsoft.com/office/drawing/2014/main" id="{C495CCF0-2550-037B-9A67-825BFEA576A9}"/>
+                  <a16:creationId xmlns:a16="http://schemas.microsoft.com/office/drawing/2014/main" id="{1177AAD4-6239-1013-9DEC-018CB2514E3A}"/>
                 </a:ext>
               </a:extLst>
             </p:cNvPr>
@@ -4094,291 +11372,8 @@
           </p:blipFill>
           <p:spPr bwMode="auto">
             <a:xfrm>
-              <a:off x="5503280" y="1418897"/>
-              <a:ext cx="1802525" cy="1802525"/>
-            </a:xfrm>
-            <a:prstGeom prst="rect">
-              <a:avLst/>
-            </a:prstGeom>
-            <a:noFill/>
-            <a:extLst>
-              <a:ext uri="{909E8E84-426E-40DD-AFC4-6F175D3DCCD1}">
-                <a14:hiddenFill xmlns:a14="http://schemas.microsoft.com/office/drawing/2010/main">
-                  <a:solidFill>
-                    <a:srgbClr val="FFFFFF"/>
-                  </a:solidFill>
-                </a14:hiddenFill>
-              </a:ext>
-            </a:extLst>
-          </p:spPr>
-        </p:pic>
-        <p:pic>
-          <p:nvPicPr>
-            <p:cNvPr id="2056" name="Picture 8" descr="Caffe2 Logo PNG Vector (SVG) Free Download">
-              <a:extLst>
-                <a:ext uri="{FF2B5EF4-FFF2-40B4-BE49-F238E27FC236}">
-                  <a16:creationId xmlns:a16="http://schemas.microsoft.com/office/drawing/2014/main" id="{AFBB8273-02D0-C288-5178-F902016EFD6A}"/>
-                </a:ext>
-              </a:extLst>
-            </p:cNvPr>
-            <p:cNvPicPr>
-              <a:picLocks noChangeAspect="1" noChangeArrowheads="1"/>
-            </p:cNvPicPr>
-            <p:nvPr/>
-          </p:nvPicPr>
-          <p:blipFill>
-            <a:blip r:embed="rId7">
-              <a:grayscl/>
-              <a:extLst>
-                <a:ext uri="{28A0092B-C50C-407E-A947-70E740481C1C}">
-                  <a14:useLocalDpi xmlns:a14="http://schemas.microsoft.com/office/drawing/2010/main" val="0"/>
-                </a:ext>
-              </a:extLst>
-            </a:blip>
-            <a:srcRect/>
-            <a:stretch>
-              <a:fillRect/>
-            </a:stretch>
-          </p:blipFill>
-          <p:spPr bwMode="auto">
-            <a:xfrm>
-              <a:off x="7782233" y="1418897"/>
-              <a:ext cx="1574204" cy="1802524"/>
-            </a:xfrm>
-            <a:prstGeom prst="rect">
-              <a:avLst/>
-            </a:prstGeom>
-            <a:noFill/>
-            <a:extLst>
-              <a:ext uri="{909E8E84-426E-40DD-AFC4-6F175D3DCCD1}">
-                <a14:hiddenFill xmlns:a14="http://schemas.microsoft.com/office/drawing/2010/main">
-                  <a:solidFill>
-                    <a:srgbClr val="FFFFFF"/>
-                  </a:solidFill>
-                </a14:hiddenFill>
-              </a:ext>
-            </a:extLst>
-          </p:spPr>
-        </p:pic>
-        <p:pic>
-          <p:nvPicPr>
-            <p:cNvPr id="2058" name="Picture 10">
-              <a:extLst>
-                <a:ext uri="{FF2B5EF4-FFF2-40B4-BE49-F238E27FC236}">
-                  <a16:creationId xmlns:a16="http://schemas.microsoft.com/office/drawing/2014/main" id="{B1F18EA3-8B01-6332-62A2-BF897554DAED}"/>
-                </a:ext>
-              </a:extLst>
-            </p:cNvPr>
-            <p:cNvPicPr>
-              <a:picLocks noChangeAspect="1" noChangeArrowheads="1"/>
-            </p:cNvPicPr>
-            <p:nvPr/>
-          </p:nvPicPr>
-          <p:blipFill>
-            <a:blip r:embed="rId8">
-              <a:extLst>
-                <a:ext uri="{28A0092B-C50C-407E-A947-70E740481C1C}">
-                  <a14:useLocalDpi xmlns:a14="http://schemas.microsoft.com/office/drawing/2010/main" val="0"/>
-                </a:ext>
-              </a:extLst>
-            </a:blip>
-            <a:srcRect/>
-            <a:stretch>
-              <a:fillRect/>
-            </a:stretch>
-          </p:blipFill>
-          <p:spPr bwMode="auto">
-            <a:xfrm>
-              <a:off x="9832866" y="1418897"/>
-              <a:ext cx="1488751" cy="1802524"/>
-            </a:xfrm>
-            <a:prstGeom prst="rect">
-              <a:avLst/>
-            </a:prstGeom>
-            <a:noFill/>
-            <a:extLst>
-              <a:ext uri="{909E8E84-426E-40DD-AFC4-6F175D3DCCD1}">
-                <a14:hiddenFill xmlns:a14="http://schemas.microsoft.com/office/drawing/2010/main">
-                  <a:solidFill>
-                    <a:srgbClr val="FFFFFF"/>
-                  </a:solidFill>
-                </a14:hiddenFill>
-              </a:ext>
-            </a:extLst>
-          </p:spPr>
-        </p:pic>
-        <p:pic>
-          <p:nvPicPr>
-            <p:cNvPr id="2060" name="Picture 12" descr="デフォルト - Deeplearning4j: Open-source, Distributed Deep Learning for the JVM">
-              <a:extLst>
-                <a:ext uri="{FF2B5EF4-FFF2-40B4-BE49-F238E27FC236}">
-                  <a16:creationId xmlns:a16="http://schemas.microsoft.com/office/drawing/2014/main" id="{9C978463-CD5C-367D-02CD-19C43C5FE4B0}"/>
-                </a:ext>
-              </a:extLst>
-            </p:cNvPr>
-            <p:cNvPicPr>
-              <a:picLocks noChangeAspect="1" noChangeArrowheads="1"/>
-            </p:cNvPicPr>
-            <p:nvPr/>
-          </p:nvPicPr>
-          <p:blipFill>
-            <a:blip r:embed="rId9">
-              <a:extLst>
-                <a:ext uri="{28A0092B-C50C-407E-A947-70E740481C1C}">
-                  <a14:useLocalDpi xmlns:a14="http://schemas.microsoft.com/office/drawing/2010/main" val="0"/>
-                </a:ext>
-              </a:extLst>
-            </a:blip>
-            <a:srcRect/>
-            <a:stretch>
-              <a:fillRect/>
-            </a:stretch>
-          </p:blipFill>
-          <p:spPr bwMode="auto">
-            <a:xfrm>
-              <a:off x="1248049" y="3652346"/>
-              <a:ext cx="4051738" cy="1508510"/>
-            </a:xfrm>
-            <a:prstGeom prst="rect">
-              <a:avLst/>
-            </a:prstGeom>
-            <a:noFill/>
-            <a:extLst>
-              <a:ext uri="{909E8E84-426E-40DD-AFC4-6F175D3DCCD1}">
-                <a14:hiddenFill xmlns:a14="http://schemas.microsoft.com/office/drawing/2010/main">
-                  <a:solidFill>
-                    <a:srgbClr val="FFFFFF"/>
-                  </a:solidFill>
-                </a14:hiddenFill>
-              </a:ext>
-            </a:extLst>
-          </p:spPr>
-        </p:pic>
-        <p:pic>
-          <p:nvPicPr>
-            <p:cNvPr id="2062" name="Picture 14">
-              <a:extLst>
-                <a:ext uri="{FF2B5EF4-FFF2-40B4-BE49-F238E27FC236}">
-                  <a16:creationId xmlns:a16="http://schemas.microsoft.com/office/drawing/2014/main" id="{0092954D-B59F-C65A-5BFC-8DB05F07CAA0}"/>
-                </a:ext>
-              </a:extLst>
-            </p:cNvPr>
-            <p:cNvPicPr>
-              <a:picLocks noChangeAspect="1" noChangeArrowheads="1"/>
-            </p:cNvPicPr>
-            <p:nvPr/>
-          </p:nvPicPr>
-          <p:blipFill>
-            <a:blip r:embed="rId10">
-              <a:extLst>
-                <a:ext uri="{28A0092B-C50C-407E-A947-70E740481C1C}">
-                  <a14:useLocalDpi xmlns:a14="http://schemas.microsoft.com/office/drawing/2010/main" val="0"/>
-                </a:ext>
-              </a:extLst>
-            </a:blip>
-            <a:srcRect/>
-            <a:stretch>
-              <a:fillRect/>
-            </a:stretch>
-          </p:blipFill>
-          <p:spPr bwMode="auto">
-            <a:xfrm>
-              <a:off x="6026369" y="3652346"/>
-              <a:ext cx="5295248" cy="1220390"/>
-            </a:xfrm>
-            <a:prstGeom prst="rect">
-              <a:avLst/>
-            </a:prstGeom>
-            <a:noFill/>
-            <a:extLst>
-              <a:ext uri="{909E8E84-426E-40DD-AFC4-6F175D3DCCD1}">
-                <a14:hiddenFill xmlns:a14="http://schemas.microsoft.com/office/drawing/2010/main">
-                  <a:solidFill>
-                    <a:srgbClr val="FFFFFF"/>
-                  </a:solidFill>
-                </a14:hiddenFill>
-              </a:ext>
-            </a:extLst>
-          </p:spPr>
-        </p:pic>
-        <p:pic>
-          <p:nvPicPr>
-            <p:cNvPr id="2064" name="Picture 16" descr="logo">
-              <a:extLst>
-                <a:ext uri="{FF2B5EF4-FFF2-40B4-BE49-F238E27FC236}">
-                  <a16:creationId xmlns:a16="http://schemas.microsoft.com/office/drawing/2014/main" id="{1420FD09-12B9-63A9-5684-38E9FC2D5071}"/>
-                </a:ext>
-              </a:extLst>
-            </p:cNvPr>
-            <p:cNvPicPr>
-              <a:picLocks noChangeAspect="1" noChangeArrowheads="1"/>
-            </p:cNvPicPr>
-            <p:nvPr/>
-          </p:nvPicPr>
-          <p:blipFill>
-            <a:blip r:embed="rId11">
-              <a:extLst>
-                <a:ext uri="{28A0092B-C50C-407E-A947-70E740481C1C}">
-                  <a14:useLocalDpi xmlns:a14="http://schemas.microsoft.com/office/drawing/2010/main" val="0"/>
-                </a:ext>
-              </a:extLst>
-            </a:blip>
-            <a:srcRect/>
-            <a:stretch>
-              <a:fillRect/>
-            </a:stretch>
-          </p:blipFill>
-          <p:spPr bwMode="auto">
-            <a:xfrm>
-              <a:off x="1248049" y="5497487"/>
-              <a:ext cx="2717800" cy="838200"/>
-            </a:xfrm>
-            <a:prstGeom prst="rect">
-              <a:avLst/>
-            </a:prstGeom>
-            <a:noFill/>
-            <a:extLst>
-              <a:ext uri="{909E8E84-426E-40DD-AFC4-6F175D3DCCD1}">
-                <a14:hiddenFill xmlns:a14="http://schemas.microsoft.com/office/drawing/2010/main">
-                  <a:solidFill>
-                    <a:srgbClr val="FFFFFF"/>
-                  </a:solidFill>
-                </a14:hiddenFill>
-              </a:ext>
-            </a:extLst>
-          </p:spPr>
-        </p:pic>
-        <p:pic>
-          <p:nvPicPr>
-            <p:cNvPr id="2068" name="Picture 20" descr="MXNet: A Scalable Deep Learning Framework">
-              <a:extLst>
-                <a:ext uri="{FF2B5EF4-FFF2-40B4-BE49-F238E27FC236}">
-                  <a16:creationId xmlns:a16="http://schemas.microsoft.com/office/drawing/2014/main" id="{C3E340A8-2D6A-AF5E-8F1F-FC68C466BABF}"/>
-                </a:ext>
-              </a:extLst>
-            </p:cNvPr>
-            <p:cNvPicPr>
-              <a:picLocks noChangeAspect="1" noChangeArrowheads="1"/>
-            </p:cNvPicPr>
-            <p:nvPr/>
-          </p:nvPicPr>
-          <p:blipFill>
-            <a:blip r:embed="rId12">
-              <a:extLst>
-                <a:ext uri="{28A0092B-C50C-407E-A947-70E740481C1C}">
-                  <a14:useLocalDpi xmlns:a14="http://schemas.microsoft.com/office/drawing/2010/main" val="0"/>
-                </a:ext>
-              </a:extLst>
-            </a:blip>
-            <a:srcRect/>
-            <a:stretch>
-              <a:fillRect/>
-            </a:stretch>
-          </p:blipFill>
-          <p:spPr bwMode="auto">
-            <a:xfrm>
-              <a:off x="8355724" y="5313714"/>
-              <a:ext cx="3520966" cy="1205747"/>
+              <a:off x="2765414" y="1870355"/>
+              <a:ext cx="462854" cy="462854"/>
             </a:xfrm>
             <a:prstGeom prst="rect">
               <a:avLst/>
@@ -4399,7 +11394,7 @@
     </p:spTree>
     <p:extLst>
       <p:ext uri="{BB962C8B-B14F-4D97-AF65-F5344CB8AC3E}">
-        <p14:creationId xmlns:p14="http://schemas.microsoft.com/office/powerpoint/2010/main" val="3184713370"/>
+        <p14:creationId xmlns:p14="http://schemas.microsoft.com/office/powerpoint/2010/main" val="30540841"/>
       </p:ext>
     </p:extLst>
   </p:cSld>
@@ -4409,7 +11404,94 @@
 </p:sld>
 </file>
 
-<file path=ppt/slides/slide3.xml><?xml version="1.0" encoding="utf-8"?>
+<file path=ppt/slides/slide4.xml><?xml version="1.0" encoding="utf-8"?>
+<p:sld xmlns:a="http://schemas.openxmlformats.org/drawingml/2006/main" xmlns:r="http://schemas.openxmlformats.org/officeDocument/2006/relationships" xmlns:p="http://schemas.openxmlformats.org/presentationml/2006/main">
+  <p:cSld>
+    <p:spTree>
+      <p:nvGrpSpPr>
+        <p:cNvPr id="1" name=""/>
+        <p:cNvGrpSpPr/>
+        <p:nvPr/>
+      </p:nvGrpSpPr>
+      <p:grpSpPr>
+        <a:xfrm>
+          <a:off x="0" y="0"/>
+          <a:ext cx="0" cy="0"/>
+          <a:chOff x="0" y="0"/>
+          <a:chExt cx="0" cy="0"/>
+        </a:xfrm>
+      </p:grpSpPr>
+      <p:sp>
+        <p:nvSpPr>
+          <p:cNvPr id="2" name="标题 1">
+            <a:extLst>
+              <a:ext uri="{FF2B5EF4-FFF2-40B4-BE49-F238E27FC236}">
+                <a16:creationId xmlns:a16="http://schemas.microsoft.com/office/drawing/2014/main" id="{BD856F33-3395-6798-8FED-52BBCFAC1A3F}"/>
+              </a:ext>
+            </a:extLst>
+          </p:cNvPr>
+          <p:cNvSpPr>
+            <a:spLocks noGrp="1"/>
+          </p:cNvSpPr>
+          <p:nvPr>
+            <p:ph type="title"/>
+          </p:nvPr>
+        </p:nvSpPr>
+        <p:spPr/>
+        <p:txBody>
+          <a:bodyPr/>
+          <a:lstStyle/>
+          <a:p>
+            <a:r>
+              <a:rPr kumimoji="1" lang="en-US" altLang="zh-CN" dirty="0"/>
+              <a:t>Deep Learning Toolkits Trend</a:t>
+            </a:r>
+            <a:endParaRPr kumimoji="1" lang="zh-CN" altLang="en-US" dirty="0"/>
+          </a:p>
+        </p:txBody>
+      </p:sp>
+      <p:graphicFrame>
+        <p:nvGraphicFramePr>
+          <p:cNvPr id="3" name="图表 2">
+            <a:extLst>
+              <a:ext uri="{FF2B5EF4-FFF2-40B4-BE49-F238E27FC236}">
+                <a16:creationId xmlns:a16="http://schemas.microsoft.com/office/drawing/2014/main" id="{8A549A71-09D5-9F5A-D2E1-1C9CC7207748}"/>
+              </a:ext>
+            </a:extLst>
+          </p:cNvPr>
+          <p:cNvGraphicFramePr/>
+          <p:nvPr>
+            <p:extLst>
+              <p:ext uri="{D42A27DB-BD31-4B8C-83A1-F6EECF244321}">
+                <p14:modId xmlns:p14="http://schemas.microsoft.com/office/powerpoint/2010/main" val="129518743"/>
+              </p:ext>
+            </p:extLst>
+          </p:nvPr>
+        </p:nvGraphicFramePr>
+        <p:xfrm>
+          <a:off x="2032000" y="1028277"/>
+          <a:ext cx="8128000" cy="5418667"/>
+        </p:xfrm>
+        <a:graphic>
+          <a:graphicData uri="http://schemas.openxmlformats.org/drawingml/2006/chart">
+            <c:chart xmlns:c="http://schemas.openxmlformats.org/drawingml/2006/chart" xmlns:r="http://schemas.openxmlformats.org/officeDocument/2006/relationships" r:id="rId2"/>
+          </a:graphicData>
+        </a:graphic>
+      </p:graphicFrame>
+    </p:spTree>
+    <p:extLst>
+      <p:ext uri="{BB962C8B-B14F-4D97-AF65-F5344CB8AC3E}">
+        <p14:creationId xmlns:p14="http://schemas.microsoft.com/office/powerpoint/2010/main" val="920244163"/>
+      </p:ext>
+    </p:extLst>
+  </p:cSld>
+  <p:clrMapOvr>
+    <a:masterClrMapping/>
+  </p:clrMapOvr>
+</p:sld>
+</file>
+
+<file path=ppt/slides/slide5.xml><?xml version="1.0" encoding="utf-8"?>
 <p:sld xmlns:a="http://schemas.openxmlformats.org/drawingml/2006/main" xmlns:r="http://schemas.openxmlformats.org/officeDocument/2006/relationships" xmlns:p="http://schemas.openxmlformats.org/presentationml/2006/main">
   <p:cSld>
     <p:spTree>
@@ -9837,7 +16919,7 @@
 </p:sld>
 </file>
 
-<file path=ppt/slides/slide4.xml><?xml version="1.0" encoding="utf-8"?>
+<file path=ppt/slides/slide6.xml><?xml version="1.0" encoding="utf-8"?>
 <p:sld xmlns:a="http://schemas.openxmlformats.org/drawingml/2006/main" xmlns:r="http://schemas.openxmlformats.org/officeDocument/2006/relationships" xmlns:p="http://schemas.openxmlformats.org/presentationml/2006/main">
   <p:cSld>
     <p:spTree>
@@ -14627,7 +21709,7 @@
 </p:sld>
 </file>
 
-<file path=ppt/slides/slide5.xml><?xml version="1.0" encoding="utf-8"?>
+<file path=ppt/slides/slide7.xml><?xml version="1.0" encoding="utf-8"?>
 <p:sld xmlns:a="http://schemas.openxmlformats.org/drawingml/2006/main" xmlns:r="http://schemas.openxmlformats.org/officeDocument/2006/relationships" xmlns:p="http://schemas.openxmlformats.org/presentationml/2006/main">
   <p:cSld>
     <p:spTree>
@@ -14687,7 +21769,7 @@
         </p:nvGrpSpPr>
         <p:grpSpPr>
           <a:xfrm>
-            <a:off x="1930249" y="1895752"/>
+            <a:off x="1828059" y="1903844"/>
             <a:ext cx="8535882" cy="3050312"/>
             <a:chOff x="1930249" y="1895752"/>
             <a:chExt cx="8535882" cy="3050312"/>

--- a/ppt/Tensorflow 2 Tutorial.pptx
+++ b/ppt/Tensorflow 2 Tutorial.pptx
@@ -5,7 +5,7 @@
     <p:sldMasterId id="2147483648" r:id="rId1"/>
   </p:sldMasterIdLst>
   <p:notesMasterIdLst>
-    <p:notesMasterId r:id="rId9"/>
+    <p:notesMasterId r:id="rId11"/>
   </p:notesMasterIdLst>
   <p:sldIdLst>
     <p:sldId id="256" r:id="rId2"/>
@@ -13,8 +13,10 @@
     <p:sldId id="261" r:id="rId4"/>
     <p:sldId id="262" r:id="rId5"/>
     <p:sldId id="257" r:id="rId6"/>
-    <p:sldId id="259" r:id="rId7"/>
-    <p:sldId id="260" r:id="rId8"/>
+    <p:sldId id="263" r:id="rId7"/>
+    <p:sldId id="264" r:id="rId8"/>
+    <p:sldId id="259" r:id="rId9"/>
+    <p:sldId id="260" r:id="rId10"/>
   </p:sldIdLst>
   <p:sldSz cx="12192000" cy="6858000"/>
   <p:notesSz cx="6858000" cy="9144000"/>
@@ -16959,6 +16961,2721 @@
           <a:p>
             <a:r>
               <a:rPr kumimoji="1" lang="en-US" altLang="zh-CN" dirty="0"/>
+              <a:t>Container</a:t>
+            </a:r>
+            <a:endParaRPr kumimoji="1" lang="zh-CN" altLang="en-US" dirty="0"/>
+          </a:p>
+        </p:txBody>
+      </p:sp>
+      <p:pic>
+        <p:nvPicPr>
+          <p:cNvPr id="2050" name="Picture 2">
+            <a:extLst>
+              <a:ext uri="{FF2B5EF4-FFF2-40B4-BE49-F238E27FC236}">
+                <a16:creationId xmlns:a16="http://schemas.microsoft.com/office/drawing/2014/main" id="{7D465AB0-2E88-DF6D-9F8F-C29CCCB7E111}"/>
+              </a:ext>
+            </a:extLst>
+          </p:cNvPr>
+          <p:cNvPicPr>
+            <a:picLocks noChangeAspect="1" noChangeArrowheads="1"/>
+          </p:cNvPicPr>
+          <p:nvPr/>
+        </p:nvPicPr>
+        <p:blipFill>
+          <a:blip r:embed="rId2">
+            <a:extLst>
+              <a:ext uri="{28A0092B-C50C-407E-A947-70E740481C1C}">
+                <a14:useLocalDpi xmlns:a14="http://schemas.microsoft.com/office/drawing/2010/main" val="0"/>
+              </a:ext>
+            </a:extLst>
+          </a:blip>
+          <a:srcRect/>
+          <a:stretch>
+            <a:fillRect/>
+          </a:stretch>
+        </p:blipFill>
+        <p:spPr bwMode="auto">
+          <a:xfrm>
+            <a:off x="2520543" y="1626870"/>
+            <a:ext cx="1722120" cy="1722120"/>
+          </a:xfrm>
+          <a:prstGeom prst="rect">
+            <a:avLst/>
+          </a:prstGeom>
+          <a:noFill/>
+          <a:extLst>
+            <a:ext uri="{909E8E84-426E-40DD-AFC4-6F175D3DCCD1}">
+              <a14:hiddenFill xmlns:a14="http://schemas.microsoft.com/office/drawing/2010/main">
+                <a:solidFill>
+                  <a:srgbClr val="FFFFFF"/>
+                </a:solidFill>
+              </a14:hiddenFill>
+            </a:ext>
+          </a:extLst>
+        </p:spPr>
+      </p:pic>
+      <p:pic>
+        <p:nvPicPr>
+          <p:cNvPr id="2052" name="Picture 4" descr="NumPy logo refresh · Issue #37 · numpy/numpy.org · GitHub">
+            <a:extLst>
+              <a:ext uri="{FF2B5EF4-FFF2-40B4-BE49-F238E27FC236}">
+                <a16:creationId xmlns:a16="http://schemas.microsoft.com/office/drawing/2014/main" id="{A95E6626-E65B-13C3-77EF-9BD8DF4975BB}"/>
+              </a:ext>
+            </a:extLst>
+          </p:cNvPr>
+          <p:cNvPicPr>
+            <a:picLocks noChangeAspect="1" noChangeArrowheads="1"/>
+          </p:cNvPicPr>
+          <p:nvPr/>
+        </p:nvPicPr>
+        <p:blipFill>
+          <a:blip r:embed="rId3">
+            <a:extLst>
+              <a:ext uri="{28A0092B-C50C-407E-A947-70E740481C1C}">
+                <a14:useLocalDpi xmlns:a14="http://schemas.microsoft.com/office/drawing/2010/main" val="0"/>
+              </a:ext>
+            </a:extLst>
+          </a:blip>
+          <a:srcRect/>
+          <a:stretch>
+            <a:fillRect/>
+          </a:stretch>
+        </p:blipFill>
+        <p:spPr bwMode="auto">
+          <a:xfrm>
+            <a:off x="5848750" y="1626871"/>
+            <a:ext cx="1686577" cy="1802130"/>
+          </a:xfrm>
+          <a:prstGeom prst="rect">
+            <a:avLst/>
+          </a:prstGeom>
+          <a:noFill/>
+          <a:extLst>
+            <a:ext uri="{909E8E84-426E-40DD-AFC4-6F175D3DCCD1}">
+              <a14:hiddenFill xmlns:a14="http://schemas.microsoft.com/office/drawing/2010/main">
+                <a:solidFill>
+                  <a:srgbClr val="FFFFFF"/>
+                </a:solidFill>
+              </a14:hiddenFill>
+            </a:ext>
+          </a:extLst>
+        </p:spPr>
+      </p:pic>
+      <p:pic>
+        <p:nvPicPr>
+          <p:cNvPr id="12" name="Picture 4" descr="TensorFlow Logo PNG Vector (SVG) Free Download">
+            <a:extLst>
+              <a:ext uri="{FF2B5EF4-FFF2-40B4-BE49-F238E27FC236}">
+                <a16:creationId xmlns:a16="http://schemas.microsoft.com/office/drawing/2014/main" id="{4330C277-3B48-32C6-C0D0-866633A45128}"/>
+              </a:ext>
+            </a:extLst>
+          </p:cNvPr>
+          <p:cNvPicPr>
+            <a:picLocks noChangeAspect="1" noChangeArrowheads="1"/>
+          </p:cNvPicPr>
+          <p:nvPr/>
+        </p:nvPicPr>
+        <p:blipFill>
+          <a:blip r:embed="rId4">
+            <a:extLst>
+              <a:ext uri="{28A0092B-C50C-407E-A947-70E740481C1C}">
+                <a14:useLocalDpi xmlns:a14="http://schemas.microsoft.com/office/drawing/2010/main" val="0"/>
+              </a:ext>
+            </a:extLst>
+          </a:blip>
+          <a:srcRect/>
+          <a:stretch>
+            <a:fillRect/>
+          </a:stretch>
+        </p:blipFill>
+        <p:spPr bwMode="auto">
+          <a:xfrm>
+            <a:off x="9141413" y="1626870"/>
+            <a:ext cx="1616263" cy="1802524"/>
+          </a:xfrm>
+          <a:prstGeom prst="rect">
+            <a:avLst/>
+          </a:prstGeom>
+          <a:noFill/>
+          <a:extLst>
+            <a:ext uri="{909E8E84-426E-40DD-AFC4-6F175D3DCCD1}">
+              <a14:hiddenFill xmlns:a14="http://schemas.microsoft.com/office/drawing/2010/main">
+                <a:solidFill>
+                  <a:srgbClr val="FFFFFF"/>
+                </a:solidFill>
+              </a14:hiddenFill>
+            </a:ext>
+          </a:extLst>
+        </p:spPr>
+      </p:pic>
+      <p:sp>
+        <p:nvSpPr>
+          <p:cNvPr id="18" name="文本框 17">
+            <a:extLst>
+              <a:ext uri="{FF2B5EF4-FFF2-40B4-BE49-F238E27FC236}">
+                <a16:creationId xmlns:a16="http://schemas.microsoft.com/office/drawing/2014/main" id="{F7088AFF-958D-478F-E1B8-081A024EEB02}"/>
+              </a:ext>
+            </a:extLst>
+          </p:cNvPr>
+          <p:cNvSpPr txBox="1"/>
+          <p:nvPr/>
+        </p:nvSpPr>
+        <p:spPr>
+          <a:xfrm>
+            <a:off x="2831356" y="3757055"/>
+            <a:ext cx="1100494" cy="461665"/>
+          </a:xfrm>
+          <a:prstGeom prst="rect">
+            <a:avLst/>
+          </a:prstGeom>
+          <a:noFill/>
+        </p:spPr>
+        <p:txBody>
+          <a:bodyPr wrap="none" rtlCol="0">
+            <a:spAutoFit/>
+          </a:bodyPr>
+          <a:lstStyle/>
+          <a:p>
+            <a:pPr algn="ctr"/>
+            <a:r>
+              <a:rPr kumimoji="1" lang="en-US" altLang="zh-CN" sz="2400" b="1" dirty="0">
+                <a:solidFill>
+                  <a:schemeClr val="bg1"/>
+                </a:solidFill>
+                <a:latin typeface="Calibri" panose="020F0502020204030204" pitchFamily="34" charset="0"/>
+                <a:ea typeface="Microsoft YaHei" panose="020B0503020204020204" pitchFamily="34" charset="-122"/>
+                <a:cs typeface="Calibri" panose="020F0502020204030204" pitchFamily="34" charset="0"/>
+              </a:rPr>
+              <a:t>Python</a:t>
+            </a:r>
+            <a:endParaRPr kumimoji="1" lang="zh-CN" altLang="en-US" sz="2400" b="1" dirty="0">
+              <a:solidFill>
+                <a:schemeClr val="bg1"/>
+              </a:solidFill>
+              <a:latin typeface="Calibri" panose="020F0502020204030204" pitchFamily="34" charset="0"/>
+              <a:ea typeface="Microsoft YaHei" panose="020B0503020204020204" pitchFamily="34" charset="-122"/>
+              <a:cs typeface="Calibri" panose="020F0502020204030204" pitchFamily="34" charset="0"/>
+            </a:endParaRPr>
+          </a:p>
+        </p:txBody>
+      </p:sp>
+      <p:sp>
+        <p:nvSpPr>
+          <p:cNvPr id="19" name="文本框 18">
+            <a:extLst>
+              <a:ext uri="{FF2B5EF4-FFF2-40B4-BE49-F238E27FC236}">
+                <a16:creationId xmlns:a16="http://schemas.microsoft.com/office/drawing/2014/main" id="{9212AB9C-9AA2-2544-59E0-31256818811E}"/>
+              </a:ext>
+            </a:extLst>
+          </p:cNvPr>
+          <p:cNvSpPr txBox="1"/>
+          <p:nvPr/>
+        </p:nvSpPr>
+        <p:spPr>
+          <a:xfrm>
+            <a:off x="6136469" y="3757055"/>
+            <a:ext cx="1111138" cy="461665"/>
+          </a:xfrm>
+          <a:prstGeom prst="rect">
+            <a:avLst/>
+          </a:prstGeom>
+          <a:noFill/>
+        </p:spPr>
+        <p:txBody>
+          <a:bodyPr wrap="none" rtlCol="0">
+            <a:spAutoFit/>
+          </a:bodyPr>
+          <a:lstStyle/>
+          <a:p>
+            <a:pPr algn="ctr"/>
+            <a:r>
+              <a:rPr kumimoji="1" lang="en-US" altLang="zh-CN" sz="2400" b="1" dirty="0" err="1">
+                <a:solidFill>
+                  <a:schemeClr val="bg1"/>
+                </a:solidFill>
+                <a:latin typeface="Calibri" panose="020F0502020204030204" pitchFamily="34" charset="0"/>
+                <a:ea typeface="Microsoft YaHei" panose="020B0503020204020204" pitchFamily="34" charset="-122"/>
+                <a:cs typeface="Calibri" panose="020F0502020204030204" pitchFamily="34" charset="0"/>
+              </a:rPr>
+              <a:t>Numpy</a:t>
+            </a:r>
+            <a:endParaRPr kumimoji="1" lang="zh-CN" altLang="en-US" sz="2400" b="1" dirty="0">
+              <a:solidFill>
+                <a:schemeClr val="bg1"/>
+              </a:solidFill>
+              <a:latin typeface="Calibri" panose="020F0502020204030204" pitchFamily="34" charset="0"/>
+              <a:ea typeface="Microsoft YaHei" panose="020B0503020204020204" pitchFamily="34" charset="-122"/>
+              <a:cs typeface="Calibri" panose="020F0502020204030204" pitchFamily="34" charset="0"/>
+            </a:endParaRPr>
+          </a:p>
+        </p:txBody>
+      </p:sp>
+      <p:sp>
+        <p:nvSpPr>
+          <p:cNvPr id="20" name="文本框 19">
+            <a:extLst>
+              <a:ext uri="{FF2B5EF4-FFF2-40B4-BE49-F238E27FC236}">
+                <a16:creationId xmlns:a16="http://schemas.microsoft.com/office/drawing/2014/main" id="{B967EB7A-2573-D040-1DD3-FB129D8C1A95}"/>
+              </a:ext>
+            </a:extLst>
+          </p:cNvPr>
+          <p:cNvSpPr txBox="1"/>
+          <p:nvPr/>
+        </p:nvSpPr>
+        <p:spPr>
+          <a:xfrm>
+            <a:off x="9039647" y="3757055"/>
+            <a:ext cx="1819794" cy="461665"/>
+          </a:xfrm>
+          <a:prstGeom prst="rect">
+            <a:avLst/>
+          </a:prstGeom>
+          <a:noFill/>
+        </p:spPr>
+        <p:txBody>
+          <a:bodyPr wrap="none" rtlCol="0">
+            <a:spAutoFit/>
+          </a:bodyPr>
+          <a:lstStyle/>
+          <a:p>
+            <a:pPr algn="ctr"/>
+            <a:r>
+              <a:rPr kumimoji="1" lang="en-US" altLang="zh-CN" sz="2400" b="1" dirty="0" err="1">
+                <a:solidFill>
+                  <a:schemeClr val="bg1"/>
+                </a:solidFill>
+                <a:latin typeface="Calibri" panose="020F0502020204030204" pitchFamily="34" charset="0"/>
+                <a:ea typeface="Microsoft YaHei" panose="020B0503020204020204" pitchFamily="34" charset="-122"/>
+                <a:cs typeface="Calibri" panose="020F0502020204030204" pitchFamily="34" charset="0"/>
+              </a:rPr>
+              <a:t>Tensorflow</a:t>
+            </a:r>
+            <a:r>
+              <a:rPr kumimoji="1" lang="en-US" altLang="zh-CN" sz="2400" b="1" dirty="0">
+                <a:solidFill>
+                  <a:schemeClr val="bg1"/>
+                </a:solidFill>
+                <a:latin typeface="Calibri" panose="020F0502020204030204" pitchFamily="34" charset="0"/>
+                <a:ea typeface="Microsoft YaHei" panose="020B0503020204020204" pitchFamily="34" charset="-122"/>
+                <a:cs typeface="Calibri" panose="020F0502020204030204" pitchFamily="34" charset="0"/>
+              </a:rPr>
+              <a:t> 2</a:t>
+            </a:r>
+            <a:endParaRPr kumimoji="1" lang="zh-CN" altLang="en-US" sz="2400" b="1" dirty="0">
+              <a:solidFill>
+                <a:schemeClr val="bg1"/>
+              </a:solidFill>
+              <a:latin typeface="Calibri" panose="020F0502020204030204" pitchFamily="34" charset="0"/>
+              <a:ea typeface="Microsoft YaHei" panose="020B0503020204020204" pitchFamily="34" charset="-122"/>
+              <a:cs typeface="Calibri" panose="020F0502020204030204" pitchFamily="34" charset="0"/>
+            </a:endParaRPr>
+          </a:p>
+        </p:txBody>
+      </p:sp>
+      <p:sp>
+        <p:nvSpPr>
+          <p:cNvPr id="23" name="圆角矩形 22">
+            <a:extLst>
+              <a:ext uri="{FF2B5EF4-FFF2-40B4-BE49-F238E27FC236}">
+                <a16:creationId xmlns:a16="http://schemas.microsoft.com/office/drawing/2014/main" id="{3FDABFF7-3BEE-0C0A-ABC3-0D99ADA35885}"/>
+              </a:ext>
+            </a:extLst>
+          </p:cNvPr>
+          <p:cNvSpPr/>
+          <p:nvPr/>
+        </p:nvSpPr>
+        <p:spPr>
+          <a:xfrm>
+            <a:off x="2791834" y="4786805"/>
+            <a:ext cx="1179537" cy="640080"/>
+          </a:xfrm>
+          <a:prstGeom prst="roundRect">
+            <a:avLst/>
+          </a:prstGeom>
+          <a:noFill/>
+          <a:ln w="19050">
+            <a:solidFill>
+              <a:srgbClr val="FFD747"/>
+            </a:solidFill>
+          </a:ln>
+        </p:spPr>
+        <p:style>
+          <a:lnRef idx="2">
+            <a:schemeClr val="accent1">
+              <a:shade val="50000"/>
+            </a:schemeClr>
+          </a:lnRef>
+          <a:fillRef idx="1">
+            <a:schemeClr val="accent1"/>
+          </a:fillRef>
+          <a:effectRef idx="0">
+            <a:schemeClr val="accent1"/>
+          </a:effectRef>
+          <a:fontRef idx="minor">
+            <a:schemeClr val="lt1"/>
+          </a:fontRef>
+        </p:style>
+        <p:txBody>
+          <a:bodyPr rtlCol="0" anchor="ctr"/>
+          <a:lstStyle/>
+          <a:p>
+            <a:pPr algn="ctr"/>
+            <a:r>
+              <a:rPr kumimoji="1" lang="en-US" altLang="zh-CN" sz="2000" b="1" dirty="0">
+                <a:latin typeface="Calibri" panose="020F0502020204030204" pitchFamily="34" charset="0"/>
+                <a:cs typeface="Calibri" panose="020F0502020204030204" pitchFamily="34" charset="0"/>
+              </a:rPr>
+              <a:t>tuple</a:t>
+            </a:r>
+            <a:endParaRPr kumimoji="1" lang="zh-CN" altLang="en-US" sz="2000" b="1" dirty="0">
+              <a:latin typeface="Calibri" panose="020F0502020204030204" pitchFamily="34" charset="0"/>
+              <a:cs typeface="Calibri" panose="020F0502020204030204" pitchFamily="34" charset="0"/>
+            </a:endParaRPr>
+          </a:p>
+        </p:txBody>
+      </p:sp>
+      <p:sp>
+        <p:nvSpPr>
+          <p:cNvPr id="22" name="圆角矩形 21">
+            <a:extLst>
+              <a:ext uri="{FF2B5EF4-FFF2-40B4-BE49-F238E27FC236}">
+                <a16:creationId xmlns:a16="http://schemas.microsoft.com/office/drawing/2014/main" id="{83D1AA04-A753-3547-A4FD-16C588B296F6}"/>
+              </a:ext>
+            </a:extLst>
+          </p:cNvPr>
+          <p:cNvSpPr/>
+          <p:nvPr/>
+        </p:nvSpPr>
+        <p:spPr>
+          <a:xfrm>
+            <a:off x="1332560" y="4786805"/>
+            <a:ext cx="1179537" cy="640080"/>
+          </a:xfrm>
+          <a:prstGeom prst="roundRect">
+            <a:avLst/>
+          </a:prstGeom>
+          <a:noFill/>
+          <a:ln w="19050">
+            <a:solidFill>
+              <a:srgbClr val="FFD747"/>
+            </a:solidFill>
+          </a:ln>
+        </p:spPr>
+        <p:style>
+          <a:lnRef idx="2">
+            <a:schemeClr val="accent1">
+              <a:shade val="50000"/>
+            </a:schemeClr>
+          </a:lnRef>
+          <a:fillRef idx="1">
+            <a:schemeClr val="accent1"/>
+          </a:fillRef>
+          <a:effectRef idx="0">
+            <a:schemeClr val="accent1"/>
+          </a:effectRef>
+          <a:fontRef idx="minor">
+            <a:schemeClr val="lt1"/>
+          </a:fontRef>
+        </p:style>
+        <p:txBody>
+          <a:bodyPr rtlCol="0" anchor="ctr"/>
+          <a:lstStyle/>
+          <a:p>
+            <a:pPr algn="ctr"/>
+            <a:r>
+              <a:rPr kumimoji="1" lang="en-US" altLang="zh-CN" sz="2000" b="1" dirty="0">
+                <a:latin typeface="Calibri" panose="020F0502020204030204" pitchFamily="34" charset="0"/>
+                <a:cs typeface="Calibri" panose="020F0502020204030204" pitchFamily="34" charset="0"/>
+              </a:rPr>
+              <a:t>list</a:t>
+            </a:r>
+            <a:endParaRPr kumimoji="1" lang="zh-CN" altLang="en-US" sz="2000" b="1" dirty="0">
+              <a:latin typeface="Calibri" panose="020F0502020204030204" pitchFamily="34" charset="0"/>
+              <a:cs typeface="Calibri" panose="020F0502020204030204" pitchFamily="34" charset="0"/>
+            </a:endParaRPr>
+          </a:p>
+        </p:txBody>
+      </p:sp>
+      <p:sp>
+        <p:nvSpPr>
+          <p:cNvPr id="27" name="圆角矩形 26">
+            <a:extLst>
+              <a:ext uri="{FF2B5EF4-FFF2-40B4-BE49-F238E27FC236}">
+                <a16:creationId xmlns:a16="http://schemas.microsoft.com/office/drawing/2014/main" id="{78D8769C-03DD-99C4-C77D-CD414086A5EF}"/>
+              </a:ext>
+            </a:extLst>
+          </p:cNvPr>
+          <p:cNvSpPr/>
+          <p:nvPr/>
+        </p:nvSpPr>
+        <p:spPr>
+          <a:xfrm>
+            <a:off x="4251108" y="4786805"/>
+            <a:ext cx="1179537" cy="640080"/>
+          </a:xfrm>
+          <a:prstGeom prst="roundRect">
+            <a:avLst/>
+          </a:prstGeom>
+          <a:noFill/>
+          <a:ln w="19050">
+            <a:solidFill>
+              <a:srgbClr val="FFD747"/>
+            </a:solidFill>
+          </a:ln>
+        </p:spPr>
+        <p:style>
+          <a:lnRef idx="2">
+            <a:schemeClr val="accent1">
+              <a:shade val="50000"/>
+            </a:schemeClr>
+          </a:lnRef>
+          <a:fillRef idx="1">
+            <a:schemeClr val="accent1"/>
+          </a:fillRef>
+          <a:effectRef idx="0">
+            <a:schemeClr val="accent1"/>
+          </a:effectRef>
+          <a:fontRef idx="minor">
+            <a:schemeClr val="lt1"/>
+          </a:fontRef>
+        </p:style>
+        <p:txBody>
+          <a:bodyPr rtlCol="0" anchor="ctr"/>
+          <a:lstStyle/>
+          <a:p>
+            <a:pPr algn="ctr"/>
+            <a:r>
+              <a:rPr kumimoji="1" lang="en-US" altLang="zh-CN" sz="2000" b="1" dirty="0" err="1">
+                <a:latin typeface="Calibri" panose="020F0502020204030204" pitchFamily="34" charset="0"/>
+                <a:cs typeface="Calibri" panose="020F0502020204030204" pitchFamily="34" charset="0"/>
+              </a:rPr>
+              <a:t>dict</a:t>
+            </a:r>
+            <a:endParaRPr kumimoji="1" lang="zh-CN" altLang="en-US" sz="2000" b="1" dirty="0">
+              <a:latin typeface="Calibri" panose="020F0502020204030204" pitchFamily="34" charset="0"/>
+              <a:cs typeface="Calibri" panose="020F0502020204030204" pitchFamily="34" charset="0"/>
+            </a:endParaRPr>
+          </a:p>
+        </p:txBody>
+      </p:sp>
+      <p:cxnSp>
+        <p:nvCxnSpPr>
+          <p:cNvPr id="30" name="曲线连接符 29">
+            <a:extLst>
+              <a:ext uri="{FF2B5EF4-FFF2-40B4-BE49-F238E27FC236}">
+                <a16:creationId xmlns:a16="http://schemas.microsoft.com/office/drawing/2014/main" id="{E7562536-06BF-EE75-5941-A65B7FAA764F}"/>
+              </a:ext>
+            </a:extLst>
+          </p:cNvPr>
+          <p:cNvCxnSpPr>
+            <a:cxnSpLocks/>
+            <a:stCxn id="18" idx="2"/>
+            <a:endCxn id="22" idx="0"/>
+          </p:cNvCxnSpPr>
+          <p:nvPr/>
+        </p:nvCxnSpPr>
+        <p:spPr>
+          <a:xfrm rot="5400000">
+            <a:off x="2367924" y="3773125"/>
+            <a:ext cx="568085" cy="1459274"/>
+          </a:xfrm>
+          <a:prstGeom prst="curvedConnector3">
+            <a:avLst/>
+          </a:prstGeom>
+          <a:ln w="28575">
+            <a:solidFill>
+              <a:srgbClr val="FFD747"/>
+            </a:solidFill>
+            <a:tailEnd type="triangle"/>
+          </a:ln>
+        </p:spPr>
+        <p:style>
+          <a:lnRef idx="1">
+            <a:schemeClr val="accent1"/>
+          </a:lnRef>
+          <a:fillRef idx="0">
+            <a:schemeClr val="accent1"/>
+          </a:fillRef>
+          <a:effectRef idx="0">
+            <a:schemeClr val="accent1"/>
+          </a:effectRef>
+          <a:fontRef idx="minor">
+            <a:schemeClr val="tx1"/>
+          </a:fontRef>
+        </p:style>
+      </p:cxnSp>
+      <p:cxnSp>
+        <p:nvCxnSpPr>
+          <p:cNvPr id="32" name="曲线连接符 31">
+            <a:extLst>
+              <a:ext uri="{FF2B5EF4-FFF2-40B4-BE49-F238E27FC236}">
+                <a16:creationId xmlns:a16="http://schemas.microsoft.com/office/drawing/2014/main" id="{9FBFDBF7-3BCF-A4BE-0069-40BF0CCD2FBC}"/>
+              </a:ext>
+            </a:extLst>
+          </p:cNvPr>
+          <p:cNvCxnSpPr>
+            <a:cxnSpLocks/>
+            <a:stCxn id="18" idx="2"/>
+            <a:endCxn id="23" idx="0"/>
+          </p:cNvCxnSpPr>
+          <p:nvPr/>
+        </p:nvCxnSpPr>
+        <p:spPr>
+          <a:xfrm rot="5400000">
+            <a:off x="3097561" y="4502762"/>
+            <a:ext cx="568085" cy="12700"/>
+          </a:xfrm>
+          <a:prstGeom prst="curvedConnector3">
+            <a:avLst>
+              <a:gd name="adj1" fmla="val 50000"/>
+            </a:avLst>
+          </a:prstGeom>
+          <a:ln w="28575">
+            <a:solidFill>
+              <a:srgbClr val="FFD747"/>
+            </a:solidFill>
+            <a:tailEnd type="triangle"/>
+          </a:ln>
+        </p:spPr>
+        <p:style>
+          <a:lnRef idx="1">
+            <a:schemeClr val="accent1"/>
+          </a:lnRef>
+          <a:fillRef idx="0">
+            <a:schemeClr val="accent1"/>
+          </a:fillRef>
+          <a:effectRef idx="0">
+            <a:schemeClr val="accent1"/>
+          </a:effectRef>
+          <a:fontRef idx="minor">
+            <a:schemeClr val="tx1"/>
+          </a:fontRef>
+        </p:style>
+      </p:cxnSp>
+      <p:cxnSp>
+        <p:nvCxnSpPr>
+          <p:cNvPr id="35" name="曲线连接符 34">
+            <a:extLst>
+              <a:ext uri="{FF2B5EF4-FFF2-40B4-BE49-F238E27FC236}">
+                <a16:creationId xmlns:a16="http://schemas.microsoft.com/office/drawing/2014/main" id="{1F9BF289-91B9-FFA7-F833-1D62C8FB43C3}"/>
+              </a:ext>
+            </a:extLst>
+          </p:cNvPr>
+          <p:cNvCxnSpPr>
+            <a:cxnSpLocks/>
+            <a:stCxn id="18" idx="2"/>
+            <a:endCxn id="27" idx="0"/>
+          </p:cNvCxnSpPr>
+          <p:nvPr/>
+        </p:nvCxnSpPr>
+        <p:spPr>
+          <a:xfrm rot="16200000" flipH="1">
+            <a:off x="3827198" y="3773125"/>
+            <a:ext cx="568085" cy="1459274"/>
+          </a:xfrm>
+          <a:prstGeom prst="curvedConnector3">
+            <a:avLst>
+              <a:gd name="adj1" fmla="val 50000"/>
+            </a:avLst>
+          </a:prstGeom>
+          <a:ln w="28575">
+            <a:solidFill>
+              <a:srgbClr val="FFD747"/>
+            </a:solidFill>
+            <a:tailEnd type="triangle"/>
+          </a:ln>
+        </p:spPr>
+        <p:style>
+          <a:lnRef idx="1">
+            <a:schemeClr val="accent1"/>
+          </a:lnRef>
+          <a:fillRef idx="0">
+            <a:schemeClr val="accent1"/>
+          </a:fillRef>
+          <a:effectRef idx="0">
+            <a:schemeClr val="accent1"/>
+          </a:effectRef>
+          <a:fontRef idx="minor">
+            <a:schemeClr val="tx1"/>
+          </a:fontRef>
+        </p:style>
+      </p:cxnSp>
+      <p:sp>
+        <p:nvSpPr>
+          <p:cNvPr id="39" name="圆角矩形 38">
+            <a:extLst>
+              <a:ext uri="{FF2B5EF4-FFF2-40B4-BE49-F238E27FC236}">
+                <a16:creationId xmlns:a16="http://schemas.microsoft.com/office/drawing/2014/main" id="{23629917-7C73-696A-22A3-7FD7C83AF2E0}"/>
+              </a:ext>
+            </a:extLst>
+          </p:cNvPr>
+          <p:cNvSpPr/>
+          <p:nvPr/>
+        </p:nvSpPr>
+        <p:spPr>
+          <a:xfrm>
+            <a:off x="6102269" y="4799591"/>
+            <a:ext cx="1179537" cy="640080"/>
+          </a:xfrm>
+          <a:prstGeom prst="roundRect">
+            <a:avLst/>
+          </a:prstGeom>
+          <a:noFill/>
+          <a:ln w="19050">
+            <a:solidFill>
+              <a:srgbClr val="5D7FD3"/>
+            </a:solidFill>
+          </a:ln>
+        </p:spPr>
+        <p:style>
+          <a:lnRef idx="2">
+            <a:schemeClr val="accent1">
+              <a:shade val="50000"/>
+            </a:schemeClr>
+          </a:lnRef>
+          <a:fillRef idx="1">
+            <a:schemeClr val="accent1"/>
+          </a:fillRef>
+          <a:effectRef idx="0">
+            <a:schemeClr val="accent1"/>
+          </a:effectRef>
+          <a:fontRef idx="minor">
+            <a:schemeClr val="lt1"/>
+          </a:fontRef>
+        </p:style>
+        <p:txBody>
+          <a:bodyPr rtlCol="0" anchor="ctr"/>
+          <a:lstStyle/>
+          <a:p>
+            <a:pPr algn="ctr"/>
+            <a:r>
+              <a:rPr kumimoji="1" lang="en-US" altLang="zh-CN" sz="2000" b="1" dirty="0" err="1">
+                <a:latin typeface="Calibri" panose="020F0502020204030204" pitchFamily="34" charset="0"/>
+                <a:cs typeface="Calibri" panose="020F0502020204030204" pitchFamily="34" charset="0"/>
+              </a:rPr>
+              <a:t>ndarray</a:t>
+            </a:r>
+            <a:endParaRPr kumimoji="1" lang="zh-CN" altLang="en-US" sz="2000" b="1" dirty="0">
+              <a:latin typeface="Calibri" panose="020F0502020204030204" pitchFamily="34" charset="0"/>
+              <a:cs typeface="Calibri" panose="020F0502020204030204" pitchFamily="34" charset="0"/>
+            </a:endParaRPr>
+          </a:p>
+        </p:txBody>
+      </p:sp>
+      <p:cxnSp>
+        <p:nvCxnSpPr>
+          <p:cNvPr id="40" name="曲线连接符 39">
+            <a:extLst>
+              <a:ext uri="{FF2B5EF4-FFF2-40B4-BE49-F238E27FC236}">
+                <a16:creationId xmlns:a16="http://schemas.microsoft.com/office/drawing/2014/main" id="{47991671-3CF6-26E1-054D-0BE0A912FACD}"/>
+              </a:ext>
+            </a:extLst>
+          </p:cNvPr>
+          <p:cNvCxnSpPr>
+            <a:cxnSpLocks/>
+            <a:stCxn id="19" idx="2"/>
+            <a:endCxn id="39" idx="0"/>
+          </p:cNvCxnSpPr>
+          <p:nvPr/>
+        </p:nvCxnSpPr>
+        <p:spPr>
+          <a:xfrm rot="5400000">
+            <a:off x="6401603" y="4509155"/>
+            <a:ext cx="580871" cy="12700"/>
+          </a:xfrm>
+          <a:prstGeom prst="curvedConnector3">
+            <a:avLst>
+              <a:gd name="adj1" fmla="val 50000"/>
+            </a:avLst>
+          </a:prstGeom>
+          <a:ln w="28575">
+            <a:solidFill>
+              <a:srgbClr val="5D7FD3"/>
+            </a:solidFill>
+            <a:tailEnd type="triangle"/>
+          </a:ln>
+        </p:spPr>
+        <p:style>
+          <a:lnRef idx="1">
+            <a:schemeClr val="accent1"/>
+          </a:lnRef>
+          <a:fillRef idx="0">
+            <a:schemeClr val="accent1"/>
+          </a:fillRef>
+          <a:effectRef idx="0">
+            <a:schemeClr val="accent1"/>
+          </a:effectRef>
+          <a:fontRef idx="minor">
+            <a:schemeClr val="tx1"/>
+          </a:fontRef>
+        </p:style>
+      </p:cxnSp>
+      <p:sp>
+        <p:nvSpPr>
+          <p:cNvPr id="45" name="圆角矩形 44">
+            <a:extLst>
+              <a:ext uri="{FF2B5EF4-FFF2-40B4-BE49-F238E27FC236}">
+                <a16:creationId xmlns:a16="http://schemas.microsoft.com/office/drawing/2014/main" id="{3A3EF4AF-F818-BDD1-2CFA-E140AA7F8761}"/>
+              </a:ext>
+            </a:extLst>
+          </p:cNvPr>
+          <p:cNvSpPr/>
+          <p:nvPr/>
+        </p:nvSpPr>
+        <p:spPr>
+          <a:xfrm>
+            <a:off x="9359775" y="4793155"/>
+            <a:ext cx="1179537" cy="640080"/>
+          </a:xfrm>
+          <a:prstGeom prst="roundRect">
+            <a:avLst/>
+          </a:prstGeom>
+          <a:noFill/>
+          <a:ln w="19050">
+            <a:solidFill>
+              <a:srgbClr val="FF8200"/>
+            </a:solidFill>
+          </a:ln>
+        </p:spPr>
+        <p:style>
+          <a:lnRef idx="2">
+            <a:schemeClr val="accent1">
+              <a:shade val="50000"/>
+            </a:schemeClr>
+          </a:lnRef>
+          <a:fillRef idx="1">
+            <a:schemeClr val="accent1"/>
+          </a:fillRef>
+          <a:effectRef idx="0">
+            <a:schemeClr val="accent1"/>
+          </a:effectRef>
+          <a:fontRef idx="minor">
+            <a:schemeClr val="lt1"/>
+          </a:fontRef>
+        </p:style>
+        <p:txBody>
+          <a:bodyPr rtlCol="0" anchor="ctr"/>
+          <a:lstStyle/>
+          <a:p>
+            <a:pPr algn="ctr"/>
+            <a:r>
+              <a:rPr kumimoji="1" lang="en-US" altLang="zh-CN" sz="2000" b="1" dirty="0">
+                <a:latin typeface="Calibri" panose="020F0502020204030204" pitchFamily="34" charset="0"/>
+                <a:cs typeface="Calibri" panose="020F0502020204030204" pitchFamily="34" charset="0"/>
+              </a:rPr>
+              <a:t>Tensor</a:t>
+            </a:r>
+            <a:endParaRPr kumimoji="1" lang="zh-CN" altLang="en-US" sz="2000" b="1" dirty="0">
+              <a:latin typeface="Calibri" panose="020F0502020204030204" pitchFamily="34" charset="0"/>
+              <a:cs typeface="Calibri" panose="020F0502020204030204" pitchFamily="34" charset="0"/>
+            </a:endParaRPr>
+          </a:p>
+        </p:txBody>
+      </p:sp>
+      <p:cxnSp>
+        <p:nvCxnSpPr>
+          <p:cNvPr id="46" name="曲线连接符 45">
+            <a:extLst>
+              <a:ext uri="{FF2B5EF4-FFF2-40B4-BE49-F238E27FC236}">
+                <a16:creationId xmlns:a16="http://schemas.microsoft.com/office/drawing/2014/main" id="{929F3D86-99FB-D79F-9EE7-04DB82968E96}"/>
+              </a:ext>
+            </a:extLst>
+          </p:cNvPr>
+          <p:cNvCxnSpPr>
+            <a:cxnSpLocks/>
+            <a:stCxn id="20" idx="2"/>
+            <a:endCxn id="45" idx="0"/>
+          </p:cNvCxnSpPr>
+          <p:nvPr/>
+        </p:nvCxnSpPr>
+        <p:spPr>
+          <a:xfrm rot="5400000">
+            <a:off x="9662327" y="4505937"/>
+            <a:ext cx="574435" cy="12700"/>
+          </a:xfrm>
+          <a:prstGeom prst="curvedConnector3">
+            <a:avLst>
+              <a:gd name="adj1" fmla="val 50000"/>
+            </a:avLst>
+          </a:prstGeom>
+          <a:ln w="28575">
+            <a:solidFill>
+              <a:srgbClr val="FF8200"/>
+            </a:solidFill>
+            <a:tailEnd type="triangle"/>
+          </a:ln>
+        </p:spPr>
+        <p:style>
+          <a:lnRef idx="1">
+            <a:schemeClr val="accent1"/>
+          </a:lnRef>
+          <a:fillRef idx="0">
+            <a:schemeClr val="accent1"/>
+          </a:fillRef>
+          <a:effectRef idx="0">
+            <a:schemeClr val="accent1"/>
+          </a:effectRef>
+          <a:fontRef idx="minor">
+            <a:schemeClr val="tx1"/>
+          </a:fontRef>
+        </p:style>
+      </p:cxnSp>
+    </p:spTree>
+    <p:extLst>
+      <p:ext uri="{BB962C8B-B14F-4D97-AF65-F5344CB8AC3E}">
+        <p14:creationId xmlns:p14="http://schemas.microsoft.com/office/powerpoint/2010/main" val="67057156"/>
+      </p:ext>
+    </p:extLst>
+  </p:cSld>
+  <p:clrMapOvr>
+    <a:masterClrMapping/>
+  </p:clrMapOvr>
+</p:sld>
+</file>
+
+<file path=ppt/slides/slide7.xml><?xml version="1.0" encoding="utf-8"?>
+<p:sld xmlns:a="http://schemas.openxmlformats.org/drawingml/2006/main" xmlns:r="http://schemas.openxmlformats.org/officeDocument/2006/relationships" xmlns:p="http://schemas.openxmlformats.org/presentationml/2006/main">
+  <p:cSld>
+    <p:spTree>
+      <p:nvGrpSpPr>
+        <p:cNvPr id="1" name=""/>
+        <p:cNvGrpSpPr/>
+        <p:nvPr/>
+      </p:nvGrpSpPr>
+      <p:grpSpPr>
+        <a:xfrm>
+          <a:off x="0" y="0"/>
+          <a:ext cx="0" cy="0"/>
+          <a:chOff x="0" y="0"/>
+          <a:chExt cx="0" cy="0"/>
+        </a:xfrm>
+      </p:grpSpPr>
+      <p:sp>
+        <p:nvSpPr>
+          <p:cNvPr id="2" name="标题 1">
+            <a:extLst>
+              <a:ext uri="{FF2B5EF4-FFF2-40B4-BE49-F238E27FC236}">
+                <a16:creationId xmlns:a16="http://schemas.microsoft.com/office/drawing/2014/main" id="{27D0CEE1-F419-87BA-D8EA-763113EE9D2D}"/>
+              </a:ext>
+            </a:extLst>
+          </p:cNvPr>
+          <p:cNvSpPr>
+            <a:spLocks noGrp="1"/>
+          </p:cNvSpPr>
+          <p:nvPr>
+            <p:ph type="title"/>
+          </p:nvPr>
+        </p:nvSpPr>
+        <p:spPr/>
+        <p:txBody>
+          <a:bodyPr/>
+          <a:lstStyle/>
+          <a:p>
+            <a:r>
+              <a:rPr kumimoji="1" lang="en-US" altLang="zh-CN" dirty="0"/>
+              <a:t>Container</a:t>
+            </a:r>
+            <a:endParaRPr kumimoji="1" lang="zh-CN" altLang="en-US" dirty="0"/>
+          </a:p>
+        </p:txBody>
+      </p:sp>
+      <p:grpSp>
+        <p:nvGrpSpPr>
+          <p:cNvPr id="2124" name="组合 2123">
+            <a:extLst>
+              <a:ext uri="{FF2B5EF4-FFF2-40B4-BE49-F238E27FC236}">
+                <a16:creationId xmlns:a16="http://schemas.microsoft.com/office/drawing/2014/main" id="{3BF6DC9B-4C19-F479-7575-EADA933D0377}"/>
+              </a:ext>
+            </a:extLst>
+          </p:cNvPr>
+          <p:cNvGrpSpPr/>
+          <p:nvPr/>
+        </p:nvGrpSpPr>
+        <p:grpSpPr>
+          <a:xfrm>
+            <a:off x="750036" y="1114234"/>
+            <a:ext cx="8533664" cy="4965268"/>
+            <a:chOff x="750036" y="1114234"/>
+            <a:chExt cx="8533664" cy="4965268"/>
+          </a:xfrm>
+        </p:grpSpPr>
+        <p:grpSp>
+          <p:nvGrpSpPr>
+            <p:cNvPr id="2123" name="组合 2122">
+              <a:extLst>
+                <a:ext uri="{FF2B5EF4-FFF2-40B4-BE49-F238E27FC236}">
+                  <a16:creationId xmlns:a16="http://schemas.microsoft.com/office/drawing/2014/main" id="{EF4244EA-60B8-4631-16E6-5A6A259EDFEC}"/>
+                </a:ext>
+              </a:extLst>
+            </p:cNvPr>
+            <p:cNvGrpSpPr/>
+            <p:nvPr/>
+          </p:nvGrpSpPr>
+          <p:grpSpPr>
+            <a:xfrm>
+              <a:off x="750036" y="1114234"/>
+              <a:ext cx="8533664" cy="662569"/>
+              <a:chOff x="750036" y="1114234"/>
+              <a:chExt cx="8533664" cy="662569"/>
+            </a:xfrm>
+          </p:grpSpPr>
+          <p:pic>
+            <p:nvPicPr>
+              <p:cNvPr id="2050" name="Picture 2">
+                <a:extLst>
+                  <a:ext uri="{FF2B5EF4-FFF2-40B4-BE49-F238E27FC236}">
+                    <a16:creationId xmlns:a16="http://schemas.microsoft.com/office/drawing/2014/main" id="{7D465AB0-2E88-DF6D-9F8F-C29CCCB7E111}"/>
+                  </a:ext>
+                </a:extLst>
+              </p:cNvPr>
+              <p:cNvPicPr>
+                <a:picLocks noChangeAspect="1" noChangeArrowheads="1"/>
+              </p:cNvPicPr>
+              <p:nvPr/>
+            </p:nvPicPr>
+            <p:blipFill>
+              <a:blip r:embed="rId2">
+                <a:extLst>
+                  <a:ext uri="{28A0092B-C50C-407E-A947-70E740481C1C}">
+                    <a14:useLocalDpi xmlns:a14="http://schemas.microsoft.com/office/drawing/2010/main" val="0"/>
+                  </a:ext>
+                </a:extLst>
+              </a:blip>
+              <a:srcRect/>
+              <a:stretch>
+                <a:fillRect/>
+              </a:stretch>
+            </p:blipFill>
+            <p:spPr bwMode="auto">
+              <a:xfrm>
+                <a:off x="750036" y="1129011"/>
+                <a:ext cx="633014" cy="633014"/>
+              </a:xfrm>
+              <a:prstGeom prst="rect">
+                <a:avLst/>
+              </a:prstGeom>
+              <a:noFill/>
+              <a:extLst>
+                <a:ext uri="{909E8E84-426E-40DD-AFC4-6F175D3DCCD1}">
+                  <a14:hiddenFill xmlns:a14="http://schemas.microsoft.com/office/drawing/2010/main">
+                    <a:solidFill>
+                      <a:srgbClr val="FFFFFF"/>
+                    </a:solidFill>
+                  </a14:hiddenFill>
+                </a:ext>
+              </a:extLst>
+            </p:spPr>
+          </p:pic>
+          <p:pic>
+            <p:nvPicPr>
+              <p:cNvPr id="12" name="Picture 4" descr="TensorFlow Logo PNG Vector (SVG) Free Download">
+                <a:extLst>
+                  <a:ext uri="{FF2B5EF4-FFF2-40B4-BE49-F238E27FC236}">
+                    <a16:creationId xmlns:a16="http://schemas.microsoft.com/office/drawing/2014/main" id="{4330C277-3B48-32C6-C0D0-866633A45128}"/>
+                  </a:ext>
+                </a:extLst>
+              </p:cNvPr>
+              <p:cNvPicPr>
+                <a:picLocks noChangeAspect="1" noChangeArrowheads="1"/>
+              </p:cNvPicPr>
+              <p:nvPr/>
+            </p:nvPicPr>
+            <p:blipFill>
+              <a:blip r:embed="rId3">
+                <a:extLst>
+                  <a:ext uri="{28A0092B-C50C-407E-A947-70E740481C1C}">
+                    <a14:useLocalDpi xmlns:a14="http://schemas.microsoft.com/office/drawing/2010/main" val="0"/>
+                  </a:ext>
+                </a:extLst>
+              </a:blip>
+              <a:srcRect/>
+              <a:stretch>
+                <a:fillRect/>
+              </a:stretch>
+            </p:blipFill>
+            <p:spPr bwMode="auto">
+              <a:xfrm>
+                <a:off x="2120562" y="1114234"/>
+                <a:ext cx="594103" cy="662569"/>
+              </a:xfrm>
+              <a:prstGeom prst="rect">
+                <a:avLst/>
+              </a:prstGeom>
+              <a:noFill/>
+              <a:extLst>
+                <a:ext uri="{909E8E84-426E-40DD-AFC4-6F175D3DCCD1}">
+                  <a14:hiddenFill xmlns:a14="http://schemas.microsoft.com/office/drawing/2010/main">
+                    <a:solidFill>
+                      <a:srgbClr val="FFFFFF"/>
+                    </a:solidFill>
+                  </a14:hiddenFill>
+                </a:ext>
+              </a:extLst>
+            </p:spPr>
+          </p:pic>
+          <p:sp>
+            <p:nvSpPr>
+              <p:cNvPr id="2085" name="右箭头 2084">
+                <a:extLst>
+                  <a:ext uri="{FF2B5EF4-FFF2-40B4-BE49-F238E27FC236}">
+                    <a16:creationId xmlns:a16="http://schemas.microsoft.com/office/drawing/2014/main" id="{2195721B-CE2E-59B5-E39B-C96E70401059}"/>
+                  </a:ext>
+                </a:extLst>
+              </p:cNvPr>
+              <p:cNvSpPr/>
+              <p:nvPr/>
+            </p:nvSpPr>
+            <p:spPr>
+              <a:xfrm>
+                <a:off x="1520011" y="1206980"/>
+                <a:ext cx="457200" cy="477077"/>
+              </a:xfrm>
+              <a:prstGeom prst="rightArrow">
+                <a:avLst/>
+              </a:prstGeom>
+            </p:spPr>
+            <p:style>
+              <a:lnRef idx="2">
+                <a:schemeClr val="accent1">
+                  <a:shade val="50000"/>
+                </a:schemeClr>
+              </a:lnRef>
+              <a:fillRef idx="1">
+                <a:schemeClr val="accent1"/>
+              </a:fillRef>
+              <a:effectRef idx="0">
+                <a:schemeClr val="accent1"/>
+              </a:effectRef>
+              <a:fontRef idx="minor">
+                <a:schemeClr val="lt1"/>
+              </a:fontRef>
+            </p:style>
+            <p:txBody>
+              <a:bodyPr rtlCol="0" anchor="ctr"/>
+              <a:lstStyle/>
+              <a:p>
+                <a:pPr algn="ctr"/>
+                <a:endParaRPr kumimoji="1" lang="zh-CN" altLang="en-US"/>
+              </a:p>
+            </p:txBody>
+          </p:sp>
+          <p:sp>
+            <p:nvSpPr>
+              <p:cNvPr id="2087" name="文本框 2086">
+                <a:extLst>
+                  <a:ext uri="{FF2B5EF4-FFF2-40B4-BE49-F238E27FC236}">
+                    <a16:creationId xmlns:a16="http://schemas.microsoft.com/office/drawing/2014/main" id="{F987AA4A-4003-DE5C-A2EB-DE88034E3613}"/>
+                  </a:ext>
+                </a:extLst>
+              </p:cNvPr>
+              <p:cNvSpPr txBox="1"/>
+              <p:nvPr/>
+            </p:nvSpPr>
+            <p:spPr>
+              <a:xfrm>
+                <a:off x="3111500" y="1260852"/>
+                <a:ext cx="6172200" cy="369332"/>
+              </a:xfrm>
+              <a:prstGeom prst="rect">
+                <a:avLst/>
+              </a:prstGeom>
+              <a:noFill/>
+            </p:spPr>
+            <p:txBody>
+              <a:bodyPr wrap="square">
+                <a:spAutoFit/>
+              </a:bodyPr>
+              <a:lstStyle/>
+              <a:p>
+                <a:r>
+                  <a:rPr lang="en" altLang="zh-CN" dirty="0">
+                    <a:solidFill>
+                      <a:srgbClr val="FFFFFF"/>
+                    </a:solidFill>
+                    <a:effectLst/>
+                    <a:latin typeface="Menlo" panose="020B0609030804020204" pitchFamily="49" charset="0"/>
+                  </a:rPr>
+                  <a:t>x = </a:t>
+                </a:r>
+                <a:r>
+                  <a:rPr lang="en" altLang="zh-CN" dirty="0" err="1">
+                    <a:solidFill>
+                      <a:srgbClr val="FFFFFF"/>
+                    </a:solidFill>
+                    <a:effectLst/>
+                    <a:latin typeface="Menlo" panose="020B0609030804020204" pitchFamily="49" charset="0"/>
+                  </a:rPr>
+                  <a:t>tf.constant</a:t>
+                </a:r>
+                <a:r>
+                  <a:rPr lang="en" altLang="zh-CN" dirty="0">
+                    <a:solidFill>
+                      <a:srgbClr val="FFFFFF"/>
+                    </a:solidFill>
+                    <a:effectLst/>
+                    <a:latin typeface="Menlo" panose="020B0609030804020204" pitchFamily="49" charset="0"/>
+                  </a:rPr>
+                  <a:t>([</a:t>
+                </a:r>
+                <a:r>
+                  <a:rPr lang="en" altLang="zh-CN" dirty="0">
+                    <a:solidFill>
+                      <a:srgbClr val="C74C51"/>
+                    </a:solidFill>
+                    <a:effectLst/>
+                    <a:latin typeface="Menlo" panose="020B0609030804020204" pitchFamily="49" charset="0"/>
+                  </a:rPr>
+                  <a:t>1</a:t>
+                </a:r>
+                <a:r>
+                  <a:rPr lang="en" altLang="zh-CN" dirty="0">
+                    <a:solidFill>
+                      <a:srgbClr val="FFFFFF"/>
+                    </a:solidFill>
+                    <a:effectLst/>
+                    <a:latin typeface="Menlo" panose="020B0609030804020204" pitchFamily="49" charset="0"/>
+                  </a:rPr>
+                  <a:t>, </a:t>
+                </a:r>
+                <a:r>
+                  <a:rPr lang="en" altLang="zh-CN" dirty="0">
+                    <a:solidFill>
+                      <a:srgbClr val="C74C51"/>
+                    </a:solidFill>
+                    <a:effectLst/>
+                    <a:latin typeface="Menlo" panose="020B0609030804020204" pitchFamily="49" charset="0"/>
+                  </a:rPr>
+                  <a:t>2</a:t>
+                </a:r>
+                <a:r>
+                  <a:rPr lang="en" altLang="zh-CN" dirty="0">
+                    <a:solidFill>
+                      <a:srgbClr val="FFFFFF"/>
+                    </a:solidFill>
+                    <a:effectLst/>
+                    <a:latin typeface="Menlo" panose="020B0609030804020204" pitchFamily="49" charset="0"/>
+                  </a:rPr>
+                  <a:t>, </a:t>
+                </a:r>
+                <a:r>
+                  <a:rPr lang="en" altLang="zh-CN" dirty="0">
+                    <a:solidFill>
+                      <a:srgbClr val="C74C51"/>
+                    </a:solidFill>
+                    <a:effectLst/>
+                    <a:latin typeface="Menlo" panose="020B0609030804020204" pitchFamily="49" charset="0"/>
+                  </a:rPr>
+                  <a:t>3</a:t>
+                </a:r>
+                <a:r>
+                  <a:rPr lang="en" altLang="zh-CN" dirty="0">
+                    <a:solidFill>
+                      <a:srgbClr val="FFFFFF"/>
+                    </a:solidFill>
+                    <a:effectLst/>
+                    <a:latin typeface="Menlo" panose="020B0609030804020204" pitchFamily="49" charset="0"/>
+                  </a:rPr>
+                  <a:t>, </a:t>
+                </a:r>
+                <a:r>
+                  <a:rPr lang="en" altLang="zh-CN" dirty="0">
+                    <a:solidFill>
+                      <a:srgbClr val="C74C51"/>
+                    </a:solidFill>
+                    <a:effectLst/>
+                    <a:latin typeface="Menlo" panose="020B0609030804020204" pitchFamily="49" charset="0"/>
+                  </a:rPr>
+                  <a:t>4</a:t>
+                </a:r>
+                <a:r>
+                  <a:rPr lang="en" altLang="zh-CN" dirty="0">
+                    <a:solidFill>
+                      <a:srgbClr val="FFFFFF"/>
+                    </a:solidFill>
+                    <a:effectLst/>
+                    <a:latin typeface="Menlo" panose="020B0609030804020204" pitchFamily="49" charset="0"/>
+                  </a:rPr>
+                  <a:t>])</a:t>
+                </a:r>
+              </a:p>
+            </p:txBody>
+          </p:sp>
+        </p:grpSp>
+        <p:grpSp>
+          <p:nvGrpSpPr>
+            <p:cNvPr id="2122" name="组合 2121">
+              <a:extLst>
+                <a:ext uri="{FF2B5EF4-FFF2-40B4-BE49-F238E27FC236}">
+                  <a16:creationId xmlns:a16="http://schemas.microsoft.com/office/drawing/2014/main" id="{859E3713-0CDC-CF6E-1B3E-7B171299ACDF}"/>
+                </a:ext>
+              </a:extLst>
+            </p:cNvPr>
+            <p:cNvGrpSpPr/>
+            <p:nvPr/>
+          </p:nvGrpSpPr>
+          <p:grpSpPr>
+            <a:xfrm>
+              <a:off x="750036" y="1973942"/>
+              <a:ext cx="8533664" cy="662424"/>
+              <a:chOff x="750036" y="1932619"/>
+              <a:chExt cx="8533664" cy="662424"/>
+            </a:xfrm>
+          </p:grpSpPr>
+          <p:pic>
+            <p:nvPicPr>
+              <p:cNvPr id="2052" name="Picture 4" descr="NumPy logo refresh · Issue #37 · numpy/numpy.org · GitHub">
+                <a:extLst>
+                  <a:ext uri="{FF2B5EF4-FFF2-40B4-BE49-F238E27FC236}">
+                    <a16:creationId xmlns:a16="http://schemas.microsoft.com/office/drawing/2014/main" id="{A95E6626-E65B-13C3-77EF-9BD8DF4975BB}"/>
+                  </a:ext>
+                </a:extLst>
+              </p:cNvPr>
+              <p:cNvPicPr>
+                <a:picLocks noChangeAspect="1" noChangeArrowheads="1"/>
+              </p:cNvPicPr>
+              <p:nvPr/>
+            </p:nvPicPr>
+            <p:blipFill>
+              <a:blip r:embed="rId4">
+                <a:extLst>
+                  <a:ext uri="{28A0092B-C50C-407E-A947-70E740481C1C}">
+                    <a14:useLocalDpi xmlns:a14="http://schemas.microsoft.com/office/drawing/2010/main" val="0"/>
+                  </a:ext>
+                </a:extLst>
+              </a:blip>
+              <a:srcRect/>
+              <a:stretch>
+                <a:fillRect/>
+              </a:stretch>
+            </p:blipFill>
+            <p:spPr bwMode="auto">
+              <a:xfrm>
+                <a:off x="2107639" y="1932619"/>
+                <a:ext cx="619949" cy="662424"/>
+              </a:xfrm>
+              <a:prstGeom prst="rect">
+                <a:avLst/>
+              </a:prstGeom>
+              <a:noFill/>
+              <a:extLst>
+                <a:ext uri="{909E8E84-426E-40DD-AFC4-6F175D3DCCD1}">
+                  <a14:hiddenFill xmlns:a14="http://schemas.microsoft.com/office/drawing/2010/main">
+                    <a:solidFill>
+                      <a:srgbClr val="FFFFFF"/>
+                    </a:solidFill>
+                  </a14:hiddenFill>
+                </a:ext>
+              </a:extLst>
+            </p:spPr>
+          </p:pic>
+          <p:pic>
+            <p:nvPicPr>
+              <p:cNvPr id="2089" name="Picture 2">
+                <a:extLst>
+                  <a:ext uri="{FF2B5EF4-FFF2-40B4-BE49-F238E27FC236}">
+                    <a16:creationId xmlns:a16="http://schemas.microsoft.com/office/drawing/2014/main" id="{A5B02377-FB4A-EE3E-04F8-441FB722F9C1}"/>
+                  </a:ext>
+                </a:extLst>
+              </p:cNvPr>
+              <p:cNvPicPr>
+                <a:picLocks noChangeAspect="1" noChangeArrowheads="1"/>
+              </p:cNvPicPr>
+              <p:nvPr/>
+            </p:nvPicPr>
+            <p:blipFill>
+              <a:blip r:embed="rId2">
+                <a:extLst>
+                  <a:ext uri="{28A0092B-C50C-407E-A947-70E740481C1C}">
+                    <a14:useLocalDpi xmlns:a14="http://schemas.microsoft.com/office/drawing/2010/main" val="0"/>
+                  </a:ext>
+                </a:extLst>
+              </a:blip>
+              <a:srcRect/>
+              <a:stretch>
+                <a:fillRect/>
+              </a:stretch>
+            </p:blipFill>
+            <p:spPr bwMode="auto">
+              <a:xfrm>
+                <a:off x="750036" y="1932619"/>
+                <a:ext cx="633014" cy="633014"/>
+              </a:xfrm>
+              <a:prstGeom prst="rect">
+                <a:avLst/>
+              </a:prstGeom>
+              <a:noFill/>
+              <a:extLst>
+                <a:ext uri="{909E8E84-426E-40DD-AFC4-6F175D3DCCD1}">
+                  <a14:hiddenFill xmlns:a14="http://schemas.microsoft.com/office/drawing/2010/main">
+                    <a:solidFill>
+                      <a:srgbClr val="FFFFFF"/>
+                    </a:solidFill>
+                  </a14:hiddenFill>
+                </a:ext>
+              </a:extLst>
+            </p:spPr>
+          </p:pic>
+          <p:sp>
+            <p:nvSpPr>
+              <p:cNvPr id="2091" name="右箭头 2090">
+                <a:extLst>
+                  <a:ext uri="{FF2B5EF4-FFF2-40B4-BE49-F238E27FC236}">
+                    <a16:creationId xmlns:a16="http://schemas.microsoft.com/office/drawing/2014/main" id="{53B5A43D-442B-9219-233E-F51CADD27A7D}"/>
+                  </a:ext>
+                </a:extLst>
+              </p:cNvPr>
+              <p:cNvSpPr/>
+              <p:nvPr/>
+            </p:nvSpPr>
+            <p:spPr>
+              <a:xfrm>
+                <a:off x="1520011" y="2010588"/>
+                <a:ext cx="457200" cy="477077"/>
+              </a:xfrm>
+              <a:prstGeom prst="rightArrow">
+                <a:avLst/>
+              </a:prstGeom>
+            </p:spPr>
+            <p:style>
+              <a:lnRef idx="2">
+                <a:schemeClr val="accent1">
+                  <a:shade val="50000"/>
+                </a:schemeClr>
+              </a:lnRef>
+              <a:fillRef idx="1">
+                <a:schemeClr val="accent1"/>
+              </a:fillRef>
+              <a:effectRef idx="0">
+                <a:schemeClr val="accent1"/>
+              </a:effectRef>
+              <a:fontRef idx="minor">
+                <a:schemeClr val="lt1"/>
+              </a:fontRef>
+            </p:style>
+            <p:txBody>
+              <a:bodyPr rtlCol="0" anchor="ctr"/>
+              <a:lstStyle/>
+              <a:p>
+                <a:pPr algn="ctr"/>
+                <a:endParaRPr kumimoji="1" lang="zh-CN" altLang="en-US"/>
+              </a:p>
+            </p:txBody>
+          </p:sp>
+          <p:sp>
+            <p:nvSpPr>
+              <p:cNvPr id="2093" name="文本框 2092">
+                <a:extLst>
+                  <a:ext uri="{FF2B5EF4-FFF2-40B4-BE49-F238E27FC236}">
+                    <a16:creationId xmlns:a16="http://schemas.microsoft.com/office/drawing/2014/main" id="{088DDBA4-7A0E-7005-4268-2F18D9B0F4CF}"/>
+                  </a:ext>
+                </a:extLst>
+              </p:cNvPr>
+              <p:cNvSpPr txBox="1"/>
+              <p:nvPr/>
+            </p:nvSpPr>
+            <p:spPr>
+              <a:xfrm>
+                <a:off x="3111500" y="2079165"/>
+                <a:ext cx="6172200" cy="369332"/>
+              </a:xfrm>
+              <a:prstGeom prst="rect">
+                <a:avLst/>
+              </a:prstGeom>
+              <a:noFill/>
+            </p:spPr>
+            <p:txBody>
+              <a:bodyPr wrap="square">
+                <a:spAutoFit/>
+              </a:bodyPr>
+              <a:lstStyle/>
+              <a:p>
+                <a:r>
+                  <a:rPr lang="en" altLang="zh-CN" dirty="0">
+                    <a:solidFill>
+                      <a:srgbClr val="FFFFFF"/>
+                    </a:solidFill>
+                    <a:effectLst/>
+                    <a:latin typeface="Menlo" panose="020B0609030804020204" pitchFamily="49" charset="0"/>
+                  </a:rPr>
+                  <a:t>x = </a:t>
+                </a:r>
+                <a:r>
+                  <a:rPr lang="en" altLang="zh-CN" dirty="0" err="1">
+                    <a:solidFill>
+                      <a:srgbClr val="FFFFFF"/>
+                    </a:solidFill>
+                    <a:effectLst/>
+                    <a:latin typeface="Menlo" panose="020B0609030804020204" pitchFamily="49" charset="0"/>
+                  </a:rPr>
+                  <a:t>np.array</a:t>
+                </a:r>
+                <a:r>
+                  <a:rPr lang="en" altLang="zh-CN" dirty="0">
+                    <a:solidFill>
+                      <a:srgbClr val="FFFFFF"/>
+                    </a:solidFill>
+                    <a:effectLst/>
+                    <a:latin typeface="Menlo" panose="020B0609030804020204" pitchFamily="49" charset="0"/>
+                  </a:rPr>
+                  <a:t>([</a:t>
+                </a:r>
+                <a:r>
+                  <a:rPr lang="en" altLang="zh-CN" dirty="0">
+                    <a:solidFill>
+                      <a:srgbClr val="C74C51"/>
+                    </a:solidFill>
+                    <a:effectLst/>
+                    <a:latin typeface="Menlo" panose="020B0609030804020204" pitchFamily="49" charset="0"/>
+                  </a:rPr>
+                  <a:t>1</a:t>
+                </a:r>
+                <a:r>
+                  <a:rPr lang="en" altLang="zh-CN" dirty="0">
+                    <a:solidFill>
+                      <a:srgbClr val="FFFFFF"/>
+                    </a:solidFill>
+                    <a:effectLst/>
+                    <a:latin typeface="Menlo" panose="020B0609030804020204" pitchFamily="49" charset="0"/>
+                  </a:rPr>
+                  <a:t>, </a:t>
+                </a:r>
+                <a:r>
+                  <a:rPr lang="en" altLang="zh-CN" dirty="0">
+                    <a:solidFill>
+                      <a:srgbClr val="C74C51"/>
+                    </a:solidFill>
+                    <a:effectLst/>
+                    <a:latin typeface="Menlo" panose="020B0609030804020204" pitchFamily="49" charset="0"/>
+                  </a:rPr>
+                  <a:t>2</a:t>
+                </a:r>
+                <a:r>
+                  <a:rPr lang="en" altLang="zh-CN" dirty="0">
+                    <a:solidFill>
+                      <a:srgbClr val="FFFFFF"/>
+                    </a:solidFill>
+                    <a:effectLst/>
+                    <a:latin typeface="Menlo" panose="020B0609030804020204" pitchFamily="49" charset="0"/>
+                  </a:rPr>
+                  <a:t>, </a:t>
+                </a:r>
+                <a:r>
+                  <a:rPr lang="en" altLang="zh-CN" dirty="0">
+                    <a:solidFill>
+                      <a:srgbClr val="C74C51"/>
+                    </a:solidFill>
+                    <a:effectLst/>
+                    <a:latin typeface="Menlo" panose="020B0609030804020204" pitchFamily="49" charset="0"/>
+                  </a:rPr>
+                  <a:t>3</a:t>
+                </a:r>
+                <a:r>
+                  <a:rPr lang="en" altLang="zh-CN" dirty="0">
+                    <a:solidFill>
+                      <a:srgbClr val="FFFFFF"/>
+                    </a:solidFill>
+                    <a:effectLst/>
+                    <a:latin typeface="Menlo" panose="020B0609030804020204" pitchFamily="49" charset="0"/>
+                  </a:rPr>
+                  <a:t>], </a:t>
+                </a:r>
+                <a:r>
+                  <a:rPr lang="en" altLang="zh-CN" dirty="0" err="1">
+                    <a:solidFill>
+                      <a:srgbClr val="FFFFFF"/>
+                    </a:solidFill>
+                    <a:effectLst/>
+                    <a:latin typeface="Menlo" panose="020B0609030804020204" pitchFamily="49" charset="0"/>
+                  </a:rPr>
+                  <a:t>dtype</a:t>
+                </a:r>
+                <a:r>
+                  <a:rPr lang="en" altLang="zh-CN" dirty="0">
+                    <a:solidFill>
+                      <a:srgbClr val="FFFFFF"/>
+                    </a:solidFill>
+                    <a:effectLst/>
+                    <a:latin typeface="Menlo" panose="020B0609030804020204" pitchFamily="49" charset="0"/>
+                  </a:rPr>
+                  <a:t>=np.float32)</a:t>
+                </a:r>
+              </a:p>
+            </p:txBody>
+          </p:sp>
+        </p:grpSp>
+        <p:grpSp>
+          <p:nvGrpSpPr>
+            <p:cNvPr id="2121" name="组合 2120">
+              <a:extLst>
+                <a:ext uri="{FF2B5EF4-FFF2-40B4-BE49-F238E27FC236}">
+                  <a16:creationId xmlns:a16="http://schemas.microsoft.com/office/drawing/2014/main" id="{199FB30C-2302-59A2-C01A-C68B44D7D8F1}"/>
+                </a:ext>
+              </a:extLst>
+            </p:cNvPr>
+            <p:cNvGrpSpPr/>
+            <p:nvPr/>
+          </p:nvGrpSpPr>
+          <p:grpSpPr>
+            <a:xfrm>
+              <a:off x="756569" y="2833505"/>
+              <a:ext cx="8527131" cy="662569"/>
+              <a:chOff x="756569" y="2766431"/>
+              <a:chExt cx="8527131" cy="662569"/>
+            </a:xfrm>
+          </p:grpSpPr>
+          <p:sp>
+            <p:nvSpPr>
+              <p:cNvPr id="2096" name="右箭头 2095">
+                <a:extLst>
+                  <a:ext uri="{FF2B5EF4-FFF2-40B4-BE49-F238E27FC236}">
+                    <a16:creationId xmlns:a16="http://schemas.microsoft.com/office/drawing/2014/main" id="{60AABE59-C345-622C-877A-E3F7B04E5676}"/>
+                  </a:ext>
+                </a:extLst>
+              </p:cNvPr>
+              <p:cNvSpPr/>
+              <p:nvPr/>
+            </p:nvSpPr>
+            <p:spPr>
+              <a:xfrm>
+                <a:off x="1520011" y="2844545"/>
+                <a:ext cx="457200" cy="477077"/>
+              </a:xfrm>
+              <a:prstGeom prst="rightArrow">
+                <a:avLst/>
+              </a:prstGeom>
+            </p:spPr>
+            <p:style>
+              <a:lnRef idx="2">
+                <a:schemeClr val="accent1">
+                  <a:shade val="50000"/>
+                </a:schemeClr>
+              </a:lnRef>
+              <a:fillRef idx="1">
+                <a:schemeClr val="accent1"/>
+              </a:fillRef>
+              <a:effectRef idx="0">
+                <a:schemeClr val="accent1"/>
+              </a:effectRef>
+              <a:fontRef idx="minor">
+                <a:schemeClr val="lt1"/>
+              </a:fontRef>
+            </p:style>
+            <p:txBody>
+              <a:bodyPr rtlCol="0" anchor="ctr"/>
+              <a:lstStyle/>
+              <a:p>
+                <a:pPr algn="ctr"/>
+                <a:endParaRPr kumimoji="1" lang="zh-CN" altLang="en-US"/>
+              </a:p>
+            </p:txBody>
+          </p:sp>
+          <p:pic>
+            <p:nvPicPr>
+              <p:cNvPr id="2097" name="Picture 4" descr="NumPy logo refresh · Issue #37 · numpy/numpy.org · GitHub">
+                <a:extLst>
+                  <a:ext uri="{FF2B5EF4-FFF2-40B4-BE49-F238E27FC236}">
+                    <a16:creationId xmlns:a16="http://schemas.microsoft.com/office/drawing/2014/main" id="{65218006-C3D4-F8C0-7873-E096879578AB}"/>
+                  </a:ext>
+                </a:extLst>
+              </p:cNvPr>
+              <p:cNvPicPr>
+                <a:picLocks noChangeAspect="1" noChangeArrowheads="1"/>
+              </p:cNvPicPr>
+              <p:nvPr/>
+            </p:nvPicPr>
+            <p:blipFill>
+              <a:blip r:embed="rId4">
+                <a:extLst>
+                  <a:ext uri="{28A0092B-C50C-407E-A947-70E740481C1C}">
+                    <a14:useLocalDpi xmlns:a14="http://schemas.microsoft.com/office/drawing/2010/main" val="0"/>
+                  </a:ext>
+                </a:extLst>
+              </a:blip>
+              <a:srcRect/>
+              <a:stretch>
+                <a:fillRect/>
+              </a:stretch>
+            </p:blipFill>
+            <p:spPr bwMode="auto">
+              <a:xfrm>
+                <a:off x="756569" y="2766576"/>
+                <a:ext cx="619949" cy="662424"/>
+              </a:xfrm>
+              <a:prstGeom prst="rect">
+                <a:avLst/>
+              </a:prstGeom>
+              <a:noFill/>
+              <a:extLst>
+                <a:ext uri="{909E8E84-426E-40DD-AFC4-6F175D3DCCD1}">
+                  <a14:hiddenFill xmlns:a14="http://schemas.microsoft.com/office/drawing/2010/main">
+                    <a:solidFill>
+                      <a:srgbClr val="FFFFFF"/>
+                    </a:solidFill>
+                  </a14:hiddenFill>
+                </a:ext>
+              </a:extLst>
+            </p:spPr>
+          </p:pic>
+          <p:pic>
+            <p:nvPicPr>
+              <p:cNvPr id="2098" name="Picture 4" descr="TensorFlow Logo PNG Vector (SVG) Free Download">
+                <a:extLst>
+                  <a:ext uri="{FF2B5EF4-FFF2-40B4-BE49-F238E27FC236}">
+                    <a16:creationId xmlns:a16="http://schemas.microsoft.com/office/drawing/2014/main" id="{EC6374A3-BE3E-43E1-1C42-500524232CB2}"/>
+                  </a:ext>
+                </a:extLst>
+              </p:cNvPr>
+              <p:cNvPicPr>
+                <a:picLocks noChangeAspect="1" noChangeArrowheads="1"/>
+              </p:cNvPicPr>
+              <p:nvPr/>
+            </p:nvPicPr>
+            <p:blipFill>
+              <a:blip r:embed="rId3">
+                <a:extLst>
+                  <a:ext uri="{28A0092B-C50C-407E-A947-70E740481C1C}">
+                    <a14:useLocalDpi xmlns:a14="http://schemas.microsoft.com/office/drawing/2010/main" val="0"/>
+                  </a:ext>
+                </a:extLst>
+              </a:blip>
+              <a:srcRect/>
+              <a:stretch>
+                <a:fillRect/>
+              </a:stretch>
+            </p:blipFill>
+            <p:spPr bwMode="auto">
+              <a:xfrm>
+                <a:off x="2120562" y="2766431"/>
+                <a:ext cx="594103" cy="662569"/>
+              </a:xfrm>
+              <a:prstGeom prst="rect">
+                <a:avLst/>
+              </a:prstGeom>
+              <a:noFill/>
+              <a:extLst>
+                <a:ext uri="{909E8E84-426E-40DD-AFC4-6F175D3DCCD1}">
+                  <a14:hiddenFill xmlns:a14="http://schemas.microsoft.com/office/drawing/2010/main">
+                    <a:solidFill>
+                      <a:srgbClr val="FFFFFF"/>
+                    </a:solidFill>
+                  </a14:hiddenFill>
+                </a:ext>
+              </a:extLst>
+            </p:spPr>
+          </p:pic>
+          <p:sp>
+            <p:nvSpPr>
+              <p:cNvPr id="2100" name="文本框 2099">
+                <a:extLst>
+                  <a:ext uri="{FF2B5EF4-FFF2-40B4-BE49-F238E27FC236}">
+                    <a16:creationId xmlns:a16="http://schemas.microsoft.com/office/drawing/2014/main" id="{5F5EC2A9-9BA6-6A5A-274E-950AE1613324}"/>
+                  </a:ext>
+                </a:extLst>
+              </p:cNvPr>
+              <p:cNvSpPr txBox="1"/>
+              <p:nvPr/>
+            </p:nvSpPr>
+            <p:spPr>
+              <a:xfrm>
+                <a:off x="3111500" y="2898417"/>
+                <a:ext cx="6172200" cy="369332"/>
+              </a:xfrm>
+              <a:prstGeom prst="rect">
+                <a:avLst/>
+              </a:prstGeom>
+              <a:noFill/>
+            </p:spPr>
+            <p:txBody>
+              <a:bodyPr wrap="square">
+                <a:spAutoFit/>
+              </a:bodyPr>
+              <a:lstStyle/>
+              <a:p>
+                <a:r>
+                  <a:rPr lang="en" altLang="zh-CN" dirty="0">
+                    <a:solidFill>
+                      <a:srgbClr val="FFFFFF"/>
+                    </a:solidFill>
+                    <a:effectLst/>
+                    <a:latin typeface="Menlo" panose="020B0609030804020204" pitchFamily="49" charset="0"/>
+                  </a:rPr>
+                  <a:t>x = </a:t>
+                </a:r>
+                <a:r>
+                  <a:rPr lang="en" altLang="zh-CN" dirty="0" err="1">
+                    <a:solidFill>
+                      <a:srgbClr val="FFFFFF"/>
+                    </a:solidFill>
+                    <a:effectLst/>
+                    <a:latin typeface="Menlo" panose="020B0609030804020204" pitchFamily="49" charset="0"/>
+                  </a:rPr>
+                  <a:t>tf.constant</a:t>
+                </a:r>
+                <a:r>
+                  <a:rPr lang="en" altLang="zh-CN" dirty="0">
+                    <a:solidFill>
+                      <a:srgbClr val="FFFFFF"/>
+                    </a:solidFill>
+                    <a:effectLst/>
+                    <a:latin typeface="Menlo" panose="020B0609030804020204" pitchFamily="49" charset="0"/>
+                  </a:rPr>
+                  <a:t>(</a:t>
+                </a:r>
+                <a:r>
+                  <a:rPr lang="en" altLang="zh-CN" dirty="0" err="1">
+                    <a:solidFill>
+                      <a:srgbClr val="FFFFFF"/>
+                    </a:solidFill>
+                    <a:effectLst/>
+                    <a:latin typeface="Menlo" panose="020B0609030804020204" pitchFamily="49" charset="0"/>
+                  </a:rPr>
+                  <a:t>np.array</a:t>
+                </a:r>
+                <a:r>
+                  <a:rPr lang="en" altLang="zh-CN" dirty="0">
+                    <a:solidFill>
+                      <a:srgbClr val="FFFFFF"/>
+                    </a:solidFill>
+                    <a:effectLst/>
+                    <a:latin typeface="Menlo" panose="020B0609030804020204" pitchFamily="49" charset="0"/>
+                  </a:rPr>
+                  <a:t>([</a:t>
+                </a:r>
+                <a:r>
+                  <a:rPr lang="en" altLang="zh-CN" dirty="0">
+                    <a:solidFill>
+                      <a:srgbClr val="C74C51"/>
+                    </a:solidFill>
+                    <a:effectLst/>
+                    <a:latin typeface="Menlo" panose="020B0609030804020204" pitchFamily="49" charset="0"/>
+                  </a:rPr>
+                  <a:t>1</a:t>
+                </a:r>
+                <a:r>
+                  <a:rPr lang="en" altLang="zh-CN" dirty="0">
+                    <a:solidFill>
+                      <a:srgbClr val="FFFFFF"/>
+                    </a:solidFill>
+                    <a:effectLst/>
+                    <a:latin typeface="Menlo" panose="020B0609030804020204" pitchFamily="49" charset="0"/>
+                  </a:rPr>
+                  <a:t>, </a:t>
+                </a:r>
+                <a:r>
+                  <a:rPr lang="en" altLang="zh-CN" dirty="0">
+                    <a:solidFill>
+                      <a:srgbClr val="C74C51"/>
+                    </a:solidFill>
+                    <a:effectLst/>
+                    <a:latin typeface="Menlo" panose="020B0609030804020204" pitchFamily="49" charset="0"/>
+                  </a:rPr>
+                  <a:t>2</a:t>
+                </a:r>
+                <a:r>
+                  <a:rPr lang="en" altLang="zh-CN" dirty="0">
+                    <a:solidFill>
+                      <a:srgbClr val="FFFFFF"/>
+                    </a:solidFill>
+                    <a:effectLst/>
+                    <a:latin typeface="Menlo" panose="020B0609030804020204" pitchFamily="49" charset="0"/>
+                  </a:rPr>
+                  <a:t>, </a:t>
+                </a:r>
+                <a:r>
+                  <a:rPr lang="en" altLang="zh-CN" dirty="0">
+                    <a:solidFill>
+                      <a:srgbClr val="C74C51"/>
+                    </a:solidFill>
+                    <a:effectLst/>
+                    <a:latin typeface="Menlo" panose="020B0609030804020204" pitchFamily="49" charset="0"/>
+                  </a:rPr>
+                  <a:t>3</a:t>
+                </a:r>
+                <a:r>
+                  <a:rPr lang="en" altLang="zh-CN" dirty="0">
+                    <a:solidFill>
+                      <a:srgbClr val="FFFFFF"/>
+                    </a:solidFill>
+                    <a:effectLst/>
+                    <a:latin typeface="Menlo" panose="020B0609030804020204" pitchFamily="49" charset="0"/>
+                  </a:rPr>
+                  <a:t>]))</a:t>
+                </a:r>
+              </a:p>
+            </p:txBody>
+          </p:sp>
+        </p:grpSp>
+        <p:grpSp>
+          <p:nvGrpSpPr>
+            <p:cNvPr id="2120" name="组合 2119">
+              <a:extLst>
+                <a:ext uri="{FF2B5EF4-FFF2-40B4-BE49-F238E27FC236}">
+                  <a16:creationId xmlns:a16="http://schemas.microsoft.com/office/drawing/2014/main" id="{ADA9AED4-2A8B-9806-55D1-C0D4F207A69B}"/>
+                </a:ext>
+              </a:extLst>
+            </p:cNvPr>
+            <p:cNvGrpSpPr/>
+            <p:nvPr/>
+          </p:nvGrpSpPr>
+          <p:grpSpPr>
+            <a:xfrm>
+              <a:off x="756569" y="3693213"/>
+              <a:ext cx="8527131" cy="662424"/>
+              <a:chOff x="756569" y="3682496"/>
+              <a:chExt cx="8527131" cy="662424"/>
+            </a:xfrm>
+          </p:grpSpPr>
+          <p:sp>
+            <p:nvSpPr>
+              <p:cNvPr id="2101" name="右箭头 2100">
+                <a:extLst>
+                  <a:ext uri="{FF2B5EF4-FFF2-40B4-BE49-F238E27FC236}">
+                    <a16:creationId xmlns:a16="http://schemas.microsoft.com/office/drawing/2014/main" id="{740B4B4C-BA6D-9A97-AD37-8362F31B4595}"/>
+                  </a:ext>
+                </a:extLst>
+              </p:cNvPr>
+              <p:cNvSpPr/>
+              <p:nvPr/>
+            </p:nvSpPr>
+            <p:spPr>
+              <a:xfrm>
+                <a:off x="1520011" y="3775170"/>
+                <a:ext cx="457200" cy="477077"/>
+              </a:xfrm>
+              <a:prstGeom prst="rightArrow">
+                <a:avLst/>
+              </a:prstGeom>
+            </p:spPr>
+            <p:style>
+              <a:lnRef idx="2">
+                <a:schemeClr val="accent1">
+                  <a:shade val="50000"/>
+                </a:schemeClr>
+              </a:lnRef>
+              <a:fillRef idx="1">
+                <a:schemeClr val="accent1"/>
+              </a:fillRef>
+              <a:effectRef idx="0">
+                <a:schemeClr val="accent1"/>
+              </a:effectRef>
+              <a:fontRef idx="minor">
+                <a:schemeClr val="lt1"/>
+              </a:fontRef>
+            </p:style>
+            <p:txBody>
+              <a:bodyPr rtlCol="0" anchor="ctr"/>
+              <a:lstStyle/>
+              <a:p>
+                <a:pPr algn="ctr"/>
+                <a:endParaRPr kumimoji="1" lang="zh-CN" altLang="en-US"/>
+              </a:p>
+            </p:txBody>
+          </p:sp>
+          <p:pic>
+            <p:nvPicPr>
+              <p:cNvPr id="2102" name="Picture 4" descr="NumPy logo refresh · Issue #37 · numpy/numpy.org · GitHub">
+                <a:extLst>
+                  <a:ext uri="{FF2B5EF4-FFF2-40B4-BE49-F238E27FC236}">
+                    <a16:creationId xmlns:a16="http://schemas.microsoft.com/office/drawing/2014/main" id="{1269261C-6810-01F4-4763-0777DA088438}"/>
+                  </a:ext>
+                </a:extLst>
+              </p:cNvPr>
+              <p:cNvPicPr>
+                <a:picLocks noChangeAspect="1" noChangeArrowheads="1"/>
+              </p:cNvPicPr>
+              <p:nvPr/>
+            </p:nvPicPr>
+            <p:blipFill>
+              <a:blip r:embed="rId4">
+                <a:extLst>
+                  <a:ext uri="{28A0092B-C50C-407E-A947-70E740481C1C}">
+                    <a14:useLocalDpi xmlns:a14="http://schemas.microsoft.com/office/drawing/2010/main" val="0"/>
+                  </a:ext>
+                </a:extLst>
+              </a:blip>
+              <a:srcRect/>
+              <a:stretch>
+                <a:fillRect/>
+              </a:stretch>
+            </p:blipFill>
+            <p:spPr bwMode="auto">
+              <a:xfrm>
+                <a:off x="756569" y="3682496"/>
+                <a:ext cx="619949" cy="662424"/>
+              </a:xfrm>
+              <a:prstGeom prst="rect">
+                <a:avLst/>
+              </a:prstGeom>
+              <a:noFill/>
+              <a:extLst>
+                <a:ext uri="{909E8E84-426E-40DD-AFC4-6F175D3DCCD1}">
+                  <a14:hiddenFill xmlns:a14="http://schemas.microsoft.com/office/drawing/2010/main">
+                    <a:solidFill>
+                      <a:srgbClr val="FFFFFF"/>
+                    </a:solidFill>
+                  </a14:hiddenFill>
+                </a:ext>
+              </a:extLst>
+            </p:spPr>
+          </p:pic>
+          <p:pic>
+            <p:nvPicPr>
+              <p:cNvPr id="2104" name="Picture 2">
+                <a:extLst>
+                  <a:ext uri="{FF2B5EF4-FFF2-40B4-BE49-F238E27FC236}">
+                    <a16:creationId xmlns:a16="http://schemas.microsoft.com/office/drawing/2014/main" id="{45F6F4C7-0BF6-28EC-F985-36A291086826}"/>
+                  </a:ext>
+                </a:extLst>
+              </p:cNvPr>
+              <p:cNvPicPr>
+                <a:picLocks noChangeAspect="1" noChangeArrowheads="1"/>
+              </p:cNvPicPr>
+              <p:nvPr/>
+            </p:nvPicPr>
+            <p:blipFill>
+              <a:blip r:embed="rId2">
+                <a:extLst>
+                  <a:ext uri="{28A0092B-C50C-407E-A947-70E740481C1C}">
+                    <a14:useLocalDpi xmlns:a14="http://schemas.microsoft.com/office/drawing/2010/main" val="0"/>
+                  </a:ext>
+                </a:extLst>
+              </a:blip>
+              <a:srcRect/>
+              <a:stretch>
+                <a:fillRect/>
+              </a:stretch>
+            </p:blipFill>
+            <p:spPr bwMode="auto">
+              <a:xfrm>
+                <a:off x="2101106" y="3697201"/>
+                <a:ext cx="633014" cy="633014"/>
+              </a:xfrm>
+              <a:prstGeom prst="rect">
+                <a:avLst/>
+              </a:prstGeom>
+              <a:noFill/>
+              <a:extLst>
+                <a:ext uri="{909E8E84-426E-40DD-AFC4-6F175D3DCCD1}">
+                  <a14:hiddenFill xmlns:a14="http://schemas.microsoft.com/office/drawing/2010/main">
+                    <a:solidFill>
+                      <a:srgbClr val="FFFFFF"/>
+                    </a:solidFill>
+                  </a14:hiddenFill>
+                </a:ext>
+              </a:extLst>
+            </p:spPr>
+          </p:pic>
+          <p:sp>
+            <p:nvSpPr>
+              <p:cNvPr id="2106" name="文本框 2105">
+                <a:extLst>
+                  <a:ext uri="{FF2B5EF4-FFF2-40B4-BE49-F238E27FC236}">
+                    <a16:creationId xmlns:a16="http://schemas.microsoft.com/office/drawing/2014/main" id="{915096DE-B1B7-F169-91A1-26A4840A716A}"/>
+                  </a:ext>
+                </a:extLst>
+              </p:cNvPr>
+              <p:cNvSpPr txBox="1"/>
+              <p:nvPr/>
+            </p:nvSpPr>
+            <p:spPr>
+              <a:xfrm>
+                <a:off x="3111500" y="3829042"/>
+                <a:ext cx="6172200" cy="369332"/>
+              </a:xfrm>
+              <a:prstGeom prst="rect">
+                <a:avLst/>
+              </a:prstGeom>
+              <a:noFill/>
+            </p:spPr>
+            <p:txBody>
+              <a:bodyPr wrap="square">
+                <a:spAutoFit/>
+              </a:bodyPr>
+              <a:lstStyle/>
+              <a:p>
+                <a:r>
+                  <a:rPr lang="en" altLang="zh-CN" dirty="0">
+                    <a:solidFill>
+                      <a:srgbClr val="FFFFFF"/>
+                    </a:solidFill>
+                    <a:effectLst/>
+                    <a:latin typeface="Menlo" panose="020B0609030804020204" pitchFamily="49" charset="0"/>
+                  </a:rPr>
+                  <a:t>x = </a:t>
+                </a:r>
+                <a:r>
+                  <a:rPr lang="en" altLang="zh-CN" dirty="0" err="1">
+                    <a:solidFill>
+                      <a:srgbClr val="FFFFFF"/>
+                    </a:solidFill>
+                    <a:effectLst/>
+                    <a:latin typeface="Menlo" panose="020B0609030804020204" pitchFamily="49" charset="0"/>
+                  </a:rPr>
+                  <a:t>np.array</a:t>
+                </a:r>
+                <a:r>
+                  <a:rPr lang="en" altLang="zh-CN" dirty="0">
+                    <a:solidFill>
+                      <a:srgbClr val="FFFFFF"/>
+                    </a:solidFill>
+                    <a:effectLst/>
+                    <a:latin typeface="Menlo" panose="020B0609030804020204" pitchFamily="49" charset="0"/>
+                  </a:rPr>
+                  <a:t>([</a:t>
+                </a:r>
+                <a:r>
+                  <a:rPr lang="en" altLang="zh-CN" dirty="0">
+                    <a:solidFill>
+                      <a:srgbClr val="C74C51"/>
+                    </a:solidFill>
+                    <a:effectLst/>
+                    <a:latin typeface="Menlo" panose="020B0609030804020204" pitchFamily="49" charset="0"/>
+                  </a:rPr>
+                  <a:t>1</a:t>
+                </a:r>
+                <a:r>
+                  <a:rPr lang="en" altLang="zh-CN" dirty="0">
+                    <a:solidFill>
+                      <a:srgbClr val="FFFFFF"/>
+                    </a:solidFill>
+                    <a:effectLst/>
+                    <a:latin typeface="Menlo" panose="020B0609030804020204" pitchFamily="49" charset="0"/>
+                  </a:rPr>
+                  <a:t>, </a:t>
+                </a:r>
+                <a:r>
+                  <a:rPr lang="en" altLang="zh-CN" dirty="0">
+                    <a:solidFill>
+                      <a:srgbClr val="C74C51"/>
+                    </a:solidFill>
+                    <a:effectLst/>
+                    <a:latin typeface="Menlo" panose="020B0609030804020204" pitchFamily="49" charset="0"/>
+                  </a:rPr>
+                  <a:t>2</a:t>
+                </a:r>
+                <a:r>
+                  <a:rPr lang="en" altLang="zh-CN" dirty="0">
+                    <a:solidFill>
+                      <a:srgbClr val="FFFFFF"/>
+                    </a:solidFill>
+                    <a:effectLst/>
+                    <a:latin typeface="Menlo" panose="020B0609030804020204" pitchFamily="49" charset="0"/>
+                  </a:rPr>
+                  <a:t>, </a:t>
+                </a:r>
+                <a:r>
+                  <a:rPr lang="en" altLang="zh-CN" dirty="0">
+                    <a:solidFill>
+                      <a:srgbClr val="C74C51"/>
+                    </a:solidFill>
+                    <a:effectLst/>
+                    <a:latin typeface="Menlo" panose="020B0609030804020204" pitchFamily="49" charset="0"/>
+                  </a:rPr>
+                  <a:t>3</a:t>
+                </a:r>
+                <a:r>
+                  <a:rPr lang="en" altLang="zh-CN" dirty="0">
+                    <a:solidFill>
+                      <a:srgbClr val="FFFFFF"/>
+                    </a:solidFill>
+                    <a:effectLst/>
+                    <a:latin typeface="Menlo" panose="020B0609030804020204" pitchFamily="49" charset="0"/>
+                  </a:rPr>
+                  <a:t>]).</a:t>
+                </a:r>
+                <a:r>
+                  <a:rPr lang="en" altLang="zh-CN" dirty="0" err="1">
+                    <a:solidFill>
+                      <a:srgbClr val="FFFFFF"/>
+                    </a:solidFill>
+                    <a:effectLst/>
+                    <a:latin typeface="Menlo" panose="020B0609030804020204" pitchFamily="49" charset="0"/>
+                  </a:rPr>
+                  <a:t>tolist</a:t>
+                </a:r>
+                <a:r>
+                  <a:rPr lang="en" altLang="zh-CN" dirty="0">
+                    <a:solidFill>
+                      <a:srgbClr val="FFFFFF"/>
+                    </a:solidFill>
+                    <a:effectLst/>
+                    <a:latin typeface="Menlo" panose="020B0609030804020204" pitchFamily="49" charset="0"/>
+                  </a:rPr>
+                  <a:t>()</a:t>
+                </a:r>
+              </a:p>
+            </p:txBody>
+          </p:sp>
+        </p:grpSp>
+        <p:grpSp>
+          <p:nvGrpSpPr>
+            <p:cNvPr id="2119" name="组合 2118">
+              <a:extLst>
+                <a:ext uri="{FF2B5EF4-FFF2-40B4-BE49-F238E27FC236}">
+                  <a16:creationId xmlns:a16="http://schemas.microsoft.com/office/drawing/2014/main" id="{9B753AFC-B832-5A63-13DA-08A42B9020B2}"/>
+                </a:ext>
+              </a:extLst>
+            </p:cNvPr>
+            <p:cNvGrpSpPr/>
+            <p:nvPr/>
+          </p:nvGrpSpPr>
+          <p:grpSpPr>
+            <a:xfrm>
+              <a:off x="769492" y="4552776"/>
+              <a:ext cx="8514208" cy="662569"/>
+              <a:chOff x="769492" y="4608132"/>
+              <a:chExt cx="8514208" cy="662569"/>
+            </a:xfrm>
+          </p:grpSpPr>
+          <p:sp>
+            <p:nvSpPr>
+              <p:cNvPr id="2107" name="右箭头 2106">
+                <a:extLst>
+                  <a:ext uri="{FF2B5EF4-FFF2-40B4-BE49-F238E27FC236}">
+                    <a16:creationId xmlns:a16="http://schemas.microsoft.com/office/drawing/2014/main" id="{8E9FC33D-E0A2-F5AB-6687-898AD73742C6}"/>
+                  </a:ext>
+                </a:extLst>
+              </p:cNvPr>
+              <p:cNvSpPr/>
+              <p:nvPr/>
+            </p:nvSpPr>
+            <p:spPr>
+              <a:xfrm>
+                <a:off x="1520011" y="4700878"/>
+                <a:ext cx="457200" cy="477077"/>
+              </a:xfrm>
+              <a:prstGeom prst="rightArrow">
+                <a:avLst/>
+              </a:prstGeom>
+            </p:spPr>
+            <p:style>
+              <a:lnRef idx="2">
+                <a:schemeClr val="accent1">
+                  <a:shade val="50000"/>
+                </a:schemeClr>
+              </a:lnRef>
+              <a:fillRef idx="1">
+                <a:schemeClr val="accent1"/>
+              </a:fillRef>
+              <a:effectRef idx="0">
+                <a:schemeClr val="accent1"/>
+              </a:effectRef>
+              <a:fontRef idx="minor">
+                <a:schemeClr val="lt1"/>
+              </a:fontRef>
+            </p:style>
+            <p:txBody>
+              <a:bodyPr rtlCol="0" anchor="ctr"/>
+              <a:lstStyle/>
+              <a:p>
+                <a:pPr algn="ctr"/>
+                <a:endParaRPr kumimoji="1" lang="zh-CN" altLang="en-US"/>
+              </a:p>
+            </p:txBody>
+          </p:sp>
+          <p:pic>
+            <p:nvPicPr>
+              <p:cNvPr id="2108" name="Picture 4" descr="NumPy logo refresh · Issue #37 · numpy/numpy.org · GitHub">
+                <a:extLst>
+                  <a:ext uri="{FF2B5EF4-FFF2-40B4-BE49-F238E27FC236}">
+                    <a16:creationId xmlns:a16="http://schemas.microsoft.com/office/drawing/2014/main" id="{C40EA8AE-185D-058E-B7A9-B05CE13C6C29}"/>
+                  </a:ext>
+                </a:extLst>
+              </p:cNvPr>
+              <p:cNvPicPr>
+                <a:picLocks noChangeAspect="1" noChangeArrowheads="1"/>
+              </p:cNvPicPr>
+              <p:nvPr/>
+            </p:nvPicPr>
+            <p:blipFill>
+              <a:blip r:embed="rId4">
+                <a:extLst>
+                  <a:ext uri="{28A0092B-C50C-407E-A947-70E740481C1C}">
+                    <a14:useLocalDpi xmlns:a14="http://schemas.microsoft.com/office/drawing/2010/main" val="0"/>
+                  </a:ext>
+                </a:extLst>
+              </a:blip>
+              <a:srcRect/>
+              <a:stretch>
+                <a:fillRect/>
+              </a:stretch>
+            </p:blipFill>
+            <p:spPr bwMode="auto">
+              <a:xfrm>
+                <a:off x="2107639" y="4608204"/>
+                <a:ext cx="619949" cy="662424"/>
+              </a:xfrm>
+              <a:prstGeom prst="rect">
+                <a:avLst/>
+              </a:prstGeom>
+              <a:noFill/>
+              <a:extLst>
+                <a:ext uri="{909E8E84-426E-40DD-AFC4-6F175D3DCCD1}">
+                  <a14:hiddenFill xmlns:a14="http://schemas.microsoft.com/office/drawing/2010/main">
+                    <a:solidFill>
+                      <a:srgbClr val="FFFFFF"/>
+                    </a:solidFill>
+                  </a14:hiddenFill>
+                </a:ext>
+              </a:extLst>
+            </p:spPr>
+          </p:pic>
+          <p:pic>
+            <p:nvPicPr>
+              <p:cNvPr id="2110" name="Picture 4" descr="TensorFlow Logo PNG Vector (SVG) Free Download">
+                <a:extLst>
+                  <a:ext uri="{FF2B5EF4-FFF2-40B4-BE49-F238E27FC236}">
+                    <a16:creationId xmlns:a16="http://schemas.microsoft.com/office/drawing/2014/main" id="{771A0372-2A39-4C28-CBD6-9C9119617EB9}"/>
+                  </a:ext>
+                </a:extLst>
+              </p:cNvPr>
+              <p:cNvPicPr>
+                <a:picLocks noChangeAspect="1" noChangeArrowheads="1"/>
+              </p:cNvPicPr>
+              <p:nvPr/>
+            </p:nvPicPr>
+            <p:blipFill>
+              <a:blip r:embed="rId3">
+                <a:extLst>
+                  <a:ext uri="{28A0092B-C50C-407E-A947-70E740481C1C}">
+                    <a14:useLocalDpi xmlns:a14="http://schemas.microsoft.com/office/drawing/2010/main" val="0"/>
+                  </a:ext>
+                </a:extLst>
+              </a:blip>
+              <a:srcRect/>
+              <a:stretch>
+                <a:fillRect/>
+              </a:stretch>
+            </p:blipFill>
+            <p:spPr bwMode="auto">
+              <a:xfrm>
+                <a:off x="769492" y="4608132"/>
+                <a:ext cx="594103" cy="662569"/>
+              </a:xfrm>
+              <a:prstGeom prst="rect">
+                <a:avLst/>
+              </a:prstGeom>
+              <a:noFill/>
+              <a:extLst>
+                <a:ext uri="{909E8E84-426E-40DD-AFC4-6F175D3DCCD1}">
+                  <a14:hiddenFill xmlns:a14="http://schemas.microsoft.com/office/drawing/2010/main">
+                    <a:solidFill>
+                      <a:srgbClr val="FFFFFF"/>
+                    </a:solidFill>
+                  </a14:hiddenFill>
+                </a:ext>
+              </a:extLst>
+            </p:spPr>
+          </p:pic>
+          <p:sp>
+            <p:nvSpPr>
+              <p:cNvPr id="2112" name="文本框 2111">
+                <a:extLst>
+                  <a:ext uri="{FF2B5EF4-FFF2-40B4-BE49-F238E27FC236}">
+                    <a16:creationId xmlns:a16="http://schemas.microsoft.com/office/drawing/2014/main" id="{B6465317-1ACA-B640-9C1C-03AF79711FDF}"/>
+                  </a:ext>
+                </a:extLst>
+              </p:cNvPr>
+              <p:cNvSpPr txBox="1"/>
+              <p:nvPr/>
+            </p:nvSpPr>
+            <p:spPr>
+              <a:xfrm>
+                <a:off x="3111500" y="4754750"/>
+                <a:ext cx="6172200" cy="369332"/>
+              </a:xfrm>
+              <a:prstGeom prst="rect">
+                <a:avLst/>
+              </a:prstGeom>
+              <a:noFill/>
+            </p:spPr>
+            <p:txBody>
+              <a:bodyPr wrap="square">
+                <a:spAutoFit/>
+              </a:bodyPr>
+              <a:lstStyle/>
+              <a:p>
+                <a:r>
+                  <a:rPr lang="en" altLang="zh-CN" dirty="0">
+                    <a:solidFill>
+                      <a:srgbClr val="FFFFFF"/>
+                    </a:solidFill>
+                    <a:effectLst/>
+                    <a:latin typeface="Menlo" panose="020B0609030804020204" pitchFamily="49" charset="0"/>
+                  </a:rPr>
+                  <a:t>x = </a:t>
+                </a:r>
+                <a:r>
+                  <a:rPr lang="en" altLang="zh-CN" dirty="0" err="1">
+                    <a:solidFill>
+                      <a:srgbClr val="FFFFFF"/>
+                    </a:solidFill>
+                    <a:effectLst/>
+                    <a:latin typeface="Menlo" panose="020B0609030804020204" pitchFamily="49" charset="0"/>
+                  </a:rPr>
+                  <a:t>tf.constant</a:t>
+                </a:r>
+                <a:r>
+                  <a:rPr lang="en" altLang="zh-CN" dirty="0">
+                    <a:solidFill>
+                      <a:srgbClr val="FFFFFF"/>
+                    </a:solidFill>
+                    <a:effectLst/>
+                    <a:latin typeface="Menlo" panose="020B0609030804020204" pitchFamily="49" charset="0"/>
+                  </a:rPr>
+                  <a:t>([</a:t>
+                </a:r>
+                <a:r>
+                  <a:rPr lang="en" altLang="zh-CN" dirty="0">
+                    <a:solidFill>
+                      <a:srgbClr val="C74C51"/>
+                    </a:solidFill>
+                    <a:effectLst/>
+                    <a:latin typeface="Menlo" panose="020B0609030804020204" pitchFamily="49" charset="0"/>
+                  </a:rPr>
+                  <a:t>1</a:t>
+                </a:r>
+                <a:r>
+                  <a:rPr lang="en" altLang="zh-CN" dirty="0">
+                    <a:solidFill>
+                      <a:srgbClr val="FFFFFF"/>
+                    </a:solidFill>
+                    <a:effectLst/>
+                    <a:latin typeface="Menlo" panose="020B0609030804020204" pitchFamily="49" charset="0"/>
+                  </a:rPr>
+                  <a:t>, </a:t>
+                </a:r>
+                <a:r>
+                  <a:rPr lang="en" altLang="zh-CN" dirty="0">
+                    <a:solidFill>
+                      <a:srgbClr val="C74C51"/>
+                    </a:solidFill>
+                    <a:effectLst/>
+                    <a:latin typeface="Menlo" panose="020B0609030804020204" pitchFamily="49" charset="0"/>
+                  </a:rPr>
+                  <a:t>2</a:t>
+                </a:r>
+                <a:r>
+                  <a:rPr lang="en" altLang="zh-CN" dirty="0">
+                    <a:solidFill>
+                      <a:srgbClr val="FFFFFF"/>
+                    </a:solidFill>
+                    <a:effectLst/>
+                    <a:latin typeface="Menlo" panose="020B0609030804020204" pitchFamily="49" charset="0"/>
+                  </a:rPr>
+                  <a:t>, </a:t>
+                </a:r>
+                <a:r>
+                  <a:rPr lang="en" altLang="zh-CN" dirty="0">
+                    <a:solidFill>
+                      <a:srgbClr val="C74C51"/>
+                    </a:solidFill>
+                    <a:effectLst/>
+                    <a:latin typeface="Menlo" panose="020B0609030804020204" pitchFamily="49" charset="0"/>
+                  </a:rPr>
+                  <a:t>3</a:t>
+                </a:r>
+                <a:r>
+                  <a:rPr lang="en" altLang="zh-CN" dirty="0">
+                    <a:solidFill>
+                      <a:srgbClr val="FFFFFF"/>
+                    </a:solidFill>
+                    <a:effectLst/>
+                    <a:latin typeface="Menlo" panose="020B0609030804020204" pitchFamily="49" charset="0"/>
+                  </a:rPr>
+                  <a:t>]).</a:t>
+                </a:r>
+                <a:r>
+                  <a:rPr lang="en" altLang="zh-CN" dirty="0" err="1">
+                    <a:solidFill>
+                      <a:srgbClr val="FFFFFF"/>
+                    </a:solidFill>
+                    <a:effectLst/>
+                    <a:latin typeface="Menlo" panose="020B0609030804020204" pitchFamily="49" charset="0"/>
+                  </a:rPr>
+                  <a:t>numpy</a:t>
+                </a:r>
+                <a:r>
+                  <a:rPr lang="en" altLang="zh-CN" dirty="0">
+                    <a:solidFill>
+                      <a:srgbClr val="FFFFFF"/>
+                    </a:solidFill>
+                    <a:effectLst/>
+                    <a:latin typeface="Menlo" panose="020B0609030804020204" pitchFamily="49" charset="0"/>
+                  </a:rPr>
+                  <a:t>()</a:t>
+                </a:r>
+              </a:p>
+            </p:txBody>
+          </p:sp>
+        </p:grpSp>
+        <p:grpSp>
+          <p:nvGrpSpPr>
+            <p:cNvPr id="2118" name="组合 2117">
+              <a:extLst>
+                <a:ext uri="{FF2B5EF4-FFF2-40B4-BE49-F238E27FC236}">
+                  <a16:creationId xmlns:a16="http://schemas.microsoft.com/office/drawing/2014/main" id="{155AB5C4-839C-9305-03C8-39B4F6AD547A}"/>
+                </a:ext>
+              </a:extLst>
+            </p:cNvPr>
+            <p:cNvGrpSpPr/>
+            <p:nvPr/>
+          </p:nvGrpSpPr>
+          <p:grpSpPr>
+            <a:xfrm>
+              <a:off x="769492" y="5412482"/>
+              <a:ext cx="3002297" cy="667020"/>
+              <a:chOff x="769492" y="5412482"/>
+              <a:chExt cx="3002297" cy="667020"/>
+            </a:xfrm>
+          </p:grpSpPr>
+          <p:sp>
+            <p:nvSpPr>
+              <p:cNvPr id="2113" name="右箭头 2112">
+                <a:extLst>
+                  <a:ext uri="{FF2B5EF4-FFF2-40B4-BE49-F238E27FC236}">
+                    <a16:creationId xmlns:a16="http://schemas.microsoft.com/office/drawing/2014/main" id="{71C1485A-0A5A-7ECB-068F-15AC969EF7F6}"/>
+                  </a:ext>
+                </a:extLst>
+              </p:cNvPr>
+              <p:cNvSpPr/>
+              <p:nvPr/>
+            </p:nvSpPr>
+            <p:spPr>
+              <a:xfrm>
+                <a:off x="1520011" y="5505228"/>
+                <a:ext cx="457200" cy="477077"/>
+              </a:xfrm>
+              <a:prstGeom prst="rightArrow">
+                <a:avLst/>
+              </a:prstGeom>
+            </p:spPr>
+            <p:style>
+              <a:lnRef idx="2">
+                <a:schemeClr val="accent1">
+                  <a:shade val="50000"/>
+                </a:schemeClr>
+              </a:lnRef>
+              <a:fillRef idx="1">
+                <a:schemeClr val="accent1"/>
+              </a:fillRef>
+              <a:effectRef idx="0">
+                <a:schemeClr val="accent1"/>
+              </a:effectRef>
+              <a:fontRef idx="minor">
+                <a:schemeClr val="lt1"/>
+              </a:fontRef>
+            </p:style>
+            <p:txBody>
+              <a:bodyPr rtlCol="0" anchor="ctr"/>
+              <a:lstStyle/>
+              <a:p>
+                <a:pPr algn="ctr"/>
+                <a:endParaRPr kumimoji="1" lang="zh-CN" altLang="en-US"/>
+              </a:p>
+            </p:txBody>
+          </p:sp>
+          <p:pic>
+            <p:nvPicPr>
+              <p:cNvPr id="2115" name="Picture 4" descr="TensorFlow Logo PNG Vector (SVG) Free Download">
+                <a:extLst>
+                  <a:ext uri="{FF2B5EF4-FFF2-40B4-BE49-F238E27FC236}">
+                    <a16:creationId xmlns:a16="http://schemas.microsoft.com/office/drawing/2014/main" id="{3B086DB3-C991-1ED4-2014-2FCAF6F67D73}"/>
+                  </a:ext>
+                </a:extLst>
+              </p:cNvPr>
+              <p:cNvPicPr>
+                <a:picLocks noChangeAspect="1" noChangeArrowheads="1"/>
+              </p:cNvPicPr>
+              <p:nvPr/>
+            </p:nvPicPr>
+            <p:blipFill>
+              <a:blip r:embed="rId3">
+                <a:extLst>
+                  <a:ext uri="{28A0092B-C50C-407E-A947-70E740481C1C}">
+                    <a14:useLocalDpi xmlns:a14="http://schemas.microsoft.com/office/drawing/2010/main" val="0"/>
+                  </a:ext>
+                </a:extLst>
+              </a:blip>
+              <a:srcRect/>
+              <a:stretch>
+                <a:fillRect/>
+              </a:stretch>
+            </p:blipFill>
+            <p:spPr bwMode="auto">
+              <a:xfrm>
+                <a:off x="769492" y="5412482"/>
+                <a:ext cx="594103" cy="662569"/>
+              </a:xfrm>
+              <a:prstGeom prst="rect">
+                <a:avLst/>
+              </a:prstGeom>
+              <a:noFill/>
+              <a:extLst>
+                <a:ext uri="{909E8E84-426E-40DD-AFC4-6F175D3DCCD1}">
+                  <a14:hiddenFill xmlns:a14="http://schemas.microsoft.com/office/drawing/2010/main">
+                    <a:solidFill>
+                      <a:srgbClr val="FFFFFF"/>
+                    </a:solidFill>
+                  </a14:hiddenFill>
+                </a:ext>
+              </a:extLst>
+            </p:spPr>
+          </p:pic>
+          <p:pic>
+            <p:nvPicPr>
+              <p:cNvPr id="2116" name="Picture 2">
+                <a:extLst>
+                  <a:ext uri="{FF2B5EF4-FFF2-40B4-BE49-F238E27FC236}">
+                    <a16:creationId xmlns:a16="http://schemas.microsoft.com/office/drawing/2014/main" id="{CDCB9DBD-A6DA-B334-3EC9-442DD61EE9C0}"/>
+                  </a:ext>
+                </a:extLst>
+              </p:cNvPr>
+              <p:cNvPicPr>
+                <a:picLocks noChangeAspect="1" noChangeArrowheads="1"/>
+              </p:cNvPicPr>
+              <p:nvPr/>
+            </p:nvPicPr>
+            <p:blipFill>
+              <a:blip r:embed="rId2">
+                <a:extLst>
+                  <a:ext uri="{28A0092B-C50C-407E-A947-70E740481C1C}">
+                    <a14:useLocalDpi xmlns:a14="http://schemas.microsoft.com/office/drawing/2010/main" val="0"/>
+                  </a:ext>
+                </a:extLst>
+              </a:blip>
+              <a:srcRect/>
+              <a:stretch>
+                <a:fillRect/>
+              </a:stretch>
+            </p:blipFill>
+            <p:spPr bwMode="auto">
+              <a:xfrm>
+                <a:off x="2101106" y="5412482"/>
+                <a:ext cx="633014" cy="633014"/>
+              </a:xfrm>
+              <a:prstGeom prst="rect">
+                <a:avLst/>
+              </a:prstGeom>
+              <a:noFill/>
+              <a:extLst>
+                <a:ext uri="{909E8E84-426E-40DD-AFC4-6F175D3DCCD1}">
+                  <a14:hiddenFill xmlns:a14="http://schemas.microsoft.com/office/drawing/2010/main">
+                    <a:solidFill>
+                      <a:srgbClr val="FFFFFF"/>
+                    </a:solidFill>
+                  </a14:hiddenFill>
+                </a:ext>
+              </a:extLst>
+            </p:spPr>
+          </p:pic>
+          <p:sp>
+            <p:nvSpPr>
+              <p:cNvPr id="2117" name="乘 2116">
+                <a:extLst>
+                  <a:ext uri="{FF2B5EF4-FFF2-40B4-BE49-F238E27FC236}">
+                    <a16:creationId xmlns:a16="http://schemas.microsoft.com/office/drawing/2014/main" id="{4563F9A7-5299-F93E-79EE-9CE6C5B5E820}"/>
+                  </a:ext>
+                </a:extLst>
+              </p:cNvPr>
+              <p:cNvSpPr/>
+              <p:nvPr/>
+            </p:nvSpPr>
+            <p:spPr>
+              <a:xfrm>
+                <a:off x="3109220" y="5416933"/>
+                <a:ext cx="662569" cy="662569"/>
+              </a:xfrm>
+              <a:prstGeom prst="mathMultiply">
+                <a:avLst/>
+              </a:prstGeom>
+              <a:solidFill>
+                <a:srgbClr val="FF8200"/>
+              </a:solidFill>
+              <a:ln>
+                <a:noFill/>
+              </a:ln>
+            </p:spPr>
+            <p:style>
+              <a:lnRef idx="2">
+                <a:schemeClr val="accent1">
+                  <a:shade val="50000"/>
+                </a:schemeClr>
+              </a:lnRef>
+              <a:fillRef idx="1">
+                <a:schemeClr val="accent1"/>
+              </a:fillRef>
+              <a:effectRef idx="0">
+                <a:schemeClr val="accent1"/>
+              </a:effectRef>
+              <a:fontRef idx="minor">
+                <a:schemeClr val="lt1"/>
+              </a:fontRef>
+            </p:style>
+            <p:txBody>
+              <a:bodyPr rtlCol="0" anchor="ctr"/>
+              <a:lstStyle/>
+              <a:p>
+                <a:pPr algn="ctr"/>
+                <a:endParaRPr kumimoji="1" lang="zh-CN" altLang="en-US"/>
+              </a:p>
+            </p:txBody>
+          </p:sp>
+        </p:grpSp>
+      </p:grpSp>
+    </p:spTree>
+    <p:extLst>
+      <p:ext uri="{BB962C8B-B14F-4D97-AF65-F5344CB8AC3E}">
+        <p14:creationId xmlns:p14="http://schemas.microsoft.com/office/powerpoint/2010/main" val="400856643"/>
+      </p:ext>
+    </p:extLst>
+  </p:cSld>
+  <p:clrMapOvr>
+    <a:masterClrMapping/>
+  </p:clrMapOvr>
+</p:sld>
+</file>
+
+<file path=ppt/slides/slide8.xml><?xml version="1.0" encoding="utf-8"?>
+<p:sld xmlns:a="http://schemas.openxmlformats.org/drawingml/2006/main" xmlns:r="http://schemas.openxmlformats.org/officeDocument/2006/relationships" xmlns:p="http://schemas.openxmlformats.org/presentationml/2006/main">
+  <p:cSld>
+    <p:spTree>
+      <p:nvGrpSpPr>
+        <p:cNvPr id="1" name=""/>
+        <p:cNvGrpSpPr/>
+        <p:nvPr/>
+      </p:nvGrpSpPr>
+      <p:grpSpPr>
+        <a:xfrm>
+          <a:off x="0" y="0"/>
+          <a:ext cx="0" cy="0"/>
+          <a:chOff x="0" y="0"/>
+          <a:chExt cx="0" cy="0"/>
+        </a:xfrm>
+      </p:grpSpPr>
+      <p:sp>
+        <p:nvSpPr>
+          <p:cNvPr id="2" name="标题 1">
+            <a:extLst>
+              <a:ext uri="{FF2B5EF4-FFF2-40B4-BE49-F238E27FC236}">
+                <a16:creationId xmlns:a16="http://schemas.microsoft.com/office/drawing/2014/main" id="{27D0CEE1-F419-87BA-D8EA-763113EE9D2D}"/>
+              </a:ext>
+            </a:extLst>
+          </p:cNvPr>
+          <p:cNvSpPr>
+            <a:spLocks noGrp="1"/>
+          </p:cNvSpPr>
+          <p:nvPr>
+            <p:ph type="title"/>
+          </p:nvPr>
+        </p:nvSpPr>
+        <p:spPr/>
+        <p:txBody>
+          <a:bodyPr/>
+          <a:lstStyle/>
+          <a:p>
+            <a:r>
+              <a:rPr kumimoji="1" lang="en-US" altLang="zh-CN" dirty="0"/>
               <a:t>Chapter 2: Datasets</a:t>
             </a:r>
             <a:endParaRPr kumimoji="1" lang="zh-CN" altLang="en-US" dirty="0"/>
@@ -21709,7 +24426,7 @@
 </p:sld>
 </file>
 
-<file path=ppt/slides/slide7.xml><?xml version="1.0" encoding="utf-8"?>
+<file path=ppt/slides/slide9.xml><?xml version="1.0" encoding="utf-8"?>
 <p:sld xmlns:a="http://schemas.openxmlformats.org/drawingml/2006/main" xmlns:r="http://schemas.openxmlformats.org/officeDocument/2006/relationships" xmlns:p="http://schemas.openxmlformats.org/presentationml/2006/main">
   <p:cSld>
     <p:spTree>
